--- a/Media Player.pptx
+++ b/Media Player.pptx
@@ -20,47 +20,44 @@
     <p:sldId id="265" r:id="rId14"/>
     <p:sldId id="266" r:id="rId15"/>
     <p:sldId id="267" r:id="rId16"/>
-    <p:sldId id="268" r:id="rId17"/>
-    <p:sldId id="269" r:id="rId18"/>
-    <p:sldId id="270" r:id="rId19"/>
   </p:sldIdLst>
   <p:sldSz cy="5143500" cx="9144000"/>
   <p:notesSz cx="6858000" cy="9144000"/>
   <p:embeddedFontLst>
     <p:embeddedFont>
       <p:font typeface="Ubuntu"/>
-      <p:regular r:id="rId20"/>
-      <p:bold r:id="rId21"/>
-      <p:italic r:id="rId22"/>
-      <p:boldItalic r:id="rId23"/>
+      <p:regular r:id="rId17"/>
+      <p:bold r:id="rId18"/>
+      <p:italic r:id="rId19"/>
+      <p:boldItalic r:id="rId20"/>
     </p:embeddedFont>
     <p:embeddedFont>
       <p:font typeface="Ubuntu Light"/>
-      <p:regular r:id="rId24"/>
-      <p:bold r:id="rId25"/>
-      <p:italic r:id="rId26"/>
-      <p:boldItalic r:id="rId27"/>
+      <p:regular r:id="rId21"/>
+      <p:bold r:id="rId22"/>
+      <p:italic r:id="rId23"/>
+      <p:boldItalic r:id="rId24"/>
     </p:embeddedFont>
     <p:embeddedFont>
       <p:font typeface="Roboto"/>
-      <p:regular r:id="rId28"/>
-      <p:bold r:id="rId29"/>
-      <p:italic r:id="rId30"/>
-      <p:boldItalic r:id="rId31"/>
+      <p:regular r:id="rId25"/>
+      <p:bold r:id="rId26"/>
+      <p:italic r:id="rId27"/>
+      <p:boldItalic r:id="rId28"/>
     </p:embeddedFont>
     <p:embeddedFont>
       <p:font typeface="Fira Sans Extra Condensed Medium"/>
-      <p:regular r:id="rId32"/>
-      <p:bold r:id="rId33"/>
-      <p:italic r:id="rId34"/>
-      <p:boldItalic r:id="rId35"/>
+      <p:regular r:id="rId29"/>
+      <p:bold r:id="rId30"/>
+      <p:italic r:id="rId31"/>
+      <p:boldItalic r:id="rId32"/>
     </p:embeddedFont>
     <p:embeddedFont>
       <p:font typeface="Work Sans"/>
-      <p:regular r:id="rId36"/>
-      <p:bold r:id="rId37"/>
-      <p:italic r:id="rId38"/>
-      <p:boldItalic r:id="rId39"/>
+      <p:regular r:id="rId33"/>
+      <p:bold r:id="rId34"/>
+      <p:italic r:id="rId35"/>
+      <p:boldItalic r:id="rId36"/>
     </p:embeddedFont>
   </p:embeddedFontLst>
   <p:defaultTextStyle>
@@ -978,6 +975,105 @@
   <p:cSld>
     <p:spTree>
       <p:nvGrpSpPr>
+        <p:cNvPr id="183" name="Shape 183"/>
+        <p:cNvGrpSpPr/>
+        <p:nvPr/>
+      </p:nvGrpSpPr>
+      <p:grpSpPr>
+        <a:xfrm>
+          <a:off x="0" y="0"/>
+          <a:ext cx="0" cy="0"/>
+          <a:chOff x="0" y="0"/>
+          <a:chExt cx="0" cy="0"/>
+        </a:xfrm>
+      </p:grpSpPr>
+      <p:sp>
+        <p:nvSpPr>
+          <p:cNvPr id="184" name="Google Shape;184;ga663db03cf_2_79:notes"/>
+          <p:cNvSpPr/>
+          <p:nvPr>
+            <p:ph idx="2" type="sldImg"/>
+          </p:nvPr>
+        </p:nvSpPr>
+        <p:spPr>
+          <a:xfrm>
+            <a:off x="381175" y="685800"/>
+            <a:ext cx="6096300" cy="3429000"/>
+          </a:xfrm>
+          <a:custGeom>
+            <a:rect b="b" l="l" r="r" t="t"/>
+            <a:pathLst>
+              <a:path extrusionOk="0" h="120000" w="120000">
+                <a:moveTo>
+                  <a:pt x="0" y="0"/>
+                </a:moveTo>
+                <a:lnTo>
+                  <a:pt x="120000" y="0"/>
+                </a:lnTo>
+                <a:lnTo>
+                  <a:pt x="120000" y="120000"/>
+                </a:lnTo>
+                <a:lnTo>
+                  <a:pt x="0" y="120000"/>
+                </a:lnTo>
+                <a:close/>
+              </a:path>
+            </a:pathLst>
+          </a:custGeom>
+        </p:spPr>
+      </p:sp>
+      <p:sp>
+        <p:nvSpPr>
+          <p:cNvPr id="185" name="Google Shape;185;ga663db03cf_2_79:notes"/>
+          <p:cNvSpPr txBox="1"/>
+          <p:nvPr>
+            <p:ph idx="1" type="body"/>
+          </p:nvPr>
+        </p:nvSpPr>
+        <p:spPr>
+          <a:xfrm>
+            <a:off x="685800" y="4343400"/>
+            <a:ext cx="5486400" cy="4114800"/>
+          </a:xfrm>
+          <a:prstGeom prst="rect">
+            <a:avLst/>
+          </a:prstGeom>
+        </p:spPr>
+        <p:txBody>
+          <a:bodyPr anchorCtr="0" anchor="t" bIns="91425" lIns="91425" spcFirstLastPara="1" rIns="91425" wrap="square" tIns="91425">
+            <a:noAutofit/>
+          </a:bodyPr>
+          <a:lstStyle/>
+          <a:p>
+            <a:pPr indent="0" lvl="0" marL="0" rtl="0" algn="l">
+              <a:spcBef>
+                <a:spcPts val="0"/>
+              </a:spcBef>
+              <a:spcAft>
+                <a:spcPts val="0"/>
+              </a:spcAft>
+              <a:buNone/>
+            </a:pPr>
+            <a:r>
+              <a:t/>
+            </a:r>
+            <a:endParaRPr/>
+          </a:p>
+        </p:txBody>
+      </p:sp>
+    </p:spTree>
+  </p:cSld>
+  <p:clrMapOvr>
+    <a:masterClrMapping/>
+  </p:clrMapOvr>
+</p:notes>
+</file>
+
+<file path=ppt/notesSlides/notesSlide11.xml><?xml version="1.0" encoding="utf-8"?>
+<p:notes xmlns:a="http://schemas.openxmlformats.org/drawingml/2006/main" xmlns:r="http://schemas.openxmlformats.org/officeDocument/2006/relationships" xmlns:mc="http://schemas.openxmlformats.org/markup-compatibility/2006" xmlns:mv="urn:schemas-microsoft-com:mac:vml" xmlns:p="http://schemas.openxmlformats.org/presentationml/2006/main" xmlns:c="http://schemas.openxmlformats.org/drawingml/2006/chart" xmlns:dgm="http://schemas.openxmlformats.org/drawingml/2006/diagram" xmlns:o="urn:schemas-microsoft-com:office:office" xmlns:v="urn:schemas-microsoft-com:vml" xmlns:pvml="urn:schemas-microsoft-com:office:powerpoint" xmlns:com="http://schemas.openxmlformats.org/drawingml/2006/compatibility" xmlns:p14="http://schemas.microsoft.com/office/powerpoint/2010/main" xmlns:p15="http://schemas.microsoft.com/office/powerpoint/2012/main" xmlns:ahyp="http://schemas.microsoft.com/office/drawing/2018/hyperlinkcolor" showMasterPhAnim="0" showMasterSp="0">
+  <p:cSld>
+    <p:spTree>
+      <p:nvGrpSpPr>
         <p:cNvPr id="189" name="Shape 189"/>
         <p:cNvGrpSpPr/>
         <p:nvPr/>
@@ -992,7 +1088,7 @@
       </p:grpSpPr>
       <p:sp>
         <p:nvSpPr>
-          <p:cNvPr id="190" name="Google Shape;190;p3:notes"/>
+          <p:cNvPr id="190" name="Google Shape;190;p22:notes"/>
           <p:cNvSpPr/>
           <p:nvPr>
             <p:ph idx="2" type="sldImg"/>
@@ -1037,7 +1133,7 @@
       </p:sp>
       <p:sp>
         <p:nvSpPr>
-          <p:cNvPr id="191" name="Google Shape;191;p3:notes"/>
+          <p:cNvPr id="191" name="Google Shape;191;p22:notes"/>
           <p:cNvSpPr txBox="1"/>
           <p:nvPr>
             <p:ph idx="1" type="body"/>
@@ -1073,105 +1169,6 @@
                 <a:spcPts val="0"/>
               </a:spcAft>
               <a:buSzPts val="1400"/>
-              <a:buNone/>
-            </a:pPr>
-            <a:r>
-              <a:t/>
-            </a:r>
-            <a:endParaRPr/>
-          </a:p>
-        </p:txBody>
-      </p:sp>
-    </p:spTree>
-  </p:cSld>
-  <p:clrMapOvr>
-    <a:masterClrMapping/>
-  </p:clrMapOvr>
-</p:notes>
-</file>
-
-<file path=ppt/notesSlides/notesSlide11.xml><?xml version="1.0" encoding="utf-8"?>
-<p:notes xmlns:a="http://schemas.openxmlformats.org/drawingml/2006/main" xmlns:r="http://schemas.openxmlformats.org/officeDocument/2006/relationships" xmlns:mc="http://schemas.openxmlformats.org/markup-compatibility/2006" xmlns:mv="urn:schemas-microsoft-com:mac:vml" xmlns:p="http://schemas.openxmlformats.org/presentationml/2006/main" xmlns:c="http://schemas.openxmlformats.org/drawingml/2006/chart" xmlns:dgm="http://schemas.openxmlformats.org/drawingml/2006/diagram" xmlns:o="urn:schemas-microsoft-com:office:office" xmlns:v="urn:schemas-microsoft-com:vml" xmlns:pvml="urn:schemas-microsoft-com:office:powerpoint" xmlns:com="http://schemas.openxmlformats.org/drawingml/2006/compatibility" xmlns:p14="http://schemas.microsoft.com/office/powerpoint/2010/main" xmlns:p15="http://schemas.microsoft.com/office/powerpoint/2012/main" xmlns:ahyp="http://schemas.microsoft.com/office/drawing/2018/hyperlinkcolor" showMasterPhAnim="0" showMasterSp="0">
-  <p:cSld>
-    <p:spTree>
-      <p:nvGrpSpPr>
-        <p:cNvPr id="196" name="Shape 196"/>
-        <p:cNvGrpSpPr/>
-        <p:nvPr/>
-      </p:nvGrpSpPr>
-      <p:grpSpPr>
-        <a:xfrm>
-          <a:off x="0" y="0"/>
-          <a:ext cx="0" cy="0"/>
-          <a:chOff x="0" y="0"/>
-          <a:chExt cx="0" cy="0"/>
-        </a:xfrm>
-      </p:grpSpPr>
-      <p:sp>
-        <p:nvSpPr>
-          <p:cNvPr id="197" name="Google Shape;197;ga663db03cf_2_79:notes"/>
-          <p:cNvSpPr/>
-          <p:nvPr>
-            <p:ph idx="2" type="sldImg"/>
-          </p:nvPr>
-        </p:nvSpPr>
-        <p:spPr>
-          <a:xfrm>
-            <a:off x="381175" y="685800"/>
-            <a:ext cx="6096300" cy="3429000"/>
-          </a:xfrm>
-          <a:custGeom>
-            <a:rect b="b" l="l" r="r" t="t"/>
-            <a:pathLst>
-              <a:path extrusionOk="0" h="120000" w="120000">
-                <a:moveTo>
-                  <a:pt x="0" y="0"/>
-                </a:moveTo>
-                <a:lnTo>
-                  <a:pt x="120000" y="0"/>
-                </a:lnTo>
-                <a:lnTo>
-                  <a:pt x="120000" y="120000"/>
-                </a:lnTo>
-                <a:lnTo>
-                  <a:pt x="0" y="120000"/>
-                </a:lnTo>
-                <a:close/>
-              </a:path>
-            </a:pathLst>
-          </a:custGeom>
-        </p:spPr>
-      </p:sp>
-      <p:sp>
-        <p:nvSpPr>
-          <p:cNvPr id="198" name="Google Shape;198;ga663db03cf_2_79:notes"/>
-          <p:cNvSpPr txBox="1"/>
-          <p:nvPr>
-            <p:ph idx="1" type="body"/>
-          </p:nvPr>
-        </p:nvSpPr>
-        <p:spPr>
-          <a:xfrm>
-            <a:off x="685800" y="4343400"/>
-            <a:ext cx="5486400" cy="4114800"/>
-          </a:xfrm>
-          <a:prstGeom prst="rect">
-            <a:avLst/>
-          </a:prstGeom>
-        </p:spPr>
-        <p:txBody>
-          <a:bodyPr anchorCtr="0" anchor="t" bIns="91425" lIns="91425" spcFirstLastPara="1" rIns="91425" wrap="square" tIns="91425">
-            <a:noAutofit/>
-          </a:bodyPr>
-          <a:lstStyle/>
-          <a:p>
-            <a:pPr indent="0" lvl="0" marL="0" rtl="0" algn="l">
-              <a:spcBef>
-                <a:spcPts val="0"/>
-              </a:spcBef>
-              <a:spcAft>
-                <a:spcPts val="0"/>
-              </a:spcAft>
               <a:buNone/>
             </a:pPr>
             <a:r>
@@ -1208,7 +1205,7 @@
       </p:grpSpPr>
       <p:sp>
         <p:nvSpPr>
-          <p:cNvPr id="203" name="Google Shape;203;ga663db03cf_2_84:notes"/>
+          <p:cNvPr id="203" name="Google Shape;203;p5:notes"/>
           <p:cNvSpPr/>
           <p:nvPr>
             <p:ph idx="2" type="sldImg"/>
@@ -1253,358 +1250,7 @@
       </p:sp>
       <p:sp>
         <p:nvSpPr>
-          <p:cNvPr id="204" name="Google Shape;204;ga663db03cf_2_84:notes"/>
-          <p:cNvSpPr txBox="1"/>
-          <p:nvPr>
-            <p:ph idx="1" type="body"/>
-          </p:nvPr>
-        </p:nvSpPr>
-        <p:spPr>
-          <a:xfrm>
-            <a:off x="685800" y="4343400"/>
-            <a:ext cx="5486400" cy="4114800"/>
-          </a:xfrm>
-          <a:prstGeom prst="rect">
-            <a:avLst/>
-          </a:prstGeom>
-          <a:noFill/>
-          <a:ln>
-            <a:noFill/>
-          </a:ln>
-        </p:spPr>
-        <p:txBody>
-          <a:bodyPr anchorCtr="0" anchor="t" bIns="91425" lIns="91425" spcFirstLastPara="1" rIns="91425" wrap="square" tIns="91425">
-            <a:noAutofit/>
-          </a:bodyPr>
-          <a:lstStyle/>
-          <a:p>
-            <a:pPr indent="0" lvl="0" marL="0" rtl="0" algn="l">
-              <a:lnSpc>
-                <a:spcPct val="100000"/>
-              </a:lnSpc>
-              <a:spcBef>
-                <a:spcPts val="0"/>
-              </a:spcBef>
-              <a:spcAft>
-                <a:spcPts val="0"/>
-              </a:spcAft>
-              <a:buSzPts val="1400"/>
-              <a:buNone/>
-            </a:pPr>
-            <a:r>
-              <a:t/>
-            </a:r>
-            <a:endParaRPr/>
-          </a:p>
-        </p:txBody>
-      </p:sp>
-    </p:spTree>
-  </p:cSld>
-  <p:clrMapOvr>
-    <a:masterClrMapping/>
-  </p:clrMapOvr>
-</p:notes>
-</file>
-
-<file path=ppt/notesSlides/notesSlide13.xml><?xml version="1.0" encoding="utf-8"?>
-<p:notes xmlns:a="http://schemas.openxmlformats.org/drawingml/2006/main" xmlns:r="http://schemas.openxmlformats.org/officeDocument/2006/relationships" xmlns:mc="http://schemas.openxmlformats.org/markup-compatibility/2006" xmlns:mv="urn:schemas-microsoft-com:mac:vml" xmlns:p="http://schemas.openxmlformats.org/presentationml/2006/main" xmlns:c="http://schemas.openxmlformats.org/drawingml/2006/chart" xmlns:dgm="http://schemas.openxmlformats.org/drawingml/2006/diagram" xmlns:o="urn:schemas-microsoft-com:office:office" xmlns:v="urn:schemas-microsoft-com:vml" xmlns:pvml="urn:schemas-microsoft-com:office:powerpoint" xmlns:com="http://schemas.openxmlformats.org/drawingml/2006/compatibility" xmlns:p14="http://schemas.microsoft.com/office/powerpoint/2010/main" xmlns:p15="http://schemas.microsoft.com/office/powerpoint/2012/main" xmlns:ahyp="http://schemas.microsoft.com/office/drawing/2018/hyperlinkcolor" showMasterPhAnim="0" showMasterSp="0">
-  <p:cSld>
-    <p:spTree>
-      <p:nvGrpSpPr>
-        <p:cNvPr id="208" name="Shape 208"/>
-        <p:cNvGrpSpPr/>
-        <p:nvPr/>
-      </p:nvGrpSpPr>
-      <p:grpSpPr>
-        <a:xfrm>
-          <a:off x="0" y="0"/>
-          <a:ext cx="0" cy="0"/>
-          <a:chOff x="0" y="0"/>
-          <a:chExt cx="0" cy="0"/>
-        </a:xfrm>
-      </p:grpSpPr>
-      <p:sp>
-        <p:nvSpPr>
-          <p:cNvPr id="209" name="Google Shape;209;ga663db03cf_2_90:notes"/>
-          <p:cNvSpPr/>
-          <p:nvPr>
-            <p:ph idx="2" type="sldImg"/>
-          </p:nvPr>
-        </p:nvSpPr>
-        <p:spPr>
-          <a:xfrm>
-            <a:off x="381175" y="685800"/>
-            <a:ext cx="6096300" cy="3429000"/>
-          </a:xfrm>
-          <a:custGeom>
-            <a:rect b="b" l="l" r="r" t="t"/>
-            <a:pathLst>
-              <a:path extrusionOk="0" h="120000" w="120000">
-                <a:moveTo>
-                  <a:pt x="0" y="0"/>
-                </a:moveTo>
-                <a:lnTo>
-                  <a:pt x="120000" y="0"/>
-                </a:lnTo>
-                <a:lnTo>
-                  <a:pt x="120000" y="120000"/>
-                </a:lnTo>
-                <a:lnTo>
-                  <a:pt x="0" y="120000"/>
-                </a:lnTo>
-                <a:close/>
-              </a:path>
-            </a:pathLst>
-          </a:custGeom>
-          <a:noFill/>
-          <a:ln cap="flat" cmpd="sng" w="9525">
-            <a:solidFill>
-              <a:srgbClr val="000000"/>
-            </a:solidFill>
-            <a:prstDash val="solid"/>
-            <a:round/>
-            <a:headEnd len="sm" w="sm" type="none"/>
-            <a:tailEnd len="sm" w="sm" type="none"/>
-          </a:ln>
-        </p:spPr>
-      </p:sp>
-      <p:sp>
-        <p:nvSpPr>
-          <p:cNvPr id="210" name="Google Shape;210;ga663db03cf_2_90:notes"/>
-          <p:cNvSpPr txBox="1"/>
-          <p:nvPr>
-            <p:ph idx="1" type="body"/>
-          </p:nvPr>
-        </p:nvSpPr>
-        <p:spPr>
-          <a:xfrm>
-            <a:off x="685800" y="4343400"/>
-            <a:ext cx="5486400" cy="4114800"/>
-          </a:xfrm>
-          <a:prstGeom prst="rect">
-            <a:avLst/>
-          </a:prstGeom>
-          <a:noFill/>
-          <a:ln>
-            <a:noFill/>
-          </a:ln>
-        </p:spPr>
-        <p:txBody>
-          <a:bodyPr anchorCtr="0" anchor="t" bIns="91425" lIns="91425" spcFirstLastPara="1" rIns="91425" wrap="square" tIns="91425">
-            <a:noAutofit/>
-          </a:bodyPr>
-          <a:lstStyle/>
-          <a:p>
-            <a:pPr indent="0" lvl="0" marL="0" rtl="0" algn="l">
-              <a:lnSpc>
-                <a:spcPct val="100000"/>
-              </a:lnSpc>
-              <a:spcBef>
-                <a:spcPts val="0"/>
-              </a:spcBef>
-              <a:spcAft>
-                <a:spcPts val="0"/>
-              </a:spcAft>
-              <a:buSzPts val="1400"/>
-              <a:buNone/>
-            </a:pPr>
-            <a:r>
-              <a:t/>
-            </a:r>
-            <a:endParaRPr/>
-          </a:p>
-        </p:txBody>
-      </p:sp>
-    </p:spTree>
-  </p:cSld>
-  <p:clrMapOvr>
-    <a:masterClrMapping/>
-  </p:clrMapOvr>
-</p:notes>
-</file>
-
-<file path=ppt/notesSlides/notesSlide14.xml><?xml version="1.0" encoding="utf-8"?>
-<p:notes xmlns:a="http://schemas.openxmlformats.org/drawingml/2006/main" xmlns:r="http://schemas.openxmlformats.org/officeDocument/2006/relationships" xmlns:mc="http://schemas.openxmlformats.org/markup-compatibility/2006" xmlns:mv="urn:schemas-microsoft-com:mac:vml" xmlns:p="http://schemas.openxmlformats.org/presentationml/2006/main" xmlns:c="http://schemas.openxmlformats.org/drawingml/2006/chart" xmlns:dgm="http://schemas.openxmlformats.org/drawingml/2006/diagram" xmlns:o="urn:schemas-microsoft-com:office:office" xmlns:v="urn:schemas-microsoft-com:vml" xmlns:pvml="urn:schemas-microsoft-com:office:powerpoint" xmlns:com="http://schemas.openxmlformats.org/drawingml/2006/compatibility" xmlns:p14="http://schemas.microsoft.com/office/powerpoint/2010/main" xmlns:p15="http://schemas.microsoft.com/office/powerpoint/2012/main" xmlns:ahyp="http://schemas.microsoft.com/office/drawing/2018/hyperlinkcolor" showMasterPhAnim="0" showMasterSp="0">
-  <p:cSld>
-    <p:spTree>
-      <p:nvGrpSpPr>
-        <p:cNvPr id="214" name="Shape 214"/>
-        <p:cNvGrpSpPr/>
-        <p:nvPr/>
-      </p:nvGrpSpPr>
-      <p:grpSpPr>
-        <a:xfrm>
-          <a:off x="0" y="0"/>
-          <a:ext cx="0" cy="0"/>
-          <a:chOff x="0" y="0"/>
-          <a:chExt cx="0" cy="0"/>
-        </a:xfrm>
-      </p:grpSpPr>
-      <p:sp>
-        <p:nvSpPr>
-          <p:cNvPr id="215" name="Google Shape;215;ga663db03cf_2_95:notes"/>
-          <p:cNvSpPr/>
-          <p:nvPr>
-            <p:ph idx="2" type="sldImg"/>
-          </p:nvPr>
-        </p:nvSpPr>
-        <p:spPr>
-          <a:xfrm>
-            <a:off x="381175" y="685800"/>
-            <a:ext cx="6096300" cy="3429000"/>
-          </a:xfrm>
-          <a:custGeom>
-            <a:rect b="b" l="l" r="r" t="t"/>
-            <a:pathLst>
-              <a:path extrusionOk="0" h="120000" w="120000">
-                <a:moveTo>
-                  <a:pt x="0" y="0"/>
-                </a:moveTo>
-                <a:lnTo>
-                  <a:pt x="120000" y="0"/>
-                </a:lnTo>
-                <a:lnTo>
-                  <a:pt x="120000" y="120000"/>
-                </a:lnTo>
-                <a:lnTo>
-                  <a:pt x="0" y="120000"/>
-                </a:lnTo>
-                <a:close/>
-              </a:path>
-            </a:pathLst>
-          </a:custGeom>
-          <a:noFill/>
-          <a:ln cap="flat" cmpd="sng" w="9525">
-            <a:solidFill>
-              <a:srgbClr val="000000"/>
-            </a:solidFill>
-            <a:prstDash val="solid"/>
-            <a:round/>
-            <a:headEnd len="sm" w="sm" type="none"/>
-            <a:tailEnd len="sm" w="sm" type="none"/>
-          </a:ln>
-        </p:spPr>
-      </p:sp>
-      <p:sp>
-        <p:nvSpPr>
-          <p:cNvPr id="216" name="Google Shape;216;ga663db03cf_2_95:notes"/>
-          <p:cNvSpPr txBox="1"/>
-          <p:nvPr>
-            <p:ph idx="1" type="body"/>
-          </p:nvPr>
-        </p:nvSpPr>
-        <p:spPr>
-          <a:xfrm>
-            <a:off x="685800" y="4343400"/>
-            <a:ext cx="5486400" cy="4114800"/>
-          </a:xfrm>
-          <a:prstGeom prst="rect">
-            <a:avLst/>
-          </a:prstGeom>
-          <a:noFill/>
-          <a:ln>
-            <a:noFill/>
-          </a:ln>
-        </p:spPr>
-        <p:txBody>
-          <a:bodyPr anchorCtr="0" anchor="t" bIns="91425" lIns="91425" spcFirstLastPara="1" rIns="91425" wrap="square" tIns="91425">
-            <a:noAutofit/>
-          </a:bodyPr>
-          <a:lstStyle/>
-          <a:p>
-            <a:pPr indent="0" lvl="0" marL="0" rtl="0" algn="l">
-              <a:lnSpc>
-                <a:spcPct val="100000"/>
-              </a:lnSpc>
-              <a:spcBef>
-                <a:spcPts val="0"/>
-              </a:spcBef>
-              <a:spcAft>
-                <a:spcPts val="0"/>
-              </a:spcAft>
-              <a:buSzPts val="1400"/>
-              <a:buNone/>
-            </a:pPr>
-            <a:r>
-              <a:t/>
-            </a:r>
-            <a:endParaRPr/>
-          </a:p>
-        </p:txBody>
-      </p:sp>
-    </p:spTree>
-  </p:cSld>
-  <p:clrMapOvr>
-    <a:masterClrMapping/>
-  </p:clrMapOvr>
-</p:notes>
-</file>
-
-<file path=ppt/notesSlides/notesSlide15.xml><?xml version="1.0" encoding="utf-8"?>
-<p:notes xmlns:a="http://schemas.openxmlformats.org/drawingml/2006/main" xmlns:r="http://schemas.openxmlformats.org/officeDocument/2006/relationships" xmlns:mc="http://schemas.openxmlformats.org/markup-compatibility/2006" xmlns:mv="urn:schemas-microsoft-com:mac:vml" xmlns:p="http://schemas.openxmlformats.org/presentationml/2006/main" xmlns:c="http://schemas.openxmlformats.org/drawingml/2006/chart" xmlns:dgm="http://schemas.openxmlformats.org/drawingml/2006/diagram" xmlns:o="urn:schemas-microsoft-com:office:office" xmlns:v="urn:schemas-microsoft-com:vml" xmlns:pvml="urn:schemas-microsoft-com:office:powerpoint" xmlns:com="http://schemas.openxmlformats.org/drawingml/2006/compatibility" xmlns:p14="http://schemas.microsoft.com/office/powerpoint/2010/main" xmlns:p15="http://schemas.microsoft.com/office/powerpoint/2012/main" xmlns:ahyp="http://schemas.microsoft.com/office/drawing/2018/hyperlinkcolor" showMasterPhAnim="0" showMasterSp="0">
-  <p:cSld>
-    <p:spTree>
-      <p:nvGrpSpPr>
-        <p:cNvPr id="220" name="Shape 220"/>
-        <p:cNvGrpSpPr/>
-        <p:nvPr/>
-      </p:nvGrpSpPr>
-      <p:grpSpPr>
-        <a:xfrm>
-          <a:off x="0" y="0"/>
-          <a:ext cx="0" cy="0"/>
-          <a:chOff x="0" y="0"/>
-          <a:chExt cx="0" cy="0"/>
-        </a:xfrm>
-      </p:grpSpPr>
-      <p:sp>
-        <p:nvSpPr>
-          <p:cNvPr id="221" name="Google Shape;221;p5:notes"/>
-          <p:cNvSpPr/>
-          <p:nvPr>
-            <p:ph idx="2" type="sldImg"/>
-          </p:nvPr>
-        </p:nvSpPr>
-        <p:spPr>
-          <a:xfrm>
-            <a:off x="381175" y="685800"/>
-            <a:ext cx="6096300" cy="3429000"/>
-          </a:xfrm>
-          <a:custGeom>
-            <a:rect b="b" l="l" r="r" t="t"/>
-            <a:pathLst>
-              <a:path extrusionOk="0" h="120000" w="120000">
-                <a:moveTo>
-                  <a:pt x="0" y="0"/>
-                </a:moveTo>
-                <a:lnTo>
-                  <a:pt x="120000" y="0"/>
-                </a:lnTo>
-                <a:lnTo>
-                  <a:pt x="120000" y="120000"/>
-                </a:lnTo>
-                <a:lnTo>
-                  <a:pt x="0" y="120000"/>
-                </a:lnTo>
-                <a:close/>
-              </a:path>
-            </a:pathLst>
-          </a:custGeom>
-          <a:noFill/>
-          <a:ln cap="flat" cmpd="sng" w="9525">
-            <a:solidFill>
-              <a:srgbClr val="000000"/>
-            </a:solidFill>
-            <a:prstDash val="solid"/>
-            <a:round/>
-            <a:headEnd len="sm" w="sm" type="none"/>
-            <a:tailEnd len="sm" w="sm" type="none"/>
-          </a:ln>
-        </p:spPr>
-      </p:sp>
-      <p:sp>
-        <p:nvSpPr>
-          <p:cNvPr id="222" name="Google Shape;222;p5:notes"/>
+          <p:cNvPr id="204" name="Google Shape;204;p5:notes"/>
           <p:cNvSpPr txBox="1"/>
           <p:nvPr>
             <p:ph idx="1" type="body"/>
@@ -1676,7 +1322,106 @@
       </p:grpSpPr>
       <p:sp>
         <p:nvSpPr>
-          <p:cNvPr id="54" name="Google Shape;54;p22:notes"/>
+          <p:cNvPr id="54" name="Google Shape;54;ga634a17b51_0_1:notes"/>
+          <p:cNvSpPr/>
+          <p:nvPr>
+            <p:ph idx="2" type="sldImg"/>
+          </p:nvPr>
+        </p:nvSpPr>
+        <p:spPr>
+          <a:xfrm>
+            <a:off x="381175" y="685800"/>
+            <a:ext cx="6096300" cy="3429000"/>
+          </a:xfrm>
+          <a:custGeom>
+            <a:rect b="b" l="l" r="r" t="t"/>
+            <a:pathLst>
+              <a:path extrusionOk="0" h="120000" w="120000">
+                <a:moveTo>
+                  <a:pt x="0" y="0"/>
+                </a:moveTo>
+                <a:lnTo>
+                  <a:pt x="120000" y="0"/>
+                </a:lnTo>
+                <a:lnTo>
+                  <a:pt x="120000" y="120000"/>
+                </a:lnTo>
+                <a:lnTo>
+                  <a:pt x="0" y="120000"/>
+                </a:lnTo>
+                <a:close/>
+              </a:path>
+            </a:pathLst>
+          </a:custGeom>
+        </p:spPr>
+      </p:sp>
+      <p:sp>
+        <p:nvSpPr>
+          <p:cNvPr id="55" name="Google Shape;55;ga634a17b51_0_1:notes"/>
+          <p:cNvSpPr txBox="1"/>
+          <p:nvPr>
+            <p:ph idx="1" type="body"/>
+          </p:nvPr>
+        </p:nvSpPr>
+        <p:spPr>
+          <a:xfrm>
+            <a:off x="685800" y="4343400"/>
+            <a:ext cx="5486400" cy="4114800"/>
+          </a:xfrm>
+          <a:prstGeom prst="rect">
+            <a:avLst/>
+          </a:prstGeom>
+        </p:spPr>
+        <p:txBody>
+          <a:bodyPr anchorCtr="0" anchor="t" bIns="91425" lIns="91425" spcFirstLastPara="1" rIns="91425" wrap="square" tIns="91425">
+            <a:noAutofit/>
+          </a:bodyPr>
+          <a:lstStyle/>
+          <a:p>
+            <a:pPr indent="0" lvl="0" marL="0" rtl="0" algn="l">
+              <a:spcBef>
+                <a:spcPts val="0"/>
+              </a:spcBef>
+              <a:spcAft>
+                <a:spcPts val="0"/>
+              </a:spcAft>
+              <a:buNone/>
+            </a:pPr>
+            <a:r>
+              <a:t/>
+            </a:r>
+            <a:endParaRPr/>
+          </a:p>
+        </p:txBody>
+      </p:sp>
+    </p:spTree>
+  </p:cSld>
+  <p:clrMapOvr>
+    <a:masterClrMapping/>
+  </p:clrMapOvr>
+</p:notes>
+</file>
+
+<file path=ppt/notesSlides/notesSlide3.xml><?xml version="1.0" encoding="utf-8"?>
+<p:notes xmlns:a="http://schemas.openxmlformats.org/drawingml/2006/main" xmlns:r="http://schemas.openxmlformats.org/officeDocument/2006/relationships" xmlns:mc="http://schemas.openxmlformats.org/markup-compatibility/2006" xmlns:mv="urn:schemas-microsoft-com:mac:vml" xmlns:p="http://schemas.openxmlformats.org/presentationml/2006/main" xmlns:c="http://schemas.openxmlformats.org/drawingml/2006/chart" xmlns:dgm="http://schemas.openxmlformats.org/drawingml/2006/diagram" xmlns:o="urn:schemas-microsoft-com:office:office" xmlns:v="urn:schemas-microsoft-com:vml" xmlns:pvml="urn:schemas-microsoft-com:office:powerpoint" xmlns:com="http://schemas.openxmlformats.org/drawingml/2006/compatibility" xmlns:p14="http://schemas.microsoft.com/office/powerpoint/2010/main" xmlns:p15="http://schemas.microsoft.com/office/powerpoint/2012/main" xmlns:ahyp="http://schemas.microsoft.com/office/drawing/2018/hyperlinkcolor" showMasterPhAnim="0" showMasterSp="0">
+  <p:cSld>
+    <p:spTree>
+      <p:nvGrpSpPr>
+        <p:cNvPr id="104" name="Shape 104"/>
+        <p:cNvGrpSpPr/>
+        <p:nvPr/>
+      </p:nvGrpSpPr>
+      <p:grpSpPr>
+        <a:xfrm>
+          <a:off x="0" y="0"/>
+          <a:ext cx="0" cy="0"/>
+          <a:chOff x="0" y="0"/>
+          <a:chExt cx="0" cy="0"/>
+        </a:xfrm>
+      </p:grpSpPr>
+      <p:sp>
+        <p:nvSpPr>
+          <p:cNvPr id="105" name="Google Shape;105;p4:notes"/>
           <p:cNvSpPr/>
           <p:nvPr>
             <p:ph idx="2" type="sldImg"/>
@@ -1721,7 +1466,7 @@
       </p:sp>
       <p:sp>
         <p:nvSpPr>
-          <p:cNvPr id="55" name="Google Shape;55;p22:notes"/>
+          <p:cNvPr id="106" name="Google Shape;106;p4:notes"/>
           <p:cNvSpPr txBox="1"/>
           <p:nvPr>
             <p:ph idx="1" type="body"/>
@@ -1774,12 +1519,12 @@
 </p:notes>
 </file>
 
-<file path=ppt/notesSlides/notesSlide3.xml><?xml version="1.0" encoding="utf-8"?>
+<file path=ppt/notesSlides/notesSlide4.xml><?xml version="1.0" encoding="utf-8"?>
 <p:notes xmlns:a="http://schemas.openxmlformats.org/drawingml/2006/main" xmlns:r="http://schemas.openxmlformats.org/officeDocument/2006/relationships" xmlns:mc="http://schemas.openxmlformats.org/markup-compatibility/2006" xmlns:mv="urn:schemas-microsoft-com:mac:vml" xmlns:p="http://schemas.openxmlformats.org/presentationml/2006/main" xmlns:c="http://schemas.openxmlformats.org/drawingml/2006/chart" xmlns:dgm="http://schemas.openxmlformats.org/drawingml/2006/diagram" xmlns:o="urn:schemas-microsoft-com:office:office" xmlns:v="urn:schemas-microsoft-com:vml" xmlns:pvml="urn:schemas-microsoft-com:office:powerpoint" xmlns:com="http://schemas.openxmlformats.org/drawingml/2006/compatibility" xmlns:p14="http://schemas.microsoft.com/office/powerpoint/2010/main" xmlns:p15="http://schemas.microsoft.com/office/powerpoint/2012/main" xmlns:ahyp="http://schemas.microsoft.com/office/drawing/2018/hyperlinkcolor" showMasterPhAnim="0" showMasterSp="0">
   <p:cSld>
     <p:spTree>
       <p:nvGrpSpPr>
-        <p:cNvPr id="66" name="Shape 66"/>
+        <p:cNvPr id="110" name="Shape 110"/>
         <p:cNvGrpSpPr/>
         <p:nvPr/>
       </p:nvGrpSpPr>
@@ -1793,106 +1538,7 @@
       </p:grpSpPr>
       <p:sp>
         <p:nvSpPr>
-          <p:cNvPr id="67" name="Google Shape;67;ga634a17b51_0_1:notes"/>
-          <p:cNvSpPr/>
-          <p:nvPr>
-            <p:ph idx="2" type="sldImg"/>
-          </p:nvPr>
-        </p:nvSpPr>
-        <p:spPr>
-          <a:xfrm>
-            <a:off x="381175" y="685800"/>
-            <a:ext cx="6096300" cy="3429000"/>
-          </a:xfrm>
-          <a:custGeom>
-            <a:rect b="b" l="l" r="r" t="t"/>
-            <a:pathLst>
-              <a:path extrusionOk="0" h="120000" w="120000">
-                <a:moveTo>
-                  <a:pt x="0" y="0"/>
-                </a:moveTo>
-                <a:lnTo>
-                  <a:pt x="120000" y="0"/>
-                </a:lnTo>
-                <a:lnTo>
-                  <a:pt x="120000" y="120000"/>
-                </a:lnTo>
-                <a:lnTo>
-                  <a:pt x="0" y="120000"/>
-                </a:lnTo>
-                <a:close/>
-              </a:path>
-            </a:pathLst>
-          </a:custGeom>
-        </p:spPr>
-      </p:sp>
-      <p:sp>
-        <p:nvSpPr>
-          <p:cNvPr id="68" name="Google Shape;68;ga634a17b51_0_1:notes"/>
-          <p:cNvSpPr txBox="1"/>
-          <p:nvPr>
-            <p:ph idx="1" type="body"/>
-          </p:nvPr>
-        </p:nvSpPr>
-        <p:spPr>
-          <a:xfrm>
-            <a:off x="685800" y="4343400"/>
-            <a:ext cx="5486400" cy="4114800"/>
-          </a:xfrm>
-          <a:prstGeom prst="rect">
-            <a:avLst/>
-          </a:prstGeom>
-        </p:spPr>
-        <p:txBody>
-          <a:bodyPr anchorCtr="0" anchor="t" bIns="91425" lIns="91425" spcFirstLastPara="1" rIns="91425" wrap="square" tIns="91425">
-            <a:noAutofit/>
-          </a:bodyPr>
-          <a:lstStyle/>
-          <a:p>
-            <a:pPr indent="0" lvl="0" marL="0" rtl="0" algn="l">
-              <a:spcBef>
-                <a:spcPts val="0"/>
-              </a:spcBef>
-              <a:spcAft>
-                <a:spcPts val="0"/>
-              </a:spcAft>
-              <a:buNone/>
-            </a:pPr>
-            <a:r>
-              <a:t/>
-            </a:r>
-            <a:endParaRPr/>
-          </a:p>
-        </p:txBody>
-      </p:sp>
-    </p:spTree>
-  </p:cSld>
-  <p:clrMapOvr>
-    <a:masterClrMapping/>
-  </p:clrMapOvr>
-</p:notes>
-</file>
-
-<file path=ppt/notesSlides/notesSlide4.xml><?xml version="1.0" encoding="utf-8"?>
-<p:notes xmlns:a="http://schemas.openxmlformats.org/drawingml/2006/main" xmlns:r="http://schemas.openxmlformats.org/officeDocument/2006/relationships" xmlns:mc="http://schemas.openxmlformats.org/markup-compatibility/2006" xmlns:mv="urn:schemas-microsoft-com:mac:vml" xmlns:p="http://schemas.openxmlformats.org/presentationml/2006/main" xmlns:c="http://schemas.openxmlformats.org/drawingml/2006/chart" xmlns:dgm="http://schemas.openxmlformats.org/drawingml/2006/diagram" xmlns:o="urn:schemas-microsoft-com:office:office" xmlns:v="urn:schemas-microsoft-com:vml" xmlns:pvml="urn:schemas-microsoft-com:office:powerpoint" xmlns:com="http://schemas.openxmlformats.org/drawingml/2006/compatibility" xmlns:p14="http://schemas.microsoft.com/office/powerpoint/2010/main" xmlns:p15="http://schemas.microsoft.com/office/powerpoint/2012/main" xmlns:ahyp="http://schemas.microsoft.com/office/drawing/2018/hyperlinkcolor" showMasterPhAnim="0" showMasterSp="0">
-  <p:cSld>
-    <p:spTree>
-      <p:nvGrpSpPr>
-        <p:cNvPr id="117" name="Shape 117"/>
-        <p:cNvGrpSpPr/>
-        <p:nvPr/>
-      </p:nvGrpSpPr>
-      <p:grpSpPr>
-        <a:xfrm>
-          <a:off x="0" y="0"/>
-          <a:ext cx="0" cy="0"/>
-          <a:chOff x="0" y="0"/>
-          <a:chExt cx="0" cy="0"/>
-        </a:xfrm>
-      </p:grpSpPr>
-      <p:sp>
-        <p:nvSpPr>
-          <p:cNvPr id="118" name="Google Shape;118;p4:notes"/>
+          <p:cNvPr id="111" name="Google Shape;111;p9:notes"/>
           <p:cNvSpPr/>
           <p:nvPr>
             <p:ph idx="2" type="sldImg"/>
@@ -1937,7 +1583,7 @@
       </p:sp>
       <p:sp>
         <p:nvSpPr>
-          <p:cNvPr id="119" name="Google Shape;119;p4:notes"/>
+          <p:cNvPr id="112" name="Google Shape;112;p9:notes"/>
           <p:cNvSpPr txBox="1"/>
           <p:nvPr>
             <p:ph idx="1" type="body"/>
@@ -1995,7 +1641,7 @@
   <p:cSld>
     <p:spTree>
       <p:nvGrpSpPr>
-        <p:cNvPr id="123" name="Shape 123"/>
+        <p:cNvPr id="119" name="Shape 119"/>
         <p:cNvGrpSpPr/>
         <p:nvPr/>
       </p:nvGrpSpPr>
@@ -2009,7 +1655,7 @@
       </p:grpSpPr>
       <p:sp>
         <p:nvSpPr>
-          <p:cNvPr id="124" name="Google Shape;124;p9:notes"/>
+          <p:cNvPr id="120" name="Google Shape;120;ga663db03cf_2_5:notes"/>
           <p:cNvSpPr/>
           <p:nvPr>
             <p:ph idx="2" type="sldImg"/>
@@ -2054,7 +1700,7 @@
       </p:sp>
       <p:sp>
         <p:nvSpPr>
-          <p:cNvPr id="125" name="Google Shape;125;p9:notes"/>
+          <p:cNvPr id="121" name="Google Shape;121;ga663db03cf_2_5:notes"/>
           <p:cNvSpPr txBox="1"/>
           <p:nvPr>
             <p:ph idx="1" type="body"/>
@@ -2112,7 +1758,7 @@
   <p:cSld>
     <p:spTree>
       <p:nvGrpSpPr>
-        <p:cNvPr id="132" name="Shape 132"/>
+        <p:cNvPr id="156" name="Shape 156"/>
         <p:cNvGrpSpPr/>
         <p:nvPr/>
       </p:nvGrpSpPr>
@@ -2126,7 +1772,106 @@
       </p:grpSpPr>
       <p:sp>
         <p:nvSpPr>
-          <p:cNvPr id="133" name="Google Shape;133;ga663db03cf_2_5:notes"/>
+          <p:cNvPr id="157" name="Google Shape;157;ga634a17b51_0_259:notes"/>
+          <p:cNvSpPr/>
+          <p:nvPr>
+            <p:ph idx="2" type="sldImg"/>
+          </p:nvPr>
+        </p:nvSpPr>
+        <p:spPr>
+          <a:xfrm>
+            <a:off x="381175" y="685800"/>
+            <a:ext cx="6096300" cy="3429000"/>
+          </a:xfrm>
+          <a:custGeom>
+            <a:rect b="b" l="l" r="r" t="t"/>
+            <a:pathLst>
+              <a:path extrusionOk="0" h="120000" w="120000">
+                <a:moveTo>
+                  <a:pt x="0" y="0"/>
+                </a:moveTo>
+                <a:lnTo>
+                  <a:pt x="120000" y="0"/>
+                </a:lnTo>
+                <a:lnTo>
+                  <a:pt x="120000" y="120000"/>
+                </a:lnTo>
+                <a:lnTo>
+                  <a:pt x="0" y="120000"/>
+                </a:lnTo>
+                <a:close/>
+              </a:path>
+            </a:pathLst>
+          </a:custGeom>
+        </p:spPr>
+      </p:sp>
+      <p:sp>
+        <p:nvSpPr>
+          <p:cNvPr id="158" name="Google Shape;158;ga634a17b51_0_259:notes"/>
+          <p:cNvSpPr txBox="1"/>
+          <p:nvPr>
+            <p:ph idx="1" type="body"/>
+          </p:nvPr>
+        </p:nvSpPr>
+        <p:spPr>
+          <a:xfrm>
+            <a:off x="685800" y="4343400"/>
+            <a:ext cx="5486400" cy="4114800"/>
+          </a:xfrm>
+          <a:prstGeom prst="rect">
+            <a:avLst/>
+          </a:prstGeom>
+        </p:spPr>
+        <p:txBody>
+          <a:bodyPr anchorCtr="0" anchor="t" bIns="91425" lIns="91425" spcFirstLastPara="1" rIns="91425" wrap="square" tIns="91425">
+            <a:noAutofit/>
+          </a:bodyPr>
+          <a:lstStyle/>
+          <a:p>
+            <a:pPr indent="0" lvl="0" marL="0" rtl="0" algn="l">
+              <a:spcBef>
+                <a:spcPts val="0"/>
+              </a:spcBef>
+              <a:spcAft>
+                <a:spcPts val="0"/>
+              </a:spcAft>
+              <a:buNone/>
+            </a:pPr>
+            <a:r>
+              <a:t/>
+            </a:r>
+            <a:endParaRPr/>
+          </a:p>
+        </p:txBody>
+      </p:sp>
+    </p:spTree>
+  </p:cSld>
+  <p:clrMapOvr>
+    <a:masterClrMapping/>
+  </p:clrMapOvr>
+</p:notes>
+</file>
+
+<file path=ppt/notesSlides/notesSlide7.xml><?xml version="1.0" encoding="utf-8"?>
+<p:notes xmlns:a="http://schemas.openxmlformats.org/drawingml/2006/main" xmlns:r="http://schemas.openxmlformats.org/officeDocument/2006/relationships" xmlns:mc="http://schemas.openxmlformats.org/markup-compatibility/2006" xmlns:mv="urn:schemas-microsoft-com:mac:vml" xmlns:p="http://schemas.openxmlformats.org/presentationml/2006/main" xmlns:c="http://schemas.openxmlformats.org/drawingml/2006/chart" xmlns:dgm="http://schemas.openxmlformats.org/drawingml/2006/diagram" xmlns:o="urn:schemas-microsoft-com:office:office" xmlns:v="urn:schemas-microsoft-com:vml" xmlns:pvml="urn:schemas-microsoft-com:office:powerpoint" xmlns:com="http://schemas.openxmlformats.org/drawingml/2006/compatibility" xmlns:p14="http://schemas.microsoft.com/office/powerpoint/2010/main" xmlns:p15="http://schemas.microsoft.com/office/powerpoint/2012/main" xmlns:ahyp="http://schemas.microsoft.com/office/drawing/2018/hyperlinkcolor" showMasterPhAnim="0" showMasterSp="0">
+  <p:cSld>
+    <p:spTree>
+      <p:nvGrpSpPr>
+        <p:cNvPr id="162" name="Shape 162"/>
+        <p:cNvGrpSpPr/>
+        <p:nvPr/>
+      </p:nvGrpSpPr>
+      <p:grpSpPr>
+        <a:xfrm>
+          <a:off x="0" y="0"/>
+          <a:ext cx="0" cy="0"/>
+          <a:chOff x="0" y="0"/>
+          <a:chExt cx="0" cy="0"/>
+        </a:xfrm>
+      </p:grpSpPr>
+      <p:sp>
+        <p:nvSpPr>
+          <p:cNvPr id="163" name="Google Shape;163;p2:notes"/>
           <p:cNvSpPr/>
           <p:nvPr>
             <p:ph idx="2" type="sldImg"/>
@@ -2171,7 +1916,7 @@
       </p:sp>
       <p:sp>
         <p:nvSpPr>
-          <p:cNvPr id="134" name="Google Shape;134;ga663db03cf_2_5:notes"/>
+          <p:cNvPr id="164" name="Google Shape;164;p2:notes"/>
           <p:cNvSpPr txBox="1"/>
           <p:nvPr>
             <p:ph idx="1" type="body"/>
@@ -2224,7 +1969,7 @@
 </p:notes>
 </file>
 
-<file path=ppt/notesSlides/notesSlide7.xml><?xml version="1.0" encoding="utf-8"?>
+<file path=ppt/notesSlides/notesSlide8.xml><?xml version="1.0" encoding="utf-8"?>
 <p:notes xmlns:a="http://schemas.openxmlformats.org/drawingml/2006/main" xmlns:r="http://schemas.openxmlformats.org/officeDocument/2006/relationships" xmlns:mc="http://schemas.openxmlformats.org/markup-compatibility/2006" xmlns:mv="urn:schemas-microsoft-com:mac:vml" xmlns:p="http://schemas.openxmlformats.org/presentationml/2006/main" xmlns:c="http://schemas.openxmlformats.org/drawingml/2006/chart" xmlns:dgm="http://schemas.openxmlformats.org/drawingml/2006/diagram" xmlns:o="urn:schemas-microsoft-com:office:office" xmlns:v="urn:schemas-microsoft-com:vml" xmlns:pvml="urn:schemas-microsoft-com:office:powerpoint" xmlns:com="http://schemas.openxmlformats.org/drawingml/2006/compatibility" xmlns:p14="http://schemas.microsoft.com/office/powerpoint/2010/main" xmlns:p15="http://schemas.microsoft.com/office/powerpoint/2012/main" xmlns:ahyp="http://schemas.microsoft.com/office/drawing/2018/hyperlinkcolor" showMasterPhAnim="0" showMasterSp="0">
   <p:cSld>
     <p:spTree>
@@ -2243,7 +1988,7 @@
       </p:grpSpPr>
       <p:sp>
         <p:nvSpPr>
-          <p:cNvPr id="170" name="Google Shape;170;ga634a17b51_0_259:notes"/>
+          <p:cNvPr id="170" name="Google Shape;170;ga663db03cf_4_7:notes"/>
           <p:cNvSpPr/>
           <p:nvPr>
             <p:ph idx="2" type="sldImg"/>
@@ -2278,7 +2023,7 @@
       </p:sp>
       <p:sp>
         <p:nvSpPr>
-          <p:cNvPr id="171" name="Google Shape;171;ga634a17b51_0_259:notes"/>
+          <p:cNvPr id="171" name="Google Shape;171;ga663db03cf_4_7:notes"/>
           <p:cNvSpPr txBox="1"/>
           <p:nvPr>
             <p:ph idx="1" type="body"/>
@@ -2323,12 +2068,12 @@
 </p:notes>
 </file>
 
-<file path=ppt/notesSlides/notesSlide8.xml><?xml version="1.0" encoding="utf-8"?>
+<file path=ppt/notesSlides/notesSlide9.xml><?xml version="1.0" encoding="utf-8"?>
 <p:notes xmlns:a="http://schemas.openxmlformats.org/drawingml/2006/main" xmlns:r="http://schemas.openxmlformats.org/officeDocument/2006/relationships" xmlns:mc="http://schemas.openxmlformats.org/markup-compatibility/2006" xmlns:mv="urn:schemas-microsoft-com:mac:vml" xmlns:p="http://schemas.openxmlformats.org/presentationml/2006/main" xmlns:c="http://schemas.openxmlformats.org/drawingml/2006/chart" xmlns:dgm="http://schemas.openxmlformats.org/drawingml/2006/diagram" xmlns:o="urn:schemas-microsoft-com:office:office" xmlns:v="urn:schemas-microsoft-com:vml" xmlns:pvml="urn:schemas-microsoft-com:office:powerpoint" xmlns:com="http://schemas.openxmlformats.org/drawingml/2006/compatibility" xmlns:p14="http://schemas.microsoft.com/office/powerpoint/2010/main" xmlns:p15="http://schemas.microsoft.com/office/powerpoint/2012/main" xmlns:ahyp="http://schemas.microsoft.com/office/drawing/2018/hyperlinkcolor" showMasterPhAnim="0" showMasterSp="0">
   <p:cSld>
     <p:spTree>
       <p:nvGrpSpPr>
-        <p:cNvPr id="175" name="Shape 175"/>
+        <p:cNvPr id="176" name="Shape 176"/>
         <p:cNvGrpSpPr/>
         <p:nvPr/>
       </p:nvGrpSpPr>
@@ -2342,7 +2087,7 @@
       </p:grpSpPr>
       <p:sp>
         <p:nvSpPr>
-          <p:cNvPr id="176" name="Google Shape;176;p2:notes"/>
+          <p:cNvPr id="177" name="Google Shape;177;p3:notes"/>
           <p:cNvSpPr/>
           <p:nvPr>
             <p:ph idx="2" type="sldImg"/>
@@ -2387,7 +2132,7 @@
       </p:sp>
       <p:sp>
         <p:nvSpPr>
-          <p:cNvPr id="177" name="Google Shape;177;p2:notes"/>
+          <p:cNvPr id="178" name="Google Shape;178;p3:notes"/>
           <p:cNvSpPr txBox="1"/>
           <p:nvPr>
             <p:ph idx="1" type="body"/>
@@ -2423,105 +2168,6 @@
                 <a:spcPts val="0"/>
               </a:spcAft>
               <a:buSzPts val="1400"/>
-              <a:buNone/>
-            </a:pPr>
-            <a:r>
-              <a:t/>
-            </a:r>
-            <a:endParaRPr/>
-          </a:p>
-        </p:txBody>
-      </p:sp>
-    </p:spTree>
-  </p:cSld>
-  <p:clrMapOvr>
-    <a:masterClrMapping/>
-  </p:clrMapOvr>
-</p:notes>
-</file>
-
-<file path=ppt/notesSlides/notesSlide9.xml><?xml version="1.0" encoding="utf-8"?>
-<p:notes xmlns:a="http://schemas.openxmlformats.org/drawingml/2006/main" xmlns:r="http://schemas.openxmlformats.org/officeDocument/2006/relationships" xmlns:mc="http://schemas.openxmlformats.org/markup-compatibility/2006" xmlns:mv="urn:schemas-microsoft-com:mac:vml" xmlns:p="http://schemas.openxmlformats.org/presentationml/2006/main" xmlns:c="http://schemas.openxmlformats.org/drawingml/2006/chart" xmlns:dgm="http://schemas.openxmlformats.org/drawingml/2006/diagram" xmlns:o="urn:schemas-microsoft-com:office:office" xmlns:v="urn:schemas-microsoft-com:vml" xmlns:pvml="urn:schemas-microsoft-com:office:powerpoint" xmlns:com="http://schemas.openxmlformats.org/drawingml/2006/compatibility" xmlns:p14="http://schemas.microsoft.com/office/powerpoint/2010/main" xmlns:p15="http://schemas.microsoft.com/office/powerpoint/2012/main" xmlns:ahyp="http://schemas.microsoft.com/office/drawing/2018/hyperlinkcolor" showMasterPhAnim="0" showMasterSp="0">
-  <p:cSld>
-    <p:spTree>
-      <p:nvGrpSpPr>
-        <p:cNvPr id="182" name="Shape 182"/>
-        <p:cNvGrpSpPr/>
-        <p:nvPr/>
-      </p:nvGrpSpPr>
-      <p:grpSpPr>
-        <a:xfrm>
-          <a:off x="0" y="0"/>
-          <a:ext cx="0" cy="0"/>
-          <a:chOff x="0" y="0"/>
-          <a:chExt cx="0" cy="0"/>
-        </a:xfrm>
-      </p:grpSpPr>
-      <p:sp>
-        <p:nvSpPr>
-          <p:cNvPr id="183" name="Google Shape;183;ga663db03cf_4_7:notes"/>
-          <p:cNvSpPr/>
-          <p:nvPr>
-            <p:ph idx="2" type="sldImg"/>
-          </p:nvPr>
-        </p:nvSpPr>
-        <p:spPr>
-          <a:xfrm>
-            <a:off x="381175" y="685800"/>
-            <a:ext cx="6096300" cy="3429000"/>
-          </a:xfrm>
-          <a:custGeom>
-            <a:rect b="b" l="l" r="r" t="t"/>
-            <a:pathLst>
-              <a:path extrusionOk="0" h="120000" w="120000">
-                <a:moveTo>
-                  <a:pt x="0" y="0"/>
-                </a:moveTo>
-                <a:lnTo>
-                  <a:pt x="120000" y="0"/>
-                </a:lnTo>
-                <a:lnTo>
-                  <a:pt x="120000" y="120000"/>
-                </a:lnTo>
-                <a:lnTo>
-                  <a:pt x="0" y="120000"/>
-                </a:lnTo>
-                <a:close/>
-              </a:path>
-            </a:pathLst>
-          </a:custGeom>
-        </p:spPr>
-      </p:sp>
-      <p:sp>
-        <p:nvSpPr>
-          <p:cNvPr id="184" name="Google Shape;184;ga663db03cf_4_7:notes"/>
-          <p:cNvSpPr txBox="1"/>
-          <p:nvPr>
-            <p:ph idx="1" type="body"/>
-          </p:nvPr>
-        </p:nvSpPr>
-        <p:spPr>
-          <a:xfrm>
-            <a:off x="685800" y="4343400"/>
-            <a:ext cx="5486400" cy="4114800"/>
-          </a:xfrm>
-          <a:prstGeom prst="rect">
-            <a:avLst/>
-          </a:prstGeom>
-        </p:spPr>
-        <p:txBody>
-          <a:bodyPr anchorCtr="0" anchor="t" bIns="91425" lIns="91425" spcFirstLastPara="1" rIns="91425" wrap="square" tIns="91425">
-            <a:noAutofit/>
-          </a:bodyPr>
-          <a:lstStyle/>
-          <a:p>
-            <a:pPr indent="0" lvl="0" marL="0" rtl="0" algn="l">
-              <a:spcBef>
-                <a:spcPts val="0"/>
-              </a:spcBef>
-              <a:spcAft>
-                <a:spcPts val="0"/>
-              </a:spcAft>
               <a:buNone/>
             </a:pPr>
             <a:r>
@@ -9536,6 +9182,177 @@
   <p:cSld>
     <p:spTree>
       <p:nvGrpSpPr>
+        <p:cNvPr id="186" name="Shape 186"/>
+        <p:cNvGrpSpPr/>
+        <p:nvPr/>
+      </p:nvGrpSpPr>
+      <p:grpSpPr>
+        <a:xfrm>
+          <a:off x="0" y="0"/>
+          <a:ext cx="0" cy="0"/>
+          <a:chOff x="0" y="0"/>
+          <a:chExt cx="0" cy="0"/>
+        </a:xfrm>
+      </p:grpSpPr>
+      <p:sp>
+        <p:nvSpPr>
+          <p:cNvPr id="187" name="Google Shape;187;p21"/>
+          <p:cNvSpPr txBox="1"/>
+          <p:nvPr>
+            <p:ph type="ctrTitle"/>
+          </p:nvPr>
+        </p:nvSpPr>
+        <p:spPr>
+          <a:xfrm>
+            <a:off x="930600" y="2056000"/>
+            <a:ext cx="7282800" cy="584100"/>
+          </a:xfrm>
+          <a:prstGeom prst="rect">
+            <a:avLst/>
+          </a:prstGeom>
+        </p:spPr>
+        <p:txBody>
+          <a:bodyPr anchorCtr="0" anchor="b" bIns="0" lIns="0" spcFirstLastPara="1" rIns="0" wrap="square" tIns="0">
+            <a:noAutofit/>
+          </a:bodyPr>
+          <a:lstStyle/>
+          <a:p>
+            <a:pPr indent="0" lvl="0" marL="0" rtl="0" algn="l">
+              <a:spcBef>
+                <a:spcPts val="0"/>
+              </a:spcBef>
+              <a:spcAft>
+                <a:spcPts val="0"/>
+              </a:spcAft>
+              <a:buNone/>
+            </a:pPr>
+            <a:r>
+              <a:rPr lang="en"/>
+              <a:t>UML Diagram</a:t>
+            </a:r>
+            <a:endParaRPr/>
+          </a:p>
+        </p:txBody>
+      </p:sp>
+      <p:sp>
+        <p:nvSpPr>
+          <p:cNvPr id="188" name="Google Shape;188;p21"/>
+          <p:cNvSpPr txBox="1"/>
+          <p:nvPr>
+            <p:ph idx="1" type="subTitle"/>
+          </p:nvPr>
+        </p:nvSpPr>
+        <p:spPr>
+          <a:xfrm>
+            <a:off x="930600" y="2736795"/>
+            <a:ext cx="7282800" cy="1268400"/>
+          </a:xfrm>
+          <a:prstGeom prst="rect">
+            <a:avLst/>
+          </a:prstGeom>
+        </p:spPr>
+        <p:txBody>
+          <a:bodyPr anchorCtr="0" anchor="t" bIns="0" lIns="0" spcFirstLastPara="1" rIns="0" wrap="square" tIns="0">
+            <a:noAutofit/>
+          </a:bodyPr>
+          <a:lstStyle/>
+          <a:p>
+            <a:pPr indent="0" lvl="0" marL="0" rtl="0" algn="l">
+              <a:spcBef>
+                <a:spcPts val="0"/>
+              </a:spcBef>
+              <a:spcAft>
+                <a:spcPts val="0"/>
+              </a:spcAft>
+              <a:buNone/>
+            </a:pPr>
+            <a:r>
+              <a:rPr lang="en">
+                <a:solidFill>
+                  <a:srgbClr val="000000"/>
+                </a:solidFill>
+                <a:uFill>
+                  <a:noFill/>
+                </a:uFill>
+                <a:hlinkClick r:id="rId3">
+                  <a:extLst>
+                    <a:ext uri="{A12FA001-AC4F-418D-AE19-62706E023703}">
+                      <ahyp:hlinkClr val="tx"/>
+                    </a:ext>
+                  </a:extLst>
+                </a:hlinkClick>
+              </a:rPr>
+              <a:t>Use Case</a:t>
+            </a:r>
+            <a:r>
+              <a:rPr lang="en"/>
+              <a:t>, </a:t>
+            </a:r>
+            <a:r>
+              <a:rPr lang="en">
+                <a:solidFill>
+                  <a:srgbClr val="000000"/>
+                </a:solidFill>
+                <a:uFill>
+                  <a:noFill/>
+                </a:uFill>
+                <a:hlinkClick r:id="rId4">
+                  <a:extLst>
+                    <a:ext uri="{A12FA001-AC4F-418D-AE19-62706E023703}">
+                      <ahyp:hlinkClr val="tx"/>
+                    </a:ext>
+                  </a:extLst>
+                </a:hlinkClick>
+              </a:rPr>
+              <a:t>CRC</a:t>
+            </a:r>
+            <a:r>
+              <a:rPr lang="en">
+                <a:solidFill>
+                  <a:srgbClr val="000000"/>
+                </a:solidFill>
+              </a:rPr>
+              <a:t>, </a:t>
+            </a:r>
+            <a:r>
+              <a:rPr lang="en">
+                <a:solidFill>
+                  <a:srgbClr val="000000"/>
+                </a:solidFill>
+                <a:uFill>
+                  <a:noFill/>
+                </a:uFill>
+                <a:hlinkClick r:id="rId5">
+                  <a:extLst>
+                    <a:ext uri="{A12FA001-AC4F-418D-AE19-62706E023703}">
+                      <ahyp:hlinkClr val="tx"/>
+                    </a:ext>
+                  </a:extLst>
+                </a:hlinkClick>
+              </a:rPr>
+              <a:t>Class Diagram</a:t>
+            </a:r>
+            <a:endParaRPr>
+              <a:solidFill>
+                <a:srgbClr val="000000"/>
+              </a:solidFill>
+            </a:endParaRPr>
+          </a:p>
+        </p:txBody>
+      </p:sp>
+    </p:spTree>
+  </p:cSld>
+  <p:clrMapOvr>
+    <a:masterClrMapping/>
+  </p:clrMapOvr>
+</p:sld>
+</file>
+
+<file path=ppt/slides/slide11.xml><?xml version="1.0" encoding="utf-8"?>
+<p:sld xmlns:a="http://schemas.openxmlformats.org/drawingml/2006/main" xmlns:r="http://schemas.openxmlformats.org/officeDocument/2006/relationships" xmlns:mc="http://schemas.openxmlformats.org/markup-compatibility/2006" xmlns:mv="urn:schemas-microsoft-com:mac:vml" xmlns:p="http://schemas.openxmlformats.org/presentationml/2006/main" xmlns:c="http://schemas.openxmlformats.org/drawingml/2006/chart" xmlns:dgm="http://schemas.openxmlformats.org/drawingml/2006/diagram" xmlns:o="urn:schemas-microsoft-com:office:office" xmlns:v="urn:schemas-microsoft-com:vml" xmlns:pvml="urn:schemas-microsoft-com:office:powerpoint" xmlns:com="http://schemas.openxmlformats.org/drawingml/2006/compatibility" xmlns:p14="http://schemas.microsoft.com/office/powerpoint/2010/main" xmlns:p15="http://schemas.microsoft.com/office/powerpoint/2012/main" xmlns:ahyp="http://schemas.microsoft.com/office/drawing/2018/hyperlinkcolor">
+  <p:cSld>
+    <p:spTree>
+      <p:nvGrpSpPr>
         <p:cNvPr id="192" name="Shape 192"/>
         <p:cNvGrpSpPr/>
         <p:nvPr/>
@@ -9550,32 +9367,32 @@
       </p:grpSpPr>
       <p:sp>
         <p:nvSpPr>
-          <p:cNvPr id="193" name="Google Shape;193;p21"/>
-          <p:cNvSpPr txBox="1"/>
-          <p:nvPr>
-            <p:ph idx="4294967295" type="subTitle"/>
-          </p:nvPr>
+          <p:cNvPr id="193" name="Google Shape;193;p22"/>
+          <p:cNvSpPr/>
+          <p:nvPr/>
         </p:nvSpPr>
         <p:spPr>
           <a:xfrm>
-            <a:off x="930275" y="1111050"/>
-            <a:ext cx="7443900" cy="2921400"/>
+            <a:off x="2296025" y="939800"/>
+            <a:ext cx="4741200" cy="2777100"/>
           </a:xfrm>
           <a:prstGeom prst="rect">
             <a:avLst/>
           </a:prstGeom>
-          <a:noFill/>
+          <a:solidFill>
+            <a:srgbClr val="000000"/>
+          </a:solidFill>
           <a:ln>
             <a:noFill/>
           </a:ln>
         </p:spPr>
         <p:txBody>
-          <a:bodyPr anchorCtr="0" anchor="t" bIns="0" lIns="0" spcFirstLastPara="1" rIns="0" wrap="square" tIns="0">
+          <a:bodyPr anchorCtr="0" anchor="ctr" bIns="91425" lIns="91425" spcFirstLastPara="1" rIns="91425" wrap="square" tIns="91425">
             <a:noAutofit/>
           </a:bodyPr>
           <a:lstStyle/>
           <a:p>
-            <a:pPr indent="0" lvl="0" marL="457200" rtl="0" algn="l">
+            <a:pPr indent="0" lvl="0" marL="0" marR="0" rtl="0" algn="ctr">
               <a:lnSpc>
                 <a:spcPct val="100000"/>
               </a:lnSpc>
@@ -9585,238 +9402,31 @@
               <a:spcAft>
                 <a:spcPts val="0"/>
               </a:spcAft>
+              <a:buClr>
+                <a:srgbClr val="000000"/>
+              </a:buClr>
+              <a:buSzPts val="1000"/>
+              <a:buFont typeface="Arial"/>
               <a:buNone/>
             </a:pPr>
             <a:r>
               <a:t/>
             </a:r>
-            <a:endParaRPr sz="1400">
+            <a:endParaRPr b="0" i="0" sz="1000" u="none" cap="none" strike="noStrike">
               <a:solidFill>
-                <a:srgbClr val="FFFFFF"/>
+                <a:schemeClr val="dk2"/>
               </a:solidFill>
-            </a:endParaRPr>
-          </a:p>
-          <a:p>
-            <a:pPr indent="-222250" lvl="0" marL="571500" rtl="0" algn="l">
-              <a:lnSpc>
-                <a:spcPct val="100000"/>
-              </a:lnSpc>
-              <a:spcBef>
-                <a:spcPts val="0"/>
-              </a:spcBef>
-              <a:spcAft>
-                <a:spcPts val="0"/>
-              </a:spcAft>
-              <a:buClr>
-                <a:srgbClr val="FFFFFF"/>
-              </a:buClr>
-              <a:buSzPts val="1700"/>
-              <a:buFont typeface="Ubuntu Light"/>
-              <a:buChar char="★"/>
-            </a:pPr>
-            <a:r>
-              <a:rPr lang="en" sz="1700">
-                <a:solidFill>
-                  <a:srgbClr val="FFFFFF"/>
-                </a:solidFill>
-              </a:rPr>
-              <a:t>We can add a button for recording which can provide good quality with less video size.</a:t>
-            </a:r>
-            <a:endParaRPr sz="1700">
-              <a:solidFill>
-                <a:srgbClr val="FFFFFF"/>
-              </a:solidFill>
-            </a:endParaRPr>
-          </a:p>
-          <a:p>
-            <a:pPr indent="0" lvl="0" marL="457200" rtl="0" algn="l">
-              <a:lnSpc>
-                <a:spcPct val="100000"/>
-              </a:lnSpc>
-              <a:spcBef>
-                <a:spcPts val="0"/>
-              </a:spcBef>
-              <a:spcAft>
-                <a:spcPts val="0"/>
-              </a:spcAft>
-              <a:buNone/>
-            </a:pPr>
-            <a:r>
-              <a:t/>
-            </a:r>
-            <a:endParaRPr sz="1700">
-              <a:solidFill>
-                <a:srgbClr val="FFFFFF"/>
-              </a:solidFill>
-            </a:endParaRPr>
-          </a:p>
-          <a:p>
-            <a:pPr indent="-222250" lvl="0" marL="571500" rtl="0" algn="l">
-              <a:lnSpc>
-                <a:spcPct val="100000"/>
-              </a:lnSpc>
-              <a:spcBef>
-                <a:spcPts val="0"/>
-              </a:spcBef>
-              <a:spcAft>
-                <a:spcPts val="0"/>
-              </a:spcAft>
-              <a:buClr>
-                <a:srgbClr val="FFFFFF"/>
-              </a:buClr>
-              <a:buSzPts val="1700"/>
-              <a:buFont typeface="Arial"/>
-              <a:buChar char="★"/>
-            </a:pPr>
-            <a:r>
-              <a:rPr lang="en" sz="1700">
-                <a:solidFill>
-                  <a:srgbClr val="FFFFFF"/>
-                </a:solidFill>
-              </a:rPr>
-              <a:t>We can add an option of creating a playlist in which we can select multiple videos at a single time.</a:t>
-            </a:r>
-            <a:endParaRPr sz="1700">
-              <a:solidFill>
-                <a:srgbClr val="FFFFFF"/>
-              </a:solidFill>
-            </a:endParaRPr>
-          </a:p>
-          <a:p>
-            <a:pPr indent="0" lvl="0" marL="457200" rtl="0" algn="l">
-              <a:lnSpc>
-                <a:spcPct val="100000"/>
-              </a:lnSpc>
-              <a:spcBef>
-                <a:spcPts val="0"/>
-              </a:spcBef>
-              <a:spcAft>
-                <a:spcPts val="0"/>
-              </a:spcAft>
-              <a:buNone/>
-            </a:pPr>
-            <a:r>
-              <a:t/>
-            </a:r>
-            <a:endParaRPr sz="1700">
-              <a:solidFill>
-                <a:srgbClr val="FFFFFF"/>
-              </a:solidFill>
-            </a:endParaRPr>
-          </a:p>
-          <a:p>
-            <a:pPr indent="-222250" lvl="0" marL="571500" rtl="0" algn="l">
-              <a:lnSpc>
-                <a:spcPct val="100000"/>
-              </a:lnSpc>
-              <a:spcBef>
-                <a:spcPts val="0"/>
-              </a:spcBef>
-              <a:spcAft>
-                <a:spcPts val="0"/>
-              </a:spcAft>
-              <a:buClr>
-                <a:srgbClr val="FFFFFF"/>
-              </a:buClr>
-              <a:buSzPts val="1700"/>
-              <a:buFont typeface="Arial"/>
-              <a:buChar char="★"/>
-            </a:pPr>
-            <a:r>
-              <a:rPr lang="en" sz="1700">
-                <a:solidFill>
-                  <a:srgbClr val="FFFFFF"/>
-                </a:solidFill>
-              </a:rPr>
-              <a:t>We can add an option of adding subtitles in the player.</a:t>
-            </a:r>
-            <a:endParaRPr sz="1700">
-              <a:solidFill>
-                <a:srgbClr val="FFFFFF"/>
-              </a:solidFill>
-            </a:endParaRPr>
-          </a:p>
-          <a:p>
-            <a:pPr indent="0" lvl="0" marL="457200" rtl="0" algn="l">
-              <a:lnSpc>
-                <a:spcPct val="100000"/>
-              </a:lnSpc>
-              <a:spcBef>
-                <a:spcPts val="0"/>
-              </a:spcBef>
-              <a:spcAft>
-                <a:spcPts val="0"/>
-              </a:spcAft>
-              <a:buNone/>
-            </a:pPr>
-            <a:r>
-              <a:t/>
-            </a:r>
-            <a:endParaRPr sz="1700">
-              <a:solidFill>
-                <a:srgbClr val="FFFFFF"/>
-              </a:solidFill>
-            </a:endParaRPr>
-          </a:p>
-          <a:p>
-            <a:pPr indent="-222250" lvl="0" marL="571500" rtl="0" algn="l">
-              <a:lnSpc>
-                <a:spcPct val="100000"/>
-              </a:lnSpc>
-              <a:spcBef>
-                <a:spcPts val="0"/>
-              </a:spcBef>
-              <a:spcAft>
-                <a:spcPts val="0"/>
-              </a:spcAft>
-              <a:buClr>
-                <a:srgbClr val="FFFFFF"/>
-              </a:buClr>
-              <a:buSzPts val="1700"/>
-              <a:buFont typeface="Arial"/>
-              <a:buChar char="★"/>
-            </a:pPr>
-            <a:r>
-              <a:rPr lang="en" sz="1700">
-                <a:solidFill>
-                  <a:srgbClr val="FFFFFF"/>
-                </a:solidFill>
-              </a:rPr>
-              <a:t>We can add an option of opening more types of media with different extensions. </a:t>
-            </a:r>
-            <a:endParaRPr sz="1700">
-              <a:solidFill>
-                <a:srgbClr val="FFFFFF"/>
-              </a:solidFill>
-            </a:endParaRPr>
-          </a:p>
-          <a:p>
-            <a:pPr indent="0" lvl="0" marL="457200" rtl="0" algn="l">
-              <a:lnSpc>
-                <a:spcPct val="100000"/>
-              </a:lnSpc>
-              <a:spcBef>
-                <a:spcPts val="0"/>
-              </a:spcBef>
-              <a:spcAft>
-                <a:spcPts val="0"/>
-              </a:spcAft>
-              <a:buNone/>
-            </a:pPr>
-            <a:r>
-              <a:t/>
-            </a:r>
-            <a:endParaRPr sz="1400">
-              <a:solidFill>
-                <a:srgbClr val="FFFFFF"/>
-              </a:solidFill>
+              <a:latin typeface="Ubuntu"/>
+              <a:ea typeface="Ubuntu"/>
+              <a:cs typeface="Ubuntu"/>
+              <a:sym typeface="Ubuntu"/>
             </a:endParaRPr>
           </a:p>
         </p:txBody>
       </p:sp>
       <p:sp>
         <p:nvSpPr>
-          <p:cNvPr id="194" name="Google Shape;194;p21"/>
+          <p:cNvPr id="194" name="Google Shape;194;p22"/>
           <p:cNvSpPr txBox="1"/>
           <p:nvPr>
             <p:ph idx="12" type="sldNum"/>
@@ -9862,1611 +9472,23 @@
           </a:p>
         </p:txBody>
       </p:sp>
-      <p:sp>
-        <p:nvSpPr>
-          <p:cNvPr id="195" name="Google Shape;195;p21"/>
-          <p:cNvSpPr txBox="1"/>
-          <p:nvPr/>
-        </p:nvSpPr>
-        <p:spPr>
-          <a:xfrm>
-            <a:off x="465150" y="177775"/>
-            <a:ext cx="2846400" cy="474300"/>
-          </a:xfrm>
-          <a:prstGeom prst="rect">
-            <a:avLst/>
-          </a:prstGeom>
-          <a:noFill/>
-          <a:ln>
-            <a:noFill/>
-          </a:ln>
-        </p:spPr>
-        <p:txBody>
-          <a:bodyPr anchorCtr="0" anchor="t" bIns="91425" lIns="91425" spcFirstLastPara="1" rIns="91425" wrap="square" tIns="91425">
-            <a:noAutofit/>
-          </a:bodyPr>
-          <a:lstStyle/>
-          <a:p>
-            <a:pPr indent="0" lvl="0" marL="0" rtl="0" algn="l">
-              <a:spcBef>
-                <a:spcPts val="0"/>
-              </a:spcBef>
-              <a:spcAft>
-                <a:spcPts val="0"/>
-              </a:spcAft>
-              <a:buNone/>
-            </a:pPr>
-            <a:r>
-              <a:rPr b="1" lang="en" sz="2400">
-                <a:solidFill>
-                  <a:srgbClr val="FFFFFF"/>
-                </a:solidFill>
-                <a:latin typeface="Ubuntu"/>
-                <a:ea typeface="Ubuntu"/>
-                <a:cs typeface="Ubuntu"/>
-                <a:sym typeface="Ubuntu"/>
-              </a:rPr>
-              <a:t>Further Extension</a:t>
-            </a:r>
-            <a:endParaRPr b="1" sz="2400">
-              <a:solidFill>
-                <a:srgbClr val="FFFFFF"/>
-              </a:solidFill>
-              <a:latin typeface="Ubuntu"/>
-              <a:ea typeface="Ubuntu"/>
-              <a:cs typeface="Ubuntu"/>
-              <a:sym typeface="Ubuntu"/>
-            </a:endParaRPr>
-          </a:p>
-        </p:txBody>
-      </p:sp>
-    </p:spTree>
-  </p:cSld>
-  <p:clrMapOvr>
-    <a:masterClrMapping/>
-  </p:clrMapOvr>
-</p:sld>
-</file>
-
-<file path=ppt/slides/slide11.xml><?xml version="1.0" encoding="utf-8"?>
-<p:sld xmlns:a="http://schemas.openxmlformats.org/drawingml/2006/main" xmlns:r="http://schemas.openxmlformats.org/officeDocument/2006/relationships" xmlns:mc="http://schemas.openxmlformats.org/markup-compatibility/2006" xmlns:mv="urn:schemas-microsoft-com:mac:vml" xmlns:p="http://schemas.openxmlformats.org/presentationml/2006/main" xmlns:c="http://schemas.openxmlformats.org/drawingml/2006/chart" xmlns:dgm="http://schemas.openxmlformats.org/drawingml/2006/diagram" xmlns:o="urn:schemas-microsoft-com:office:office" xmlns:v="urn:schemas-microsoft-com:vml" xmlns:pvml="urn:schemas-microsoft-com:office:powerpoint" xmlns:com="http://schemas.openxmlformats.org/drawingml/2006/compatibility" xmlns:p14="http://schemas.microsoft.com/office/powerpoint/2010/main" xmlns:p15="http://schemas.microsoft.com/office/powerpoint/2012/main" xmlns:ahyp="http://schemas.microsoft.com/office/drawing/2018/hyperlinkcolor">
-  <p:cSld>
-    <p:spTree>
-      <p:nvGrpSpPr>
-        <p:cNvPr id="199" name="Shape 199"/>
-        <p:cNvGrpSpPr/>
-        <p:nvPr/>
-      </p:nvGrpSpPr>
-      <p:grpSpPr>
-        <a:xfrm>
-          <a:off x="0" y="0"/>
-          <a:ext cx="0" cy="0"/>
-          <a:chOff x="0" y="0"/>
-          <a:chExt cx="0" cy="0"/>
-        </a:xfrm>
-      </p:grpSpPr>
-      <p:sp>
-        <p:nvSpPr>
-          <p:cNvPr id="200" name="Google Shape;200;p22"/>
-          <p:cNvSpPr txBox="1"/>
-          <p:nvPr>
-            <p:ph type="ctrTitle"/>
-          </p:nvPr>
-        </p:nvSpPr>
-        <p:spPr>
-          <a:xfrm>
-            <a:off x="930600" y="2056000"/>
-            <a:ext cx="7282800" cy="584100"/>
-          </a:xfrm>
-          <a:prstGeom prst="rect">
-            <a:avLst/>
-          </a:prstGeom>
-        </p:spPr>
-        <p:txBody>
-          <a:bodyPr anchorCtr="0" anchor="b" bIns="0" lIns="0" spcFirstLastPara="1" rIns="0" wrap="square" tIns="0">
-            <a:noAutofit/>
-          </a:bodyPr>
-          <a:lstStyle/>
-          <a:p>
-            <a:pPr indent="0" lvl="0" marL="0" rtl="0" algn="l">
-              <a:spcBef>
-                <a:spcPts val="0"/>
-              </a:spcBef>
-              <a:spcAft>
-                <a:spcPts val="0"/>
-              </a:spcAft>
-              <a:buNone/>
-            </a:pPr>
-            <a:r>
-              <a:rPr lang="en"/>
-              <a:t>UML Diagram</a:t>
-            </a:r>
-            <a:endParaRPr/>
-          </a:p>
-        </p:txBody>
-      </p:sp>
-      <p:sp>
-        <p:nvSpPr>
-          <p:cNvPr id="201" name="Google Shape;201;p22"/>
-          <p:cNvSpPr txBox="1"/>
-          <p:nvPr>
-            <p:ph idx="1" type="subTitle"/>
-          </p:nvPr>
-        </p:nvSpPr>
-        <p:spPr>
-          <a:xfrm>
-            <a:off x="930600" y="2736795"/>
-            <a:ext cx="7282800" cy="1268400"/>
-          </a:xfrm>
-          <a:prstGeom prst="rect">
-            <a:avLst/>
-          </a:prstGeom>
-        </p:spPr>
-        <p:txBody>
-          <a:bodyPr anchorCtr="0" anchor="t" bIns="0" lIns="0" spcFirstLastPara="1" rIns="0" wrap="square" tIns="0">
-            <a:noAutofit/>
-          </a:bodyPr>
-          <a:lstStyle/>
-          <a:p>
-            <a:pPr indent="0" lvl="0" marL="0" rtl="0" algn="l">
-              <a:spcBef>
-                <a:spcPts val="0"/>
-              </a:spcBef>
-              <a:spcAft>
-                <a:spcPts val="0"/>
-              </a:spcAft>
-              <a:buNone/>
-            </a:pPr>
-            <a:r>
-              <a:rPr lang="en"/>
-              <a:t>Use Case, CRC, Class Diagram</a:t>
-            </a:r>
-            <a:endParaRPr/>
-          </a:p>
-        </p:txBody>
-      </p:sp>
-    </p:spTree>
-  </p:cSld>
-  <p:clrMapOvr>
-    <a:masterClrMapping/>
-  </p:clrMapOvr>
-</p:sld>
-</file>
-
-<file path=ppt/slides/slide12.xml><?xml version="1.0" encoding="utf-8"?>
-<p:sld xmlns:a="http://schemas.openxmlformats.org/drawingml/2006/main" xmlns:r="http://schemas.openxmlformats.org/officeDocument/2006/relationships" xmlns:mc="http://schemas.openxmlformats.org/markup-compatibility/2006" xmlns:mv="urn:schemas-microsoft-com:mac:vml" xmlns:p="http://schemas.openxmlformats.org/presentationml/2006/main" xmlns:c="http://schemas.openxmlformats.org/drawingml/2006/chart" xmlns:dgm="http://schemas.openxmlformats.org/drawingml/2006/diagram" xmlns:o="urn:schemas-microsoft-com:office:office" xmlns:v="urn:schemas-microsoft-com:vml" xmlns:pvml="urn:schemas-microsoft-com:office:powerpoint" xmlns:com="http://schemas.openxmlformats.org/drawingml/2006/compatibility" xmlns:p14="http://schemas.microsoft.com/office/powerpoint/2010/main" xmlns:p15="http://schemas.microsoft.com/office/powerpoint/2012/main" xmlns:ahyp="http://schemas.microsoft.com/office/drawing/2018/hyperlinkcolor">
-  <p:cSld>
-    <p:spTree>
-      <p:nvGrpSpPr>
-        <p:cNvPr id="205" name="Shape 205"/>
-        <p:cNvGrpSpPr/>
-        <p:nvPr/>
-      </p:nvGrpSpPr>
-      <p:grpSpPr>
-        <a:xfrm>
-          <a:off x="0" y="0"/>
-          <a:ext cx="0" cy="0"/>
-          <a:chOff x="0" y="0"/>
-          <a:chExt cx="0" cy="0"/>
-        </a:xfrm>
-      </p:grpSpPr>
-      <p:sp>
-        <p:nvSpPr>
-          <p:cNvPr id="206" name="Google Shape;206;p23"/>
-          <p:cNvSpPr txBox="1"/>
-          <p:nvPr>
-            <p:ph type="title"/>
-          </p:nvPr>
-        </p:nvSpPr>
-        <p:spPr>
-          <a:xfrm>
-            <a:off x="465150" y="283050"/>
-            <a:ext cx="2859000" cy="364200"/>
-          </a:xfrm>
-          <a:prstGeom prst="rect">
-            <a:avLst/>
-          </a:prstGeom>
-          <a:noFill/>
-          <a:ln>
-            <a:noFill/>
-          </a:ln>
-        </p:spPr>
-        <p:txBody>
-          <a:bodyPr anchorCtr="0" anchor="b" bIns="0" lIns="0" spcFirstLastPara="1" rIns="0" wrap="square" tIns="0">
-            <a:noAutofit/>
-          </a:bodyPr>
-          <a:lstStyle/>
-          <a:p>
-            <a:pPr indent="0" lvl="0" marL="0" rtl="0" algn="l">
-              <a:lnSpc>
-                <a:spcPct val="90000"/>
-              </a:lnSpc>
-              <a:spcBef>
-                <a:spcPts val="0"/>
-              </a:spcBef>
-              <a:spcAft>
-                <a:spcPts val="0"/>
-              </a:spcAft>
-              <a:buSzPts val="3200"/>
-              <a:buNone/>
-            </a:pPr>
-            <a:r>
-              <a:rPr lang="en"/>
-              <a:t>Use Case</a:t>
-            </a:r>
-            <a:endParaRPr/>
-          </a:p>
-        </p:txBody>
-      </p:sp>
-      <p:sp>
-        <p:nvSpPr>
-          <p:cNvPr id="207" name="Google Shape;207;p23"/>
-          <p:cNvSpPr txBox="1"/>
-          <p:nvPr>
-            <p:ph idx="12" type="sldNum"/>
-          </p:nvPr>
-        </p:nvSpPr>
-        <p:spPr>
-          <a:xfrm>
-            <a:off x="8213401" y="4248586"/>
-            <a:ext cx="465300" cy="474300"/>
-          </a:xfrm>
-          <a:prstGeom prst="rect">
-            <a:avLst/>
-          </a:prstGeom>
-          <a:noFill/>
-          <a:ln>
-            <a:noFill/>
-          </a:ln>
-        </p:spPr>
-        <p:txBody>
-          <a:bodyPr anchorCtr="0" anchor="b" bIns="0" lIns="0" spcFirstLastPara="1" rIns="0" wrap="square" tIns="0">
-            <a:noAutofit/>
-          </a:bodyPr>
-          <a:lstStyle/>
-          <a:p>
-            <a:pPr indent="0" lvl="0" marL="0" rtl="0" algn="r">
-              <a:lnSpc>
-                <a:spcPct val="100000"/>
-              </a:lnSpc>
-              <a:spcBef>
-                <a:spcPts val="0"/>
-              </a:spcBef>
-              <a:spcAft>
-                <a:spcPts val="0"/>
-              </a:spcAft>
-              <a:buSzPts val="1600"/>
-              <a:buNone/>
-            </a:pPr>
-            <a:fld id="{00000000-1234-1234-1234-123412341234}" type="slidenum">
-              <a:rPr lang="en"/>
-              <a:t>‹#›</a:t>
-            </a:fld>
-            <a:endParaRPr/>
-          </a:p>
-        </p:txBody>
-      </p:sp>
-    </p:spTree>
-  </p:cSld>
-  <p:clrMapOvr>
-    <a:masterClrMapping/>
-  </p:clrMapOvr>
-</p:sld>
-</file>
-
-<file path=ppt/slides/slide13.xml><?xml version="1.0" encoding="utf-8"?>
-<p:sld xmlns:a="http://schemas.openxmlformats.org/drawingml/2006/main" xmlns:r="http://schemas.openxmlformats.org/officeDocument/2006/relationships" xmlns:mc="http://schemas.openxmlformats.org/markup-compatibility/2006" xmlns:mv="urn:schemas-microsoft-com:mac:vml" xmlns:p="http://schemas.openxmlformats.org/presentationml/2006/main" xmlns:c="http://schemas.openxmlformats.org/drawingml/2006/chart" xmlns:dgm="http://schemas.openxmlformats.org/drawingml/2006/diagram" xmlns:o="urn:schemas-microsoft-com:office:office" xmlns:v="urn:schemas-microsoft-com:vml" xmlns:pvml="urn:schemas-microsoft-com:office:powerpoint" xmlns:com="http://schemas.openxmlformats.org/drawingml/2006/compatibility" xmlns:p14="http://schemas.microsoft.com/office/powerpoint/2010/main" xmlns:p15="http://schemas.microsoft.com/office/powerpoint/2012/main" xmlns:ahyp="http://schemas.microsoft.com/office/drawing/2018/hyperlinkcolor">
-  <p:cSld>
-    <p:spTree>
-      <p:nvGrpSpPr>
-        <p:cNvPr id="211" name="Shape 211"/>
-        <p:cNvGrpSpPr/>
-        <p:nvPr/>
-      </p:nvGrpSpPr>
-      <p:grpSpPr>
-        <a:xfrm>
-          <a:off x="0" y="0"/>
-          <a:ext cx="0" cy="0"/>
-          <a:chOff x="0" y="0"/>
-          <a:chExt cx="0" cy="0"/>
-        </a:xfrm>
-      </p:grpSpPr>
-      <p:sp>
-        <p:nvSpPr>
-          <p:cNvPr id="212" name="Google Shape;212;p24"/>
-          <p:cNvSpPr txBox="1"/>
-          <p:nvPr>
-            <p:ph type="title"/>
-          </p:nvPr>
-        </p:nvSpPr>
-        <p:spPr>
-          <a:xfrm>
-            <a:off x="465150" y="283050"/>
-            <a:ext cx="2859000" cy="364200"/>
-          </a:xfrm>
-          <a:prstGeom prst="rect">
-            <a:avLst/>
-          </a:prstGeom>
-          <a:noFill/>
-          <a:ln>
-            <a:noFill/>
-          </a:ln>
-        </p:spPr>
-        <p:txBody>
-          <a:bodyPr anchorCtr="0" anchor="b" bIns="0" lIns="0" spcFirstLastPara="1" rIns="0" wrap="square" tIns="0">
-            <a:noAutofit/>
-          </a:bodyPr>
-          <a:lstStyle/>
-          <a:p>
-            <a:pPr indent="0" lvl="0" marL="0" rtl="0" algn="l">
-              <a:lnSpc>
-                <a:spcPct val="90000"/>
-              </a:lnSpc>
-              <a:spcBef>
-                <a:spcPts val="0"/>
-              </a:spcBef>
-              <a:spcAft>
-                <a:spcPts val="0"/>
-              </a:spcAft>
-              <a:buSzPts val="3200"/>
-              <a:buNone/>
-            </a:pPr>
-            <a:r>
-              <a:rPr lang="en"/>
-              <a:t>CRC</a:t>
-            </a:r>
-            <a:endParaRPr/>
-          </a:p>
-        </p:txBody>
-      </p:sp>
-      <p:sp>
-        <p:nvSpPr>
-          <p:cNvPr id="213" name="Google Shape;213;p24"/>
-          <p:cNvSpPr txBox="1"/>
-          <p:nvPr>
-            <p:ph idx="12" type="sldNum"/>
-          </p:nvPr>
-        </p:nvSpPr>
-        <p:spPr>
-          <a:xfrm>
-            <a:off x="8213401" y="4248586"/>
-            <a:ext cx="465300" cy="474300"/>
-          </a:xfrm>
-          <a:prstGeom prst="rect">
-            <a:avLst/>
-          </a:prstGeom>
-          <a:noFill/>
-          <a:ln>
-            <a:noFill/>
-          </a:ln>
-        </p:spPr>
-        <p:txBody>
-          <a:bodyPr anchorCtr="0" anchor="b" bIns="0" lIns="0" spcFirstLastPara="1" rIns="0" wrap="square" tIns="0">
-            <a:noAutofit/>
-          </a:bodyPr>
-          <a:lstStyle/>
-          <a:p>
-            <a:pPr indent="0" lvl="0" marL="0" rtl="0" algn="r">
-              <a:lnSpc>
-                <a:spcPct val="100000"/>
-              </a:lnSpc>
-              <a:spcBef>
-                <a:spcPts val="0"/>
-              </a:spcBef>
-              <a:spcAft>
-                <a:spcPts val="0"/>
-              </a:spcAft>
-              <a:buSzPts val="1600"/>
-              <a:buNone/>
-            </a:pPr>
-            <a:fld id="{00000000-1234-1234-1234-123412341234}" type="slidenum">
-              <a:rPr lang="en"/>
-              <a:t>‹#›</a:t>
-            </a:fld>
-            <a:endParaRPr/>
-          </a:p>
-        </p:txBody>
-      </p:sp>
-    </p:spTree>
-  </p:cSld>
-  <p:clrMapOvr>
-    <a:masterClrMapping/>
-  </p:clrMapOvr>
-</p:sld>
-</file>
-
-<file path=ppt/slides/slide14.xml><?xml version="1.0" encoding="utf-8"?>
-<p:sld xmlns:a="http://schemas.openxmlformats.org/drawingml/2006/main" xmlns:r="http://schemas.openxmlformats.org/officeDocument/2006/relationships" xmlns:mc="http://schemas.openxmlformats.org/markup-compatibility/2006" xmlns:mv="urn:schemas-microsoft-com:mac:vml" xmlns:p="http://schemas.openxmlformats.org/presentationml/2006/main" xmlns:c="http://schemas.openxmlformats.org/drawingml/2006/chart" xmlns:dgm="http://schemas.openxmlformats.org/drawingml/2006/diagram" xmlns:o="urn:schemas-microsoft-com:office:office" xmlns:v="urn:schemas-microsoft-com:vml" xmlns:pvml="urn:schemas-microsoft-com:office:powerpoint" xmlns:com="http://schemas.openxmlformats.org/drawingml/2006/compatibility" xmlns:p14="http://schemas.microsoft.com/office/powerpoint/2010/main" xmlns:p15="http://schemas.microsoft.com/office/powerpoint/2012/main" xmlns:ahyp="http://schemas.microsoft.com/office/drawing/2018/hyperlinkcolor">
-  <p:cSld>
-    <p:spTree>
-      <p:nvGrpSpPr>
-        <p:cNvPr id="217" name="Shape 217"/>
-        <p:cNvGrpSpPr/>
-        <p:nvPr/>
-      </p:nvGrpSpPr>
-      <p:grpSpPr>
-        <a:xfrm>
-          <a:off x="0" y="0"/>
-          <a:ext cx="0" cy="0"/>
-          <a:chOff x="0" y="0"/>
-          <a:chExt cx="0" cy="0"/>
-        </a:xfrm>
-      </p:grpSpPr>
-      <p:sp>
-        <p:nvSpPr>
-          <p:cNvPr id="218" name="Google Shape;218;p25"/>
-          <p:cNvSpPr txBox="1"/>
-          <p:nvPr>
-            <p:ph type="title"/>
-          </p:nvPr>
-        </p:nvSpPr>
-        <p:spPr>
-          <a:xfrm>
-            <a:off x="465150" y="283050"/>
-            <a:ext cx="2859000" cy="364200"/>
-          </a:xfrm>
-          <a:prstGeom prst="rect">
-            <a:avLst/>
-          </a:prstGeom>
-          <a:noFill/>
-          <a:ln>
-            <a:noFill/>
-          </a:ln>
-        </p:spPr>
-        <p:txBody>
-          <a:bodyPr anchorCtr="0" anchor="b" bIns="0" lIns="0" spcFirstLastPara="1" rIns="0" wrap="square" tIns="0">
-            <a:noAutofit/>
-          </a:bodyPr>
-          <a:lstStyle/>
-          <a:p>
-            <a:pPr indent="0" lvl="0" marL="0" rtl="0" algn="l">
-              <a:lnSpc>
-                <a:spcPct val="90000"/>
-              </a:lnSpc>
-              <a:spcBef>
-                <a:spcPts val="0"/>
-              </a:spcBef>
-              <a:spcAft>
-                <a:spcPts val="0"/>
-              </a:spcAft>
-              <a:buSzPts val="3200"/>
-              <a:buNone/>
-            </a:pPr>
-            <a:r>
-              <a:rPr lang="en"/>
-              <a:t>Class Diagram</a:t>
-            </a:r>
-            <a:endParaRPr/>
-          </a:p>
-        </p:txBody>
-      </p:sp>
-      <p:sp>
-        <p:nvSpPr>
-          <p:cNvPr id="219" name="Google Shape;219;p25"/>
-          <p:cNvSpPr txBox="1"/>
-          <p:nvPr>
-            <p:ph idx="12" type="sldNum"/>
-          </p:nvPr>
-        </p:nvSpPr>
-        <p:spPr>
-          <a:xfrm>
-            <a:off x="8213401" y="4248586"/>
-            <a:ext cx="465300" cy="474300"/>
-          </a:xfrm>
-          <a:prstGeom prst="rect">
-            <a:avLst/>
-          </a:prstGeom>
-          <a:noFill/>
-          <a:ln>
-            <a:noFill/>
-          </a:ln>
-        </p:spPr>
-        <p:txBody>
-          <a:bodyPr anchorCtr="0" anchor="b" bIns="0" lIns="0" spcFirstLastPara="1" rIns="0" wrap="square" tIns="0">
-            <a:noAutofit/>
-          </a:bodyPr>
-          <a:lstStyle/>
-          <a:p>
-            <a:pPr indent="0" lvl="0" marL="0" rtl="0" algn="r">
-              <a:lnSpc>
-                <a:spcPct val="100000"/>
-              </a:lnSpc>
-              <a:spcBef>
-                <a:spcPts val="0"/>
-              </a:spcBef>
-              <a:spcAft>
-                <a:spcPts val="0"/>
-              </a:spcAft>
-              <a:buSzPts val="1600"/>
-              <a:buNone/>
-            </a:pPr>
-            <a:fld id="{00000000-1234-1234-1234-123412341234}" type="slidenum">
-              <a:rPr lang="en"/>
-              <a:t>‹#›</a:t>
-            </a:fld>
-            <a:endParaRPr/>
-          </a:p>
-        </p:txBody>
-      </p:sp>
-    </p:spTree>
-  </p:cSld>
-  <p:clrMapOvr>
-    <a:masterClrMapping/>
-  </p:clrMapOvr>
-</p:sld>
-</file>
-
-<file path=ppt/slides/slide15.xml><?xml version="1.0" encoding="utf-8"?>
-<p:sld xmlns:a="http://schemas.openxmlformats.org/drawingml/2006/main" xmlns:r="http://schemas.openxmlformats.org/officeDocument/2006/relationships" xmlns:mc="http://schemas.openxmlformats.org/markup-compatibility/2006" xmlns:mv="urn:schemas-microsoft-com:mac:vml" xmlns:p="http://schemas.openxmlformats.org/presentationml/2006/main" xmlns:c="http://schemas.openxmlformats.org/drawingml/2006/chart" xmlns:dgm="http://schemas.openxmlformats.org/drawingml/2006/diagram" xmlns:o="urn:schemas-microsoft-com:office:office" xmlns:v="urn:schemas-microsoft-com:vml" xmlns:pvml="urn:schemas-microsoft-com:office:powerpoint" xmlns:com="http://schemas.openxmlformats.org/drawingml/2006/compatibility" xmlns:p14="http://schemas.microsoft.com/office/powerpoint/2010/main" xmlns:p15="http://schemas.microsoft.com/office/powerpoint/2012/main" xmlns:ahyp="http://schemas.microsoft.com/office/drawing/2018/hyperlinkcolor">
-  <p:cSld>
-    <p:spTree>
-      <p:nvGrpSpPr>
-        <p:cNvPr id="223" name="Shape 223"/>
-        <p:cNvGrpSpPr/>
-        <p:nvPr/>
-      </p:nvGrpSpPr>
-      <p:grpSpPr>
-        <a:xfrm>
-          <a:off x="0" y="0"/>
-          <a:ext cx="0" cy="0"/>
-          <a:chOff x="0" y="0"/>
-          <a:chExt cx="0" cy="0"/>
-        </a:xfrm>
-      </p:grpSpPr>
-      <p:sp>
-        <p:nvSpPr>
-          <p:cNvPr id="224" name="Google Shape;224;p26"/>
-          <p:cNvSpPr/>
-          <p:nvPr/>
-        </p:nvSpPr>
-        <p:spPr>
-          <a:xfrm>
-            <a:off x="930275" y="1579663"/>
-            <a:ext cx="4929300" cy="1984200"/>
-          </a:xfrm>
-          <a:prstGeom prst="snip2DiagRect">
-            <a:avLst>
-              <a:gd fmla="val 0" name="adj1"/>
-              <a:gd fmla="val 16667" name="adj2"/>
-            </a:avLst>
-          </a:prstGeom>
-          <a:noFill/>
-          <a:ln cap="flat" cmpd="sng" w="9525">
-            <a:solidFill>
-              <a:schemeClr val="lt1"/>
-            </a:solidFill>
-            <a:prstDash val="solid"/>
-            <a:round/>
-            <a:headEnd len="sm" w="sm" type="none"/>
-            <a:tailEnd len="sm" w="sm" type="none"/>
-          </a:ln>
-        </p:spPr>
-        <p:txBody>
-          <a:bodyPr anchorCtr="0" anchor="ctr" bIns="91425" lIns="91425" spcFirstLastPara="1" rIns="91425" wrap="square" tIns="91425">
-            <a:noAutofit/>
-          </a:bodyPr>
-          <a:lstStyle/>
-          <a:p>
-            <a:pPr indent="0" lvl="0" marL="0" rtl="0" algn="l">
-              <a:spcBef>
-                <a:spcPts val="0"/>
-              </a:spcBef>
-              <a:spcAft>
-                <a:spcPts val="0"/>
-              </a:spcAft>
-              <a:buNone/>
-            </a:pPr>
-            <a:r>
-              <a:rPr b="1" lang="en" sz="6700">
-                <a:solidFill>
-                  <a:srgbClr val="FFFFFF"/>
-                </a:solidFill>
-                <a:latin typeface="Comic Sans MS"/>
-                <a:ea typeface="Comic Sans MS"/>
-                <a:cs typeface="Comic Sans MS"/>
-                <a:sym typeface="Comic Sans MS"/>
-              </a:rPr>
-              <a:t>Thank You</a:t>
-            </a:r>
-            <a:endParaRPr b="1" sz="6700">
-              <a:solidFill>
-                <a:srgbClr val="FFFFFF"/>
-              </a:solidFill>
-              <a:latin typeface="Comic Sans MS"/>
-              <a:ea typeface="Comic Sans MS"/>
-              <a:cs typeface="Comic Sans MS"/>
-              <a:sym typeface="Comic Sans MS"/>
-            </a:endParaRPr>
-          </a:p>
-        </p:txBody>
-      </p:sp>
-      <p:sp>
-        <p:nvSpPr>
-          <p:cNvPr id="225" name="Google Shape;225;p26"/>
-          <p:cNvSpPr/>
-          <p:nvPr/>
-        </p:nvSpPr>
-        <p:spPr>
-          <a:xfrm>
-            <a:off x="6206826" y="1494838"/>
-            <a:ext cx="2153902" cy="2153864"/>
-          </a:xfrm>
-          <a:custGeom>
-            <a:rect b="b" l="l" r="r" t="t"/>
-            <a:pathLst>
-              <a:path extrusionOk="0" h="15290" w="15290">
-                <a:moveTo>
-                  <a:pt x="4519" y="6815"/>
-                </a:moveTo>
-                <a:lnTo>
-                  <a:pt x="4690" y="6839"/>
-                </a:lnTo>
-                <a:lnTo>
-                  <a:pt x="4861" y="6888"/>
-                </a:lnTo>
-                <a:lnTo>
-                  <a:pt x="5007" y="6986"/>
-                </a:lnTo>
-                <a:lnTo>
-                  <a:pt x="5154" y="7084"/>
-                </a:lnTo>
-                <a:lnTo>
-                  <a:pt x="5251" y="7230"/>
-                </a:lnTo>
-                <a:lnTo>
-                  <a:pt x="5325" y="7401"/>
-                </a:lnTo>
-                <a:lnTo>
-                  <a:pt x="5374" y="7572"/>
-                </a:lnTo>
-                <a:lnTo>
-                  <a:pt x="5398" y="7767"/>
-                </a:lnTo>
-                <a:lnTo>
-                  <a:pt x="5374" y="7963"/>
-                </a:lnTo>
-                <a:lnTo>
-                  <a:pt x="5325" y="8134"/>
-                </a:lnTo>
-                <a:lnTo>
-                  <a:pt x="5251" y="8305"/>
-                </a:lnTo>
-                <a:lnTo>
-                  <a:pt x="5154" y="8451"/>
-                </a:lnTo>
-                <a:lnTo>
-                  <a:pt x="5007" y="8549"/>
-                </a:lnTo>
-                <a:lnTo>
-                  <a:pt x="4861" y="8647"/>
-                </a:lnTo>
-                <a:lnTo>
-                  <a:pt x="4690" y="8696"/>
-                </a:lnTo>
-                <a:lnTo>
-                  <a:pt x="4519" y="8720"/>
-                </a:lnTo>
-                <a:lnTo>
-                  <a:pt x="4348" y="8696"/>
-                </a:lnTo>
-                <a:lnTo>
-                  <a:pt x="4177" y="8647"/>
-                </a:lnTo>
-                <a:lnTo>
-                  <a:pt x="4030" y="8549"/>
-                </a:lnTo>
-                <a:lnTo>
-                  <a:pt x="3884" y="8451"/>
-                </a:lnTo>
-                <a:lnTo>
-                  <a:pt x="3786" y="8305"/>
-                </a:lnTo>
-                <a:lnTo>
-                  <a:pt x="3713" y="8134"/>
-                </a:lnTo>
-                <a:lnTo>
-                  <a:pt x="3664" y="7963"/>
-                </a:lnTo>
-                <a:lnTo>
-                  <a:pt x="3640" y="7767"/>
-                </a:lnTo>
-                <a:lnTo>
-                  <a:pt x="3664" y="7572"/>
-                </a:lnTo>
-                <a:lnTo>
-                  <a:pt x="3713" y="7401"/>
-                </a:lnTo>
-                <a:lnTo>
-                  <a:pt x="3786" y="7230"/>
-                </a:lnTo>
-                <a:lnTo>
-                  <a:pt x="3884" y="7084"/>
-                </a:lnTo>
-                <a:lnTo>
-                  <a:pt x="4030" y="6986"/>
-                </a:lnTo>
-                <a:lnTo>
-                  <a:pt x="4177" y="6888"/>
-                </a:lnTo>
-                <a:lnTo>
-                  <a:pt x="4348" y="6839"/>
-                </a:lnTo>
-                <a:lnTo>
-                  <a:pt x="4519" y="6815"/>
-                </a:lnTo>
-                <a:close/>
-                <a:moveTo>
-                  <a:pt x="10771" y="6815"/>
-                </a:moveTo>
-                <a:lnTo>
-                  <a:pt x="10942" y="6839"/>
-                </a:lnTo>
-                <a:lnTo>
-                  <a:pt x="11113" y="6888"/>
-                </a:lnTo>
-                <a:lnTo>
-                  <a:pt x="11260" y="6986"/>
-                </a:lnTo>
-                <a:lnTo>
-                  <a:pt x="11406" y="7084"/>
-                </a:lnTo>
-                <a:lnTo>
-                  <a:pt x="11504" y="7230"/>
-                </a:lnTo>
-                <a:lnTo>
-                  <a:pt x="11577" y="7401"/>
-                </a:lnTo>
-                <a:lnTo>
-                  <a:pt x="11626" y="7572"/>
-                </a:lnTo>
-                <a:lnTo>
-                  <a:pt x="11650" y="7767"/>
-                </a:lnTo>
-                <a:lnTo>
-                  <a:pt x="11626" y="7963"/>
-                </a:lnTo>
-                <a:lnTo>
-                  <a:pt x="11577" y="8134"/>
-                </a:lnTo>
-                <a:lnTo>
-                  <a:pt x="11504" y="8305"/>
-                </a:lnTo>
-                <a:lnTo>
-                  <a:pt x="11406" y="8451"/>
-                </a:lnTo>
-                <a:lnTo>
-                  <a:pt x="11260" y="8549"/>
-                </a:lnTo>
-                <a:lnTo>
-                  <a:pt x="11113" y="8647"/>
-                </a:lnTo>
-                <a:lnTo>
-                  <a:pt x="10942" y="8696"/>
-                </a:lnTo>
-                <a:lnTo>
-                  <a:pt x="10771" y="8720"/>
-                </a:lnTo>
-                <a:lnTo>
-                  <a:pt x="10600" y="8696"/>
-                </a:lnTo>
-                <a:lnTo>
-                  <a:pt x="10429" y="8647"/>
-                </a:lnTo>
-                <a:lnTo>
-                  <a:pt x="10283" y="8549"/>
-                </a:lnTo>
-                <a:lnTo>
-                  <a:pt x="10136" y="8451"/>
-                </a:lnTo>
-                <a:lnTo>
-                  <a:pt x="10038" y="8305"/>
-                </a:lnTo>
-                <a:lnTo>
-                  <a:pt x="9965" y="8134"/>
-                </a:lnTo>
-                <a:lnTo>
-                  <a:pt x="9916" y="7963"/>
-                </a:lnTo>
-                <a:lnTo>
-                  <a:pt x="9892" y="7767"/>
-                </a:lnTo>
-                <a:lnTo>
-                  <a:pt x="9916" y="7572"/>
-                </a:lnTo>
-                <a:lnTo>
-                  <a:pt x="9965" y="7401"/>
-                </a:lnTo>
-                <a:lnTo>
-                  <a:pt x="10038" y="7230"/>
-                </a:lnTo>
-                <a:lnTo>
-                  <a:pt x="10136" y="7084"/>
-                </a:lnTo>
-                <a:lnTo>
-                  <a:pt x="10283" y="6986"/>
-                </a:lnTo>
-                <a:lnTo>
-                  <a:pt x="10429" y="6888"/>
-                </a:lnTo>
-                <a:lnTo>
-                  <a:pt x="10600" y="6839"/>
-                </a:lnTo>
-                <a:lnTo>
-                  <a:pt x="10771" y="6815"/>
-                </a:lnTo>
-                <a:close/>
-                <a:moveTo>
-                  <a:pt x="11308" y="10210"/>
-                </a:moveTo>
-                <a:lnTo>
-                  <a:pt x="11406" y="10234"/>
-                </a:lnTo>
-                <a:lnTo>
-                  <a:pt x="11479" y="10259"/>
-                </a:lnTo>
-                <a:lnTo>
-                  <a:pt x="11577" y="10307"/>
-                </a:lnTo>
-                <a:lnTo>
-                  <a:pt x="11650" y="10356"/>
-                </a:lnTo>
-                <a:lnTo>
-                  <a:pt x="11699" y="10430"/>
-                </a:lnTo>
-                <a:lnTo>
-                  <a:pt x="11748" y="10527"/>
-                </a:lnTo>
-                <a:lnTo>
-                  <a:pt x="11772" y="10625"/>
-                </a:lnTo>
-                <a:lnTo>
-                  <a:pt x="11797" y="10698"/>
-                </a:lnTo>
-                <a:lnTo>
-                  <a:pt x="11772" y="10796"/>
-                </a:lnTo>
-                <a:lnTo>
-                  <a:pt x="11748" y="10894"/>
-                </a:lnTo>
-                <a:lnTo>
-                  <a:pt x="11699" y="10967"/>
-                </a:lnTo>
-                <a:lnTo>
-                  <a:pt x="11650" y="11065"/>
-                </a:lnTo>
-                <a:lnTo>
-                  <a:pt x="11235" y="11431"/>
-                </a:lnTo>
-                <a:lnTo>
-                  <a:pt x="10795" y="11773"/>
-                </a:lnTo>
-                <a:lnTo>
-                  <a:pt x="10307" y="12041"/>
-                </a:lnTo>
-                <a:lnTo>
-                  <a:pt x="9819" y="12286"/>
-                </a:lnTo>
-                <a:lnTo>
-                  <a:pt x="9281" y="12457"/>
-                </a:lnTo>
-                <a:lnTo>
-                  <a:pt x="8768" y="12603"/>
-                </a:lnTo>
-                <a:lnTo>
-                  <a:pt x="8207" y="12676"/>
-                </a:lnTo>
-                <a:lnTo>
-                  <a:pt x="7645" y="12701"/>
-                </a:lnTo>
-                <a:lnTo>
-                  <a:pt x="7083" y="12676"/>
-                </a:lnTo>
-                <a:lnTo>
-                  <a:pt x="6521" y="12603"/>
-                </a:lnTo>
-                <a:lnTo>
-                  <a:pt x="6009" y="12457"/>
-                </a:lnTo>
-                <a:lnTo>
-                  <a:pt x="5471" y="12286"/>
-                </a:lnTo>
-                <a:lnTo>
-                  <a:pt x="4983" y="12041"/>
-                </a:lnTo>
-                <a:lnTo>
-                  <a:pt x="4494" y="11773"/>
-                </a:lnTo>
-                <a:lnTo>
-                  <a:pt x="4055" y="11431"/>
-                </a:lnTo>
-                <a:lnTo>
-                  <a:pt x="3640" y="11065"/>
-                </a:lnTo>
-                <a:lnTo>
-                  <a:pt x="3591" y="10967"/>
-                </a:lnTo>
-                <a:lnTo>
-                  <a:pt x="3542" y="10894"/>
-                </a:lnTo>
-                <a:lnTo>
-                  <a:pt x="3517" y="10796"/>
-                </a:lnTo>
-                <a:lnTo>
-                  <a:pt x="3493" y="10698"/>
-                </a:lnTo>
-                <a:lnTo>
-                  <a:pt x="3517" y="10625"/>
-                </a:lnTo>
-                <a:lnTo>
-                  <a:pt x="3542" y="10527"/>
-                </a:lnTo>
-                <a:lnTo>
-                  <a:pt x="3591" y="10430"/>
-                </a:lnTo>
-                <a:lnTo>
-                  <a:pt x="3640" y="10356"/>
-                </a:lnTo>
-                <a:lnTo>
-                  <a:pt x="3713" y="10307"/>
-                </a:lnTo>
-                <a:lnTo>
-                  <a:pt x="3811" y="10259"/>
-                </a:lnTo>
-                <a:lnTo>
-                  <a:pt x="3884" y="10234"/>
-                </a:lnTo>
-                <a:lnTo>
-                  <a:pt x="3981" y="10210"/>
-                </a:lnTo>
-                <a:lnTo>
-                  <a:pt x="4079" y="10234"/>
-                </a:lnTo>
-                <a:lnTo>
-                  <a:pt x="4177" y="10259"/>
-                </a:lnTo>
-                <a:lnTo>
-                  <a:pt x="4250" y="10307"/>
-                </a:lnTo>
-                <a:lnTo>
-                  <a:pt x="4323" y="10356"/>
-                </a:lnTo>
-                <a:lnTo>
-                  <a:pt x="4690" y="10674"/>
-                </a:lnTo>
-                <a:lnTo>
-                  <a:pt x="5056" y="10942"/>
-                </a:lnTo>
-                <a:lnTo>
-                  <a:pt x="5447" y="11187"/>
-                </a:lnTo>
-                <a:lnTo>
-                  <a:pt x="5862" y="11382"/>
-                </a:lnTo>
-                <a:lnTo>
-                  <a:pt x="6277" y="11529"/>
-                </a:lnTo>
-                <a:lnTo>
-                  <a:pt x="6717" y="11651"/>
-                </a:lnTo>
-                <a:lnTo>
-                  <a:pt x="7181" y="11700"/>
-                </a:lnTo>
-                <a:lnTo>
-                  <a:pt x="7645" y="11724"/>
-                </a:lnTo>
-                <a:lnTo>
-                  <a:pt x="8109" y="11700"/>
-                </a:lnTo>
-                <a:lnTo>
-                  <a:pt x="8573" y="11651"/>
-                </a:lnTo>
-                <a:lnTo>
-                  <a:pt x="9013" y="11529"/>
-                </a:lnTo>
-                <a:lnTo>
-                  <a:pt x="9428" y="11382"/>
-                </a:lnTo>
-                <a:lnTo>
-                  <a:pt x="9843" y="11187"/>
-                </a:lnTo>
-                <a:lnTo>
-                  <a:pt x="10234" y="10942"/>
-                </a:lnTo>
-                <a:lnTo>
-                  <a:pt x="10600" y="10674"/>
-                </a:lnTo>
-                <a:lnTo>
-                  <a:pt x="10966" y="10356"/>
-                </a:lnTo>
-                <a:lnTo>
-                  <a:pt x="11040" y="10307"/>
-                </a:lnTo>
-                <a:lnTo>
-                  <a:pt x="11113" y="10259"/>
-                </a:lnTo>
-                <a:lnTo>
-                  <a:pt x="11211" y="10234"/>
-                </a:lnTo>
-                <a:lnTo>
-                  <a:pt x="11308" y="10210"/>
-                </a:lnTo>
-                <a:close/>
-                <a:moveTo>
-                  <a:pt x="7254" y="1"/>
-                </a:moveTo>
-                <a:lnTo>
-                  <a:pt x="6863" y="50"/>
-                </a:lnTo>
-                <a:lnTo>
-                  <a:pt x="6473" y="99"/>
-                </a:lnTo>
-                <a:lnTo>
-                  <a:pt x="6106" y="147"/>
-                </a:lnTo>
-                <a:lnTo>
-                  <a:pt x="5740" y="245"/>
-                </a:lnTo>
-                <a:lnTo>
-                  <a:pt x="5374" y="343"/>
-                </a:lnTo>
-                <a:lnTo>
-                  <a:pt x="5007" y="465"/>
-                </a:lnTo>
-                <a:lnTo>
-                  <a:pt x="4665" y="611"/>
-                </a:lnTo>
-                <a:lnTo>
-                  <a:pt x="4323" y="758"/>
-                </a:lnTo>
-                <a:lnTo>
-                  <a:pt x="4006" y="929"/>
-                </a:lnTo>
-                <a:lnTo>
-                  <a:pt x="3688" y="1100"/>
-                </a:lnTo>
-                <a:lnTo>
-                  <a:pt x="3371" y="1295"/>
-                </a:lnTo>
-                <a:lnTo>
-                  <a:pt x="3078" y="1515"/>
-                </a:lnTo>
-                <a:lnTo>
-                  <a:pt x="2785" y="1735"/>
-                </a:lnTo>
-                <a:lnTo>
-                  <a:pt x="2516" y="1979"/>
-                </a:lnTo>
-                <a:lnTo>
-                  <a:pt x="2247" y="2248"/>
-                </a:lnTo>
-                <a:lnTo>
-                  <a:pt x="1979" y="2516"/>
-                </a:lnTo>
-                <a:lnTo>
-                  <a:pt x="1735" y="2785"/>
-                </a:lnTo>
-                <a:lnTo>
-                  <a:pt x="1515" y="3078"/>
-                </a:lnTo>
-                <a:lnTo>
-                  <a:pt x="1295" y="3371"/>
-                </a:lnTo>
-                <a:lnTo>
-                  <a:pt x="1100" y="3689"/>
-                </a:lnTo>
-                <a:lnTo>
-                  <a:pt x="929" y="4006"/>
-                </a:lnTo>
-                <a:lnTo>
-                  <a:pt x="758" y="4324"/>
-                </a:lnTo>
-                <a:lnTo>
-                  <a:pt x="611" y="4666"/>
-                </a:lnTo>
-                <a:lnTo>
-                  <a:pt x="465" y="5008"/>
-                </a:lnTo>
-                <a:lnTo>
-                  <a:pt x="342" y="5374"/>
-                </a:lnTo>
-                <a:lnTo>
-                  <a:pt x="245" y="5740"/>
-                </a:lnTo>
-                <a:lnTo>
-                  <a:pt x="147" y="6107"/>
-                </a:lnTo>
-                <a:lnTo>
-                  <a:pt x="98" y="6473"/>
-                </a:lnTo>
-                <a:lnTo>
-                  <a:pt x="49" y="6864"/>
-                </a:lnTo>
-                <a:lnTo>
-                  <a:pt x="1" y="7255"/>
-                </a:lnTo>
-                <a:lnTo>
-                  <a:pt x="1" y="7645"/>
-                </a:lnTo>
-                <a:lnTo>
-                  <a:pt x="1" y="8036"/>
-                </a:lnTo>
-                <a:lnTo>
-                  <a:pt x="49" y="8427"/>
-                </a:lnTo>
-                <a:lnTo>
-                  <a:pt x="98" y="8818"/>
-                </a:lnTo>
-                <a:lnTo>
-                  <a:pt x="147" y="9184"/>
-                </a:lnTo>
-                <a:lnTo>
-                  <a:pt x="245" y="9550"/>
-                </a:lnTo>
-                <a:lnTo>
-                  <a:pt x="342" y="9917"/>
-                </a:lnTo>
-                <a:lnTo>
-                  <a:pt x="465" y="10283"/>
-                </a:lnTo>
-                <a:lnTo>
-                  <a:pt x="611" y="10625"/>
-                </a:lnTo>
-                <a:lnTo>
-                  <a:pt x="758" y="10967"/>
-                </a:lnTo>
-                <a:lnTo>
-                  <a:pt x="929" y="11284"/>
-                </a:lnTo>
-                <a:lnTo>
-                  <a:pt x="1100" y="11602"/>
-                </a:lnTo>
-                <a:lnTo>
-                  <a:pt x="1295" y="11919"/>
-                </a:lnTo>
-                <a:lnTo>
-                  <a:pt x="1515" y="12212"/>
-                </a:lnTo>
-                <a:lnTo>
-                  <a:pt x="1735" y="12506"/>
-                </a:lnTo>
-                <a:lnTo>
-                  <a:pt x="1979" y="12774"/>
-                </a:lnTo>
-                <a:lnTo>
-                  <a:pt x="2247" y="13043"/>
-                </a:lnTo>
-                <a:lnTo>
-                  <a:pt x="2516" y="13311"/>
-                </a:lnTo>
-                <a:lnTo>
-                  <a:pt x="2785" y="13556"/>
-                </a:lnTo>
-                <a:lnTo>
-                  <a:pt x="3078" y="13776"/>
-                </a:lnTo>
-                <a:lnTo>
-                  <a:pt x="3371" y="13995"/>
-                </a:lnTo>
-                <a:lnTo>
-                  <a:pt x="3688" y="14191"/>
-                </a:lnTo>
-                <a:lnTo>
-                  <a:pt x="4006" y="14362"/>
-                </a:lnTo>
-                <a:lnTo>
-                  <a:pt x="4323" y="14533"/>
-                </a:lnTo>
-                <a:lnTo>
-                  <a:pt x="4665" y="14679"/>
-                </a:lnTo>
-                <a:lnTo>
-                  <a:pt x="5007" y="14826"/>
-                </a:lnTo>
-                <a:lnTo>
-                  <a:pt x="5374" y="14948"/>
-                </a:lnTo>
-                <a:lnTo>
-                  <a:pt x="5740" y="15046"/>
-                </a:lnTo>
-                <a:lnTo>
-                  <a:pt x="6106" y="15143"/>
-                </a:lnTo>
-                <a:lnTo>
-                  <a:pt x="6473" y="15192"/>
-                </a:lnTo>
-                <a:lnTo>
-                  <a:pt x="6863" y="15241"/>
-                </a:lnTo>
-                <a:lnTo>
-                  <a:pt x="7254" y="15290"/>
-                </a:lnTo>
-                <a:lnTo>
-                  <a:pt x="8036" y="15290"/>
-                </a:lnTo>
-                <a:lnTo>
-                  <a:pt x="8426" y="15241"/>
-                </a:lnTo>
-                <a:lnTo>
-                  <a:pt x="8817" y="15192"/>
-                </a:lnTo>
-                <a:lnTo>
-                  <a:pt x="9184" y="15143"/>
-                </a:lnTo>
-                <a:lnTo>
-                  <a:pt x="9550" y="15046"/>
-                </a:lnTo>
-                <a:lnTo>
-                  <a:pt x="9916" y="14948"/>
-                </a:lnTo>
-                <a:lnTo>
-                  <a:pt x="10283" y="14826"/>
-                </a:lnTo>
-                <a:lnTo>
-                  <a:pt x="10625" y="14679"/>
-                </a:lnTo>
-                <a:lnTo>
-                  <a:pt x="10966" y="14533"/>
-                </a:lnTo>
-                <a:lnTo>
-                  <a:pt x="11284" y="14362"/>
-                </a:lnTo>
-                <a:lnTo>
-                  <a:pt x="11601" y="14191"/>
-                </a:lnTo>
-                <a:lnTo>
-                  <a:pt x="11919" y="13995"/>
-                </a:lnTo>
-                <a:lnTo>
-                  <a:pt x="12212" y="13776"/>
-                </a:lnTo>
-                <a:lnTo>
-                  <a:pt x="12505" y="13556"/>
-                </a:lnTo>
-                <a:lnTo>
-                  <a:pt x="12774" y="13311"/>
-                </a:lnTo>
-                <a:lnTo>
-                  <a:pt x="13042" y="13043"/>
-                </a:lnTo>
-                <a:lnTo>
-                  <a:pt x="13311" y="12774"/>
-                </a:lnTo>
-                <a:lnTo>
-                  <a:pt x="13555" y="12506"/>
-                </a:lnTo>
-                <a:lnTo>
-                  <a:pt x="13775" y="12212"/>
-                </a:lnTo>
-                <a:lnTo>
-                  <a:pt x="13995" y="11919"/>
-                </a:lnTo>
-                <a:lnTo>
-                  <a:pt x="14190" y="11602"/>
-                </a:lnTo>
-                <a:lnTo>
-                  <a:pt x="14361" y="11284"/>
-                </a:lnTo>
-                <a:lnTo>
-                  <a:pt x="14532" y="10967"/>
-                </a:lnTo>
-                <a:lnTo>
-                  <a:pt x="14679" y="10625"/>
-                </a:lnTo>
-                <a:lnTo>
-                  <a:pt x="14825" y="10283"/>
-                </a:lnTo>
-                <a:lnTo>
-                  <a:pt x="14947" y="9917"/>
-                </a:lnTo>
-                <a:lnTo>
-                  <a:pt x="15045" y="9550"/>
-                </a:lnTo>
-                <a:lnTo>
-                  <a:pt x="15143" y="9184"/>
-                </a:lnTo>
-                <a:lnTo>
-                  <a:pt x="15192" y="8818"/>
-                </a:lnTo>
-                <a:lnTo>
-                  <a:pt x="15240" y="8427"/>
-                </a:lnTo>
-                <a:lnTo>
-                  <a:pt x="15289" y="8036"/>
-                </a:lnTo>
-                <a:lnTo>
-                  <a:pt x="15289" y="7645"/>
-                </a:lnTo>
-                <a:lnTo>
-                  <a:pt x="15289" y="7255"/>
-                </a:lnTo>
-                <a:lnTo>
-                  <a:pt x="15240" y="6864"/>
-                </a:lnTo>
-                <a:lnTo>
-                  <a:pt x="15192" y="6473"/>
-                </a:lnTo>
-                <a:lnTo>
-                  <a:pt x="15143" y="6107"/>
-                </a:lnTo>
-                <a:lnTo>
-                  <a:pt x="15045" y="5740"/>
-                </a:lnTo>
-                <a:lnTo>
-                  <a:pt x="14947" y="5374"/>
-                </a:lnTo>
-                <a:lnTo>
-                  <a:pt x="14825" y="5008"/>
-                </a:lnTo>
-                <a:lnTo>
-                  <a:pt x="14679" y="4666"/>
-                </a:lnTo>
-                <a:lnTo>
-                  <a:pt x="14532" y="4324"/>
-                </a:lnTo>
-                <a:lnTo>
-                  <a:pt x="14361" y="4006"/>
-                </a:lnTo>
-                <a:lnTo>
-                  <a:pt x="14190" y="3689"/>
-                </a:lnTo>
-                <a:lnTo>
-                  <a:pt x="13995" y="3371"/>
-                </a:lnTo>
-                <a:lnTo>
-                  <a:pt x="13775" y="3078"/>
-                </a:lnTo>
-                <a:lnTo>
-                  <a:pt x="13555" y="2785"/>
-                </a:lnTo>
-                <a:lnTo>
-                  <a:pt x="13311" y="2516"/>
-                </a:lnTo>
-                <a:lnTo>
-                  <a:pt x="13042" y="2248"/>
-                </a:lnTo>
-                <a:lnTo>
-                  <a:pt x="12774" y="1979"/>
-                </a:lnTo>
-                <a:lnTo>
-                  <a:pt x="12505" y="1735"/>
-                </a:lnTo>
-                <a:lnTo>
-                  <a:pt x="12212" y="1515"/>
-                </a:lnTo>
-                <a:lnTo>
-                  <a:pt x="11919" y="1295"/>
-                </a:lnTo>
-                <a:lnTo>
-                  <a:pt x="11601" y="1100"/>
-                </a:lnTo>
-                <a:lnTo>
-                  <a:pt x="11284" y="929"/>
-                </a:lnTo>
-                <a:lnTo>
-                  <a:pt x="10966" y="758"/>
-                </a:lnTo>
-                <a:lnTo>
-                  <a:pt x="10625" y="611"/>
-                </a:lnTo>
-                <a:lnTo>
-                  <a:pt x="10283" y="465"/>
-                </a:lnTo>
-                <a:lnTo>
-                  <a:pt x="9916" y="343"/>
-                </a:lnTo>
-                <a:lnTo>
-                  <a:pt x="9550" y="245"/>
-                </a:lnTo>
-                <a:lnTo>
-                  <a:pt x="9184" y="147"/>
-                </a:lnTo>
-                <a:lnTo>
-                  <a:pt x="8817" y="99"/>
-                </a:lnTo>
-                <a:lnTo>
-                  <a:pt x="8426" y="50"/>
-                </a:lnTo>
-                <a:lnTo>
-                  <a:pt x="8036" y="1"/>
-                </a:lnTo>
-                <a:close/>
-              </a:path>
-            </a:pathLst>
-          </a:custGeom>
-          <a:solidFill>
-            <a:schemeClr val="lt1"/>
-          </a:solidFill>
-          <a:ln>
-            <a:noFill/>
-          </a:ln>
-        </p:spPr>
-        <p:txBody>
-          <a:bodyPr anchorCtr="0" anchor="ctr" bIns="91425" lIns="91425" spcFirstLastPara="1" rIns="91425" wrap="square" tIns="91425">
-            <a:noAutofit/>
-          </a:bodyPr>
-          <a:lstStyle/>
-          <a:p>
-            <a:pPr indent="0" lvl="0" marL="0" marR="0" rtl="0" algn="l">
-              <a:lnSpc>
-                <a:spcPct val="100000"/>
-              </a:lnSpc>
-              <a:spcBef>
-                <a:spcPts val="0"/>
-              </a:spcBef>
-              <a:spcAft>
-                <a:spcPts val="0"/>
-              </a:spcAft>
-              <a:buClr>
-                <a:srgbClr val="000000"/>
-              </a:buClr>
-              <a:buSzPts val="1400"/>
-              <a:buFont typeface="Arial"/>
-              <a:buNone/>
-            </a:pPr>
-            <a:r>
-              <a:t/>
-            </a:r>
-            <a:endParaRPr b="0" i="0" sz="1400" u="none" cap="none" strike="noStrike">
-              <a:solidFill>
-                <a:schemeClr val="dk1"/>
-              </a:solidFill>
-              <a:latin typeface="Arial"/>
-              <a:ea typeface="Arial"/>
-              <a:cs typeface="Arial"/>
-              <a:sym typeface="Arial"/>
-            </a:endParaRPr>
-          </a:p>
-        </p:txBody>
-      </p:sp>
-    </p:spTree>
-  </p:cSld>
-  <p:clrMapOvr>
-    <a:masterClrMapping/>
-  </p:clrMapOvr>
-</p:sld>
-</file>
-
-<file path=ppt/slides/slide2.xml><?xml version="1.0" encoding="utf-8"?>
-<p:sld xmlns:a="http://schemas.openxmlformats.org/drawingml/2006/main" xmlns:r="http://schemas.openxmlformats.org/officeDocument/2006/relationships" xmlns:mc="http://schemas.openxmlformats.org/markup-compatibility/2006" xmlns:mv="urn:schemas-microsoft-com:mac:vml" xmlns:p="http://schemas.openxmlformats.org/presentationml/2006/main" xmlns:c="http://schemas.openxmlformats.org/drawingml/2006/chart" xmlns:dgm="http://schemas.openxmlformats.org/drawingml/2006/diagram" xmlns:o="urn:schemas-microsoft-com:office:office" xmlns:v="urn:schemas-microsoft-com:vml" xmlns:pvml="urn:schemas-microsoft-com:office:powerpoint" xmlns:com="http://schemas.openxmlformats.org/drawingml/2006/compatibility" xmlns:p14="http://schemas.microsoft.com/office/powerpoint/2010/main" xmlns:p15="http://schemas.microsoft.com/office/powerpoint/2012/main" xmlns:ahyp="http://schemas.microsoft.com/office/drawing/2018/hyperlinkcolor">
-  <p:cSld>
-    <p:spTree>
-      <p:nvGrpSpPr>
-        <p:cNvPr id="56" name="Shape 56"/>
-        <p:cNvGrpSpPr/>
-        <p:nvPr/>
-      </p:nvGrpSpPr>
-      <p:grpSpPr>
-        <a:xfrm>
-          <a:off x="0" y="0"/>
-          <a:ext cx="0" cy="0"/>
-          <a:chOff x="0" y="0"/>
-          <a:chExt cx="0" cy="0"/>
-        </a:xfrm>
-      </p:grpSpPr>
-      <p:sp>
-        <p:nvSpPr>
-          <p:cNvPr id="57" name="Google Shape;57;p13"/>
-          <p:cNvSpPr/>
-          <p:nvPr/>
-        </p:nvSpPr>
-        <p:spPr>
-          <a:xfrm>
-            <a:off x="2296025" y="939800"/>
-            <a:ext cx="4441500" cy="2968200"/>
-          </a:xfrm>
-          <a:prstGeom prst="rect">
-            <a:avLst/>
-          </a:prstGeom>
-          <a:solidFill>
-            <a:srgbClr val="000000"/>
-          </a:solidFill>
-          <a:ln>
-            <a:noFill/>
-          </a:ln>
-        </p:spPr>
-        <p:txBody>
-          <a:bodyPr anchorCtr="0" anchor="ctr" bIns="91425" lIns="91425" spcFirstLastPara="1" rIns="91425" wrap="square" tIns="91425">
-            <a:noAutofit/>
-          </a:bodyPr>
-          <a:lstStyle/>
-          <a:p>
-            <a:pPr indent="0" lvl="0" marL="0" marR="0" rtl="0" algn="ctr">
-              <a:lnSpc>
-                <a:spcPct val="100000"/>
-              </a:lnSpc>
-              <a:spcBef>
-                <a:spcPts val="0"/>
-              </a:spcBef>
-              <a:spcAft>
-                <a:spcPts val="0"/>
-              </a:spcAft>
-              <a:buClr>
-                <a:srgbClr val="000000"/>
-              </a:buClr>
-              <a:buSzPts val="1000"/>
-              <a:buFont typeface="Arial"/>
-              <a:buNone/>
-            </a:pPr>
-            <a:r>
-              <a:t/>
-            </a:r>
-            <a:endParaRPr b="0" i="0" sz="1000" u="none" cap="none" strike="noStrike">
-              <a:solidFill>
-                <a:schemeClr val="dk2"/>
-              </a:solidFill>
-              <a:latin typeface="Ubuntu"/>
-              <a:ea typeface="Ubuntu"/>
-              <a:cs typeface="Ubuntu"/>
-              <a:sym typeface="Ubuntu"/>
-            </a:endParaRPr>
-          </a:p>
-        </p:txBody>
-      </p:sp>
-      <p:sp>
-        <p:nvSpPr>
-          <p:cNvPr id="58" name="Google Shape;58;p13"/>
-          <p:cNvSpPr txBox="1"/>
-          <p:nvPr>
-            <p:ph idx="12" type="sldNum"/>
-          </p:nvPr>
-        </p:nvSpPr>
-        <p:spPr>
-          <a:xfrm>
-            <a:off x="8213401" y="4248586"/>
-            <a:ext cx="465300" cy="474300"/>
-          </a:xfrm>
-          <a:prstGeom prst="rect">
-            <a:avLst/>
-          </a:prstGeom>
-          <a:noFill/>
-          <a:ln>
-            <a:noFill/>
-          </a:ln>
-        </p:spPr>
-        <p:txBody>
-          <a:bodyPr anchorCtr="0" anchor="b" bIns="0" lIns="0" spcFirstLastPara="1" rIns="0" wrap="square" tIns="0">
-            <a:noAutofit/>
-          </a:bodyPr>
-          <a:lstStyle/>
-          <a:p>
-            <a:pPr indent="0" lvl="0" marL="0" rtl="0" algn="r">
-              <a:lnSpc>
-                <a:spcPct val="100000"/>
-              </a:lnSpc>
-              <a:spcBef>
-                <a:spcPts val="0"/>
-              </a:spcBef>
-              <a:spcAft>
-                <a:spcPts val="0"/>
-              </a:spcAft>
-              <a:buSzPts val="1600"/>
-              <a:buNone/>
-            </a:pPr>
-            <a:fld id="{00000000-1234-1234-1234-123412341234}" type="slidenum">
-              <a:rPr lang="en"/>
-              <a:t>‹#›</a:t>
-            </a:fld>
-            <a:endParaRPr/>
-          </a:p>
-        </p:txBody>
-      </p:sp>
       <p:grpSp>
         <p:nvGrpSpPr>
-          <p:cNvPr id="59" name="Google Shape;59;p13"/>
+          <p:cNvPr id="195" name="Google Shape;195;p22"/>
           <p:cNvGrpSpPr/>
           <p:nvPr/>
         </p:nvGrpSpPr>
         <p:grpSpPr>
           <a:xfrm>
-            <a:off x="1653630" y="772042"/>
-            <a:ext cx="5715721" cy="3431959"/>
+            <a:off x="1653554" y="772680"/>
+            <a:ext cx="6021292" cy="3240631"/>
             <a:chOff x="1177450" y="241631"/>
             <a:chExt cx="6173152" cy="3616776"/>
           </a:xfrm>
         </p:grpSpPr>
         <p:sp>
           <p:nvSpPr>
-            <p:cNvPr id="60" name="Google Shape;60;p13"/>
+            <p:cNvPr id="196" name="Google Shape;196;p22"/>
             <p:cNvSpPr/>
             <p:nvPr/>
           </p:nvSpPr>
@@ -11581,7 +9603,7 @@
         </p:sp>
         <p:sp>
           <p:nvSpPr>
-            <p:cNvPr id="61" name="Google Shape;61;p13"/>
+            <p:cNvPr id="197" name="Google Shape;197;p22"/>
             <p:cNvSpPr/>
             <p:nvPr/>
           </p:nvSpPr>
@@ -11664,7 +9686,7 @@
         </p:sp>
         <p:sp>
           <p:nvSpPr>
-            <p:cNvPr id="62" name="Google Shape;62;p13"/>
+            <p:cNvPr id="198" name="Google Shape;198;p22"/>
             <p:cNvSpPr/>
             <p:nvPr/>
           </p:nvSpPr>
@@ -11740,7 +9762,7 @@
         </p:sp>
         <p:sp>
           <p:nvSpPr>
-            <p:cNvPr id="63" name="Google Shape;63;p13"/>
+            <p:cNvPr id="199" name="Google Shape;199;p22"/>
             <p:cNvSpPr/>
             <p:nvPr/>
           </p:nvSpPr>
@@ -11824,7 +9846,7 @@
       </p:grpSp>
       <p:sp>
         <p:nvSpPr>
-          <p:cNvPr id="64" name="Google Shape;64;p13"/>
+          <p:cNvPr id="200" name="Google Shape;200;p22"/>
           <p:cNvSpPr txBox="1"/>
           <p:nvPr>
             <p:ph idx="4294967295" type="body"/>
@@ -11877,14 +9899,12 @@
       </p:sp>
       <p:pic>
         <p:nvPicPr>
-          <p:cNvPr descr="Dog’s heroics will make you cry! Donate at https://www.guidedogs.org/make-a-donation/&#10;Click here for the audio description for the visually impaired: https://youtu.be/KqANNQDgkAc&#10;&#10;“Pip” animated short film presented by Southeastern Guide Dogs -- A heartwarming tale for underdogs everywhere, Pip is the story of a small dog with a big dream—to become a Southeastern Guide Dog. Does she have what it takes?&#10; &#10;Share the link: https://www.PipFilm.com &#10;Tag us on Facebook: @SoutheasternGuideDogs&#10;Tag us on Twitter and Instagram: @SEGuideDogs&#10;Include the Hashtags: #Pip #PipFilm #SEGuideDogs&#10; &#10;Find out more at: https://www.GuideDogs.org&#10; &#10;Film made possible by Gary and Melody Johnson." id="65" name="Google Shape;65;p13" title="Pip | A Short Animated Film">
-            <a:hlinkClick r:id="rId3"/>
-          </p:cNvPr>
+          <p:cNvPr id="201" name="Google Shape;201;p22"/>
           <p:cNvPicPr preferRelativeResize="0"/>
           <p:nvPr/>
         </p:nvPicPr>
         <p:blipFill>
-          <a:blip r:embed="rId4">
+          <a:blip r:embed="rId3">
             <a:alphaModFix/>
           </a:blip>
           <a:stretch>
@@ -11893,8 +9913,8 @@
         </p:blipFill>
         <p:spPr>
           <a:xfrm>
-            <a:off x="2296025" y="939875"/>
-            <a:ext cx="4441500" cy="2907700"/>
+            <a:off x="2286000" y="954875"/>
+            <a:ext cx="4741174" cy="2746950"/>
           </a:xfrm>
           <a:prstGeom prst="rect">
             <a:avLst/>
@@ -11910,101 +9930,15 @@
   <p:clrMapOvr>
     <a:masterClrMapping/>
   </p:clrMapOvr>
-  <p:timing>
-    <p:tnLst>
-      <p:par>
-        <p:cTn dur="indefinite" nodeType="tmRoot" restart="never">
-          <p:childTnLst>
-            <p:seq concurrent="1" nextAc="seek">
-              <p:cTn dur="indefinite" id="2" nodeType="mainSeq">
-                <p:childTnLst>
-                  <p:par>
-                    <p:cTn fill="hold">
-                      <p:stCondLst>
-                        <p:cond delay="indefinite"/>
-                        <p:cond evt="onBegin" delay="0">
-                          <p:tn val="2"/>
-                        </p:cond>
-                      </p:stCondLst>
-                      <p:childTnLst>
-                        <p:par>
-                          <p:cTn fill="hold">
-                            <p:stCondLst>
-                              <p:cond delay="0"/>
-                            </p:stCondLst>
-                            <p:childTnLst>
-                              <p:par>
-                                <p:cTn fill="hold" nodeType="withEffect" presetClass="entr" presetID="10" presetSubtype="0">
-                                  <p:stCondLst>
-                                    <p:cond delay="0"/>
-                                  </p:stCondLst>
-                                  <p:childTnLst>
-                                    <p:set>
-                                      <p:cBhvr>
-                                        <p:cTn dur="1" fill="hold">
-                                          <p:stCondLst>
-                                            <p:cond delay="0"/>
-                                          </p:stCondLst>
-                                        </p:cTn>
-                                        <p:tgtEl>
-                                          <p:spTgt spid="65"/>
-                                        </p:tgtEl>
-                                        <p:attrNameLst>
-                                          <p:attrName>style.visibility</p:attrName>
-                                        </p:attrNameLst>
-                                      </p:cBhvr>
-                                      <p:to>
-                                        <p:strVal val="visible"/>
-                                      </p:to>
-                                    </p:set>
-                                    <p:animEffect filter="fade" transition="in">
-                                      <p:cBhvr>
-                                        <p:cTn dur="1000"/>
-                                        <p:tgtEl>
-                                          <p:spTgt spid="65"/>
-                                        </p:tgtEl>
-                                      </p:cBhvr>
-                                    </p:animEffect>
-                                  </p:childTnLst>
-                                </p:cTn>
-                              </p:par>
-                            </p:childTnLst>
-                          </p:cTn>
-                        </p:par>
-                      </p:childTnLst>
-                    </p:cTn>
-                  </p:par>
-                </p:childTnLst>
-              </p:cTn>
-              <p:prevCondLst>
-                <p:cond evt="onPrev">
-                  <p:tgtEl>
-                    <p:sldTgt/>
-                  </p:tgtEl>
-                </p:cond>
-              </p:prevCondLst>
-              <p:nextCondLst>
-                <p:cond evt="onNext">
-                  <p:tgtEl>
-                    <p:sldTgt/>
-                  </p:tgtEl>
-                </p:cond>
-              </p:nextCondLst>
-            </p:seq>
-          </p:childTnLst>
-        </p:cTn>
-      </p:par>
-    </p:tnLst>
-  </p:timing>
 </p:sld>
 </file>
 
-<file path=ppt/slides/slide3.xml><?xml version="1.0" encoding="utf-8"?>
+<file path=ppt/slides/slide12.xml><?xml version="1.0" encoding="utf-8"?>
 <p:sld xmlns:a="http://schemas.openxmlformats.org/drawingml/2006/main" xmlns:r="http://schemas.openxmlformats.org/officeDocument/2006/relationships" xmlns:mc="http://schemas.openxmlformats.org/markup-compatibility/2006" xmlns:mv="urn:schemas-microsoft-com:mac:vml" xmlns:p="http://schemas.openxmlformats.org/presentationml/2006/main" xmlns:c="http://schemas.openxmlformats.org/drawingml/2006/chart" xmlns:dgm="http://schemas.openxmlformats.org/drawingml/2006/diagram" xmlns:o="urn:schemas-microsoft-com:office:office" xmlns:v="urn:schemas-microsoft-com:vml" xmlns:pvml="urn:schemas-microsoft-com:office:powerpoint" xmlns:com="http://schemas.openxmlformats.org/drawingml/2006/compatibility" xmlns:p14="http://schemas.microsoft.com/office/powerpoint/2010/main" xmlns:p15="http://schemas.microsoft.com/office/powerpoint/2012/main" xmlns:ahyp="http://schemas.microsoft.com/office/drawing/2018/hyperlinkcolor">
   <p:cSld>
     <p:spTree>
       <p:nvGrpSpPr>
-        <p:cNvPr id="69" name="Shape 69"/>
+        <p:cNvPr id="205" name="Shape 205"/>
         <p:cNvGrpSpPr/>
         <p:nvPr/>
       </p:nvGrpSpPr>
@@ -12018,7 +9952,937 @@
       </p:grpSpPr>
       <p:sp>
         <p:nvSpPr>
-          <p:cNvPr id="70" name="Google Shape;70;p14"/>
+          <p:cNvPr id="206" name="Google Shape;206;p23"/>
+          <p:cNvSpPr/>
+          <p:nvPr/>
+        </p:nvSpPr>
+        <p:spPr>
+          <a:xfrm>
+            <a:off x="930275" y="1579663"/>
+            <a:ext cx="4929300" cy="1984200"/>
+          </a:xfrm>
+          <a:prstGeom prst="snip2DiagRect">
+            <a:avLst>
+              <a:gd fmla="val 0" name="adj1"/>
+              <a:gd fmla="val 16667" name="adj2"/>
+            </a:avLst>
+          </a:prstGeom>
+          <a:noFill/>
+          <a:ln cap="flat" cmpd="sng" w="9525">
+            <a:solidFill>
+              <a:schemeClr val="lt1"/>
+            </a:solidFill>
+            <a:prstDash val="solid"/>
+            <a:round/>
+            <a:headEnd len="sm" w="sm" type="none"/>
+            <a:tailEnd len="sm" w="sm" type="none"/>
+          </a:ln>
+        </p:spPr>
+        <p:txBody>
+          <a:bodyPr anchorCtr="0" anchor="ctr" bIns="91425" lIns="91425" spcFirstLastPara="1" rIns="91425" wrap="square" tIns="91425">
+            <a:noAutofit/>
+          </a:bodyPr>
+          <a:lstStyle/>
+          <a:p>
+            <a:pPr indent="0" lvl="0" marL="0" rtl="0" algn="l">
+              <a:spcBef>
+                <a:spcPts val="0"/>
+              </a:spcBef>
+              <a:spcAft>
+                <a:spcPts val="0"/>
+              </a:spcAft>
+              <a:buNone/>
+            </a:pPr>
+            <a:r>
+              <a:rPr b="1" lang="en" sz="6700">
+                <a:solidFill>
+                  <a:srgbClr val="FFFFFF"/>
+                </a:solidFill>
+                <a:latin typeface="Comic Sans MS"/>
+                <a:ea typeface="Comic Sans MS"/>
+                <a:cs typeface="Comic Sans MS"/>
+                <a:sym typeface="Comic Sans MS"/>
+              </a:rPr>
+              <a:t>Thank You</a:t>
+            </a:r>
+            <a:endParaRPr b="1" sz="6700">
+              <a:solidFill>
+                <a:srgbClr val="FFFFFF"/>
+              </a:solidFill>
+              <a:latin typeface="Comic Sans MS"/>
+              <a:ea typeface="Comic Sans MS"/>
+              <a:cs typeface="Comic Sans MS"/>
+              <a:sym typeface="Comic Sans MS"/>
+            </a:endParaRPr>
+          </a:p>
+        </p:txBody>
+      </p:sp>
+      <p:sp>
+        <p:nvSpPr>
+          <p:cNvPr id="207" name="Google Shape;207;p23"/>
+          <p:cNvSpPr/>
+          <p:nvPr/>
+        </p:nvSpPr>
+        <p:spPr>
+          <a:xfrm>
+            <a:off x="6206826" y="1494838"/>
+            <a:ext cx="2153902" cy="2153864"/>
+          </a:xfrm>
+          <a:custGeom>
+            <a:rect b="b" l="l" r="r" t="t"/>
+            <a:pathLst>
+              <a:path extrusionOk="0" h="15290" w="15290">
+                <a:moveTo>
+                  <a:pt x="4519" y="6815"/>
+                </a:moveTo>
+                <a:lnTo>
+                  <a:pt x="4690" y="6839"/>
+                </a:lnTo>
+                <a:lnTo>
+                  <a:pt x="4861" y="6888"/>
+                </a:lnTo>
+                <a:lnTo>
+                  <a:pt x="5007" y="6986"/>
+                </a:lnTo>
+                <a:lnTo>
+                  <a:pt x="5154" y="7084"/>
+                </a:lnTo>
+                <a:lnTo>
+                  <a:pt x="5251" y="7230"/>
+                </a:lnTo>
+                <a:lnTo>
+                  <a:pt x="5325" y="7401"/>
+                </a:lnTo>
+                <a:lnTo>
+                  <a:pt x="5374" y="7572"/>
+                </a:lnTo>
+                <a:lnTo>
+                  <a:pt x="5398" y="7767"/>
+                </a:lnTo>
+                <a:lnTo>
+                  <a:pt x="5374" y="7963"/>
+                </a:lnTo>
+                <a:lnTo>
+                  <a:pt x="5325" y="8134"/>
+                </a:lnTo>
+                <a:lnTo>
+                  <a:pt x="5251" y="8305"/>
+                </a:lnTo>
+                <a:lnTo>
+                  <a:pt x="5154" y="8451"/>
+                </a:lnTo>
+                <a:lnTo>
+                  <a:pt x="5007" y="8549"/>
+                </a:lnTo>
+                <a:lnTo>
+                  <a:pt x="4861" y="8647"/>
+                </a:lnTo>
+                <a:lnTo>
+                  <a:pt x="4690" y="8696"/>
+                </a:lnTo>
+                <a:lnTo>
+                  <a:pt x="4519" y="8720"/>
+                </a:lnTo>
+                <a:lnTo>
+                  <a:pt x="4348" y="8696"/>
+                </a:lnTo>
+                <a:lnTo>
+                  <a:pt x="4177" y="8647"/>
+                </a:lnTo>
+                <a:lnTo>
+                  <a:pt x="4030" y="8549"/>
+                </a:lnTo>
+                <a:lnTo>
+                  <a:pt x="3884" y="8451"/>
+                </a:lnTo>
+                <a:lnTo>
+                  <a:pt x="3786" y="8305"/>
+                </a:lnTo>
+                <a:lnTo>
+                  <a:pt x="3713" y="8134"/>
+                </a:lnTo>
+                <a:lnTo>
+                  <a:pt x="3664" y="7963"/>
+                </a:lnTo>
+                <a:lnTo>
+                  <a:pt x="3640" y="7767"/>
+                </a:lnTo>
+                <a:lnTo>
+                  <a:pt x="3664" y="7572"/>
+                </a:lnTo>
+                <a:lnTo>
+                  <a:pt x="3713" y="7401"/>
+                </a:lnTo>
+                <a:lnTo>
+                  <a:pt x="3786" y="7230"/>
+                </a:lnTo>
+                <a:lnTo>
+                  <a:pt x="3884" y="7084"/>
+                </a:lnTo>
+                <a:lnTo>
+                  <a:pt x="4030" y="6986"/>
+                </a:lnTo>
+                <a:lnTo>
+                  <a:pt x="4177" y="6888"/>
+                </a:lnTo>
+                <a:lnTo>
+                  <a:pt x="4348" y="6839"/>
+                </a:lnTo>
+                <a:lnTo>
+                  <a:pt x="4519" y="6815"/>
+                </a:lnTo>
+                <a:close/>
+                <a:moveTo>
+                  <a:pt x="10771" y="6815"/>
+                </a:moveTo>
+                <a:lnTo>
+                  <a:pt x="10942" y="6839"/>
+                </a:lnTo>
+                <a:lnTo>
+                  <a:pt x="11113" y="6888"/>
+                </a:lnTo>
+                <a:lnTo>
+                  <a:pt x="11260" y="6986"/>
+                </a:lnTo>
+                <a:lnTo>
+                  <a:pt x="11406" y="7084"/>
+                </a:lnTo>
+                <a:lnTo>
+                  <a:pt x="11504" y="7230"/>
+                </a:lnTo>
+                <a:lnTo>
+                  <a:pt x="11577" y="7401"/>
+                </a:lnTo>
+                <a:lnTo>
+                  <a:pt x="11626" y="7572"/>
+                </a:lnTo>
+                <a:lnTo>
+                  <a:pt x="11650" y="7767"/>
+                </a:lnTo>
+                <a:lnTo>
+                  <a:pt x="11626" y="7963"/>
+                </a:lnTo>
+                <a:lnTo>
+                  <a:pt x="11577" y="8134"/>
+                </a:lnTo>
+                <a:lnTo>
+                  <a:pt x="11504" y="8305"/>
+                </a:lnTo>
+                <a:lnTo>
+                  <a:pt x="11406" y="8451"/>
+                </a:lnTo>
+                <a:lnTo>
+                  <a:pt x="11260" y="8549"/>
+                </a:lnTo>
+                <a:lnTo>
+                  <a:pt x="11113" y="8647"/>
+                </a:lnTo>
+                <a:lnTo>
+                  <a:pt x="10942" y="8696"/>
+                </a:lnTo>
+                <a:lnTo>
+                  <a:pt x="10771" y="8720"/>
+                </a:lnTo>
+                <a:lnTo>
+                  <a:pt x="10600" y="8696"/>
+                </a:lnTo>
+                <a:lnTo>
+                  <a:pt x="10429" y="8647"/>
+                </a:lnTo>
+                <a:lnTo>
+                  <a:pt x="10283" y="8549"/>
+                </a:lnTo>
+                <a:lnTo>
+                  <a:pt x="10136" y="8451"/>
+                </a:lnTo>
+                <a:lnTo>
+                  <a:pt x="10038" y="8305"/>
+                </a:lnTo>
+                <a:lnTo>
+                  <a:pt x="9965" y="8134"/>
+                </a:lnTo>
+                <a:lnTo>
+                  <a:pt x="9916" y="7963"/>
+                </a:lnTo>
+                <a:lnTo>
+                  <a:pt x="9892" y="7767"/>
+                </a:lnTo>
+                <a:lnTo>
+                  <a:pt x="9916" y="7572"/>
+                </a:lnTo>
+                <a:lnTo>
+                  <a:pt x="9965" y="7401"/>
+                </a:lnTo>
+                <a:lnTo>
+                  <a:pt x="10038" y="7230"/>
+                </a:lnTo>
+                <a:lnTo>
+                  <a:pt x="10136" y="7084"/>
+                </a:lnTo>
+                <a:lnTo>
+                  <a:pt x="10283" y="6986"/>
+                </a:lnTo>
+                <a:lnTo>
+                  <a:pt x="10429" y="6888"/>
+                </a:lnTo>
+                <a:lnTo>
+                  <a:pt x="10600" y="6839"/>
+                </a:lnTo>
+                <a:lnTo>
+                  <a:pt x="10771" y="6815"/>
+                </a:lnTo>
+                <a:close/>
+                <a:moveTo>
+                  <a:pt x="11308" y="10210"/>
+                </a:moveTo>
+                <a:lnTo>
+                  <a:pt x="11406" y="10234"/>
+                </a:lnTo>
+                <a:lnTo>
+                  <a:pt x="11479" y="10259"/>
+                </a:lnTo>
+                <a:lnTo>
+                  <a:pt x="11577" y="10307"/>
+                </a:lnTo>
+                <a:lnTo>
+                  <a:pt x="11650" y="10356"/>
+                </a:lnTo>
+                <a:lnTo>
+                  <a:pt x="11699" y="10430"/>
+                </a:lnTo>
+                <a:lnTo>
+                  <a:pt x="11748" y="10527"/>
+                </a:lnTo>
+                <a:lnTo>
+                  <a:pt x="11772" y="10625"/>
+                </a:lnTo>
+                <a:lnTo>
+                  <a:pt x="11797" y="10698"/>
+                </a:lnTo>
+                <a:lnTo>
+                  <a:pt x="11772" y="10796"/>
+                </a:lnTo>
+                <a:lnTo>
+                  <a:pt x="11748" y="10894"/>
+                </a:lnTo>
+                <a:lnTo>
+                  <a:pt x="11699" y="10967"/>
+                </a:lnTo>
+                <a:lnTo>
+                  <a:pt x="11650" y="11065"/>
+                </a:lnTo>
+                <a:lnTo>
+                  <a:pt x="11235" y="11431"/>
+                </a:lnTo>
+                <a:lnTo>
+                  <a:pt x="10795" y="11773"/>
+                </a:lnTo>
+                <a:lnTo>
+                  <a:pt x="10307" y="12041"/>
+                </a:lnTo>
+                <a:lnTo>
+                  <a:pt x="9819" y="12286"/>
+                </a:lnTo>
+                <a:lnTo>
+                  <a:pt x="9281" y="12457"/>
+                </a:lnTo>
+                <a:lnTo>
+                  <a:pt x="8768" y="12603"/>
+                </a:lnTo>
+                <a:lnTo>
+                  <a:pt x="8207" y="12676"/>
+                </a:lnTo>
+                <a:lnTo>
+                  <a:pt x="7645" y="12701"/>
+                </a:lnTo>
+                <a:lnTo>
+                  <a:pt x="7083" y="12676"/>
+                </a:lnTo>
+                <a:lnTo>
+                  <a:pt x="6521" y="12603"/>
+                </a:lnTo>
+                <a:lnTo>
+                  <a:pt x="6009" y="12457"/>
+                </a:lnTo>
+                <a:lnTo>
+                  <a:pt x="5471" y="12286"/>
+                </a:lnTo>
+                <a:lnTo>
+                  <a:pt x="4983" y="12041"/>
+                </a:lnTo>
+                <a:lnTo>
+                  <a:pt x="4494" y="11773"/>
+                </a:lnTo>
+                <a:lnTo>
+                  <a:pt x="4055" y="11431"/>
+                </a:lnTo>
+                <a:lnTo>
+                  <a:pt x="3640" y="11065"/>
+                </a:lnTo>
+                <a:lnTo>
+                  <a:pt x="3591" y="10967"/>
+                </a:lnTo>
+                <a:lnTo>
+                  <a:pt x="3542" y="10894"/>
+                </a:lnTo>
+                <a:lnTo>
+                  <a:pt x="3517" y="10796"/>
+                </a:lnTo>
+                <a:lnTo>
+                  <a:pt x="3493" y="10698"/>
+                </a:lnTo>
+                <a:lnTo>
+                  <a:pt x="3517" y="10625"/>
+                </a:lnTo>
+                <a:lnTo>
+                  <a:pt x="3542" y="10527"/>
+                </a:lnTo>
+                <a:lnTo>
+                  <a:pt x="3591" y="10430"/>
+                </a:lnTo>
+                <a:lnTo>
+                  <a:pt x="3640" y="10356"/>
+                </a:lnTo>
+                <a:lnTo>
+                  <a:pt x="3713" y="10307"/>
+                </a:lnTo>
+                <a:lnTo>
+                  <a:pt x="3811" y="10259"/>
+                </a:lnTo>
+                <a:lnTo>
+                  <a:pt x="3884" y="10234"/>
+                </a:lnTo>
+                <a:lnTo>
+                  <a:pt x="3981" y="10210"/>
+                </a:lnTo>
+                <a:lnTo>
+                  <a:pt x="4079" y="10234"/>
+                </a:lnTo>
+                <a:lnTo>
+                  <a:pt x="4177" y="10259"/>
+                </a:lnTo>
+                <a:lnTo>
+                  <a:pt x="4250" y="10307"/>
+                </a:lnTo>
+                <a:lnTo>
+                  <a:pt x="4323" y="10356"/>
+                </a:lnTo>
+                <a:lnTo>
+                  <a:pt x="4690" y="10674"/>
+                </a:lnTo>
+                <a:lnTo>
+                  <a:pt x="5056" y="10942"/>
+                </a:lnTo>
+                <a:lnTo>
+                  <a:pt x="5447" y="11187"/>
+                </a:lnTo>
+                <a:lnTo>
+                  <a:pt x="5862" y="11382"/>
+                </a:lnTo>
+                <a:lnTo>
+                  <a:pt x="6277" y="11529"/>
+                </a:lnTo>
+                <a:lnTo>
+                  <a:pt x="6717" y="11651"/>
+                </a:lnTo>
+                <a:lnTo>
+                  <a:pt x="7181" y="11700"/>
+                </a:lnTo>
+                <a:lnTo>
+                  <a:pt x="7645" y="11724"/>
+                </a:lnTo>
+                <a:lnTo>
+                  <a:pt x="8109" y="11700"/>
+                </a:lnTo>
+                <a:lnTo>
+                  <a:pt x="8573" y="11651"/>
+                </a:lnTo>
+                <a:lnTo>
+                  <a:pt x="9013" y="11529"/>
+                </a:lnTo>
+                <a:lnTo>
+                  <a:pt x="9428" y="11382"/>
+                </a:lnTo>
+                <a:lnTo>
+                  <a:pt x="9843" y="11187"/>
+                </a:lnTo>
+                <a:lnTo>
+                  <a:pt x="10234" y="10942"/>
+                </a:lnTo>
+                <a:lnTo>
+                  <a:pt x="10600" y="10674"/>
+                </a:lnTo>
+                <a:lnTo>
+                  <a:pt x="10966" y="10356"/>
+                </a:lnTo>
+                <a:lnTo>
+                  <a:pt x="11040" y="10307"/>
+                </a:lnTo>
+                <a:lnTo>
+                  <a:pt x="11113" y="10259"/>
+                </a:lnTo>
+                <a:lnTo>
+                  <a:pt x="11211" y="10234"/>
+                </a:lnTo>
+                <a:lnTo>
+                  <a:pt x="11308" y="10210"/>
+                </a:lnTo>
+                <a:close/>
+                <a:moveTo>
+                  <a:pt x="7254" y="1"/>
+                </a:moveTo>
+                <a:lnTo>
+                  <a:pt x="6863" y="50"/>
+                </a:lnTo>
+                <a:lnTo>
+                  <a:pt x="6473" y="99"/>
+                </a:lnTo>
+                <a:lnTo>
+                  <a:pt x="6106" y="147"/>
+                </a:lnTo>
+                <a:lnTo>
+                  <a:pt x="5740" y="245"/>
+                </a:lnTo>
+                <a:lnTo>
+                  <a:pt x="5374" y="343"/>
+                </a:lnTo>
+                <a:lnTo>
+                  <a:pt x="5007" y="465"/>
+                </a:lnTo>
+                <a:lnTo>
+                  <a:pt x="4665" y="611"/>
+                </a:lnTo>
+                <a:lnTo>
+                  <a:pt x="4323" y="758"/>
+                </a:lnTo>
+                <a:lnTo>
+                  <a:pt x="4006" y="929"/>
+                </a:lnTo>
+                <a:lnTo>
+                  <a:pt x="3688" y="1100"/>
+                </a:lnTo>
+                <a:lnTo>
+                  <a:pt x="3371" y="1295"/>
+                </a:lnTo>
+                <a:lnTo>
+                  <a:pt x="3078" y="1515"/>
+                </a:lnTo>
+                <a:lnTo>
+                  <a:pt x="2785" y="1735"/>
+                </a:lnTo>
+                <a:lnTo>
+                  <a:pt x="2516" y="1979"/>
+                </a:lnTo>
+                <a:lnTo>
+                  <a:pt x="2247" y="2248"/>
+                </a:lnTo>
+                <a:lnTo>
+                  <a:pt x="1979" y="2516"/>
+                </a:lnTo>
+                <a:lnTo>
+                  <a:pt x="1735" y="2785"/>
+                </a:lnTo>
+                <a:lnTo>
+                  <a:pt x="1515" y="3078"/>
+                </a:lnTo>
+                <a:lnTo>
+                  <a:pt x="1295" y="3371"/>
+                </a:lnTo>
+                <a:lnTo>
+                  <a:pt x="1100" y="3689"/>
+                </a:lnTo>
+                <a:lnTo>
+                  <a:pt x="929" y="4006"/>
+                </a:lnTo>
+                <a:lnTo>
+                  <a:pt x="758" y="4324"/>
+                </a:lnTo>
+                <a:lnTo>
+                  <a:pt x="611" y="4666"/>
+                </a:lnTo>
+                <a:lnTo>
+                  <a:pt x="465" y="5008"/>
+                </a:lnTo>
+                <a:lnTo>
+                  <a:pt x="342" y="5374"/>
+                </a:lnTo>
+                <a:lnTo>
+                  <a:pt x="245" y="5740"/>
+                </a:lnTo>
+                <a:lnTo>
+                  <a:pt x="147" y="6107"/>
+                </a:lnTo>
+                <a:lnTo>
+                  <a:pt x="98" y="6473"/>
+                </a:lnTo>
+                <a:lnTo>
+                  <a:pt x="49" y="6864"/>
+                </a:lnTo>
+                <a:lnTo>
+                  <a:pt x="1" y="7255"/>
+                </a:lnTo>
+                <a:lnTo>
+                  <a:pt x="1" y="7645"/>
+                </a:lnTo>
+                <a:lnTo>
+                  <a:pt x="1" y="8036"/>
+                </a:lnTo>
+                <a:lnTo>
+                  <a:pt x="49" y="8427"/>
+                </a:lnTo>
+                <a:lnTo>
+                  <a:pt x="98" y="8818"/>
+                </a:lnTo>
+                <a:lnTo>
+                  <a:pt x="147" y="9184"/>
+                </a:lnTo>
+                <a:lnTo>
+                  <a:pt x="245" y="9550"/>
+                </a:lnTo>
+                <a:lnTo>
+                  <a:pt x="342" y="9917"/>
+                </a:lnTo>
+                <a:lnTo>
+                  <a:pt x="465" y="10283"/>
+                </a:lnTo>
+                <a:lnTo>
+                  <a:pt x="611" y="10625"/>
+                </a:lnTo>
+                <a:lnTo>
+                  <a:pt x="758" y="10967"/>
+                </a:lnTo>
+                <a:lnTo>
+                  <a:pt x="929" y="11284"/>
+                </a:lnTo>
+                <a:lnTo>
+                  <a:pt x="1100" y="11602"/>
+                </a:lnTo>
+                <a:lnTo>
+                  <a:pt x="1295" y="11919"/>
+                </a:lnTo>
+                <a:lnTo>
+                  <a:pt x="1515" y="12212"/>
+                </a:lnTo>
+                <a:lnTo>
+                  <a:pt x="1735" y="12506"/>
+                </a:lnTo>
+                <a:lnTo>
+                  <a:pt x="1979" y="12774"/>
+                </a:lnTo>
+                <a:lnTo>
+                  <a:pt x="2247" y="13043"/>
+                </a:lnTo>
+                <a:lnTo>
+                  <a:pt x="2516" y="13311"/>
+                </a:lnTo>
+                <a:lnTo>
+                  <a:pt x="2785" y="13556"/>
+                </a:lnTo>
+                <a:lnTo>
+                  <a:pt x="3078" y="13776"/>
+                </a:lnTo>
+                <a:lnTo>
+                  <a:pt x="3371" y="13995"/>
+                </a:lnTo>
+                <a:lnTo>
+                  <a:pt x="3688" y="14191"/>
+                </a:lnTo>
+                <a:lnTo>
+                  <a:pt x="4006" y="14362"/>
+                </a:lnTo>
+                <a:lnTo>
+                  <a:pt x="4323" y="14533"/>
+                </a:lnTo>
+                <a:lnTo>
+                  <a:pt x="4665" y="14679"/>
+                </a:lnTo>
+                <a:lnTo>
+                  <a:pt x="5007" y="14826"/>
+                </a:lnTo>
+                <a:lnTo>
+                  <a:pt x="5374" y="14948"/>
+                </a:lnTo>
+                <a:lnTo>
+                  <a:pt x="5740" y="15046"/>
+                </a:lnTo>
+                <a:lnTo>
+                  <a:pt x="6106" y="15143"/>
+                </a:lnTo>
+                <a:lnTo>
+                  <a:pt x="6473" y="15192"/>
+                </a:lnTo>
+                <a:lnTo>
+                  <a:pt x="6863" y="15241"/>
+                </a:lnTo>
+                <a:lnTo>
+                  <a:pt x="7254" y="15290"/>
+                </a:lnTo>
+                <a:lnTo>
+                  <a:pt x="8036" y="15290"/>
+                </a:lnTo>
+                <a:lnTo>
+                  <a:pt x="8426" y="15241"/>
+                </a:lnTo>
+                <a:lnTo>
+                  <a:pt x="8817" y="15192"/>
+                </a:lnTo>
+                <a:lnTo>
+                  <a:pt x="9184" y="15143"/>
+                </a:lnTo>
+                <a:lnTo>
+                  <a:pt x="9550" y="15046"/>
+                </a:lnTo>
+                <a:lnTo>
+                  <a:pt x="9916" y="14948"/>
+                </a:lnTo>
+                <a:lnTo>
+                  <a:pt x="10283" y="14826"/>
+                </a:lnTo>
+                <a:lnTo>
+                  <a:pt x="10625" y="14679"/>
+                </a:lnTo>
+                <a:lnTo>
+                  <a:pt x="10966" y="14533"/>
+                </a:lnTo>
+                <a:lnTo>
+                  <a:pt x="11284" y="14362"/>
+                </a:lnTo>
+                <a:lnTo>
+                  <a:pt x="11601" y="14191"/>
+                </a:lnTo>
+                <a:lnTo>
+                  <a:pt x="11919" y="13995"/>
+                </a:lnTo>
+                <a:lnTo>
+                  <a:pt x="12212" y="13776"/>
+                </a:lnTo>
+                <a:lnTo>
+                  <a:pt x="12505" y="13556"/>
+                </a:lnTo>
+                <a:lnTo>
+                  <a:pt x="12774" y="13311"/>
+                </a:lnTo>
+                <a:lnTo>
+                  <a:pt x="13042" y="13043"/>
+                </a:lnTo>
+                <a:lnTo>
+                  <a:pt x="13311" y="12774"/>
+                </a:lnTo>
+                <a:lnTo>
+                  <a:pt x="13555" y="12506"/>
+                </a:lnTo>
+                <a:lnTo>
+                  <a:pt x="13775" y="12212"/>
+                </a:lnTo>
+                <a:lnTo>
+                  <a:pt x="13995" y="11919"/>
+                </a:lnTo>
+                <a:lnTo>
+                  <a:pt x="14190" y="11602"/>
+                </a:lnTo>
+                <a:lnTo>
+                  <a:pt x="14361" y="11284"/>
+                </a:lnTo>
+                <a:lnTo>
+                  <a:pt x="14532" y="10967"/>
+                </a:lnTo>
+                <a:lnTo>
+                  <a:pt x="14679" y="10625"/>
+                </a:lnTo>
+                <a:lnTo>
+                  <a:pt x="14825" y="10283"/>
+                </a:lnTo>
+                <a:lnTo>
+                  <a:pt x="14947" y="9917"/>
+                </a:lnTo>
+                <a:lnTo>
+                  <a:pt x="15045" y="9550"/>
+                </a:lnTo>
+                <a:lnTo>
+                  <a:pt x="15143" y="9184"/>
+                </a:lnTo>
+                <a:lnTo>
+                  <a:pt x="15192" y="8818"/>
+                </a:lnTo>
+                <a:lnTo>
+                  <a:pt x="15240" y="8427"/>
+                </a:lnTo>
+                <a:lnTo>
+                  <a:pt x="15289" y="8036"/>
+                </a:lnTo>
+                <a:lnTo>
+                  <a:pt x="15289" y="7645"/>
+                </a:lnTo>
+                <a:lnTo>
+                  <a:pt x="15289" y="7255"/>
+                </a:lnTo>
+                <a:lnTo>
+                  <a:pt x="15240" y="6864"/>
+                </a:lnTo>
+                <a:lnTo>
+                  <a:pt x="15192" y="6473"/>
+                </a:lnTo>
+                <a:lnTo>
+                  <a:pt x="15143" y="6107"/>
+                </a:lnTo>
+                <a:lnTo>
+                  <a:pt x="15045" y="5740"/>
+                </a:lnTo>
+                <a:lnTo>
+                  <a:pt x="14947" y="5374"/>
+                </a:lnTo>
+                <a:lnTo>
+                  <a:pt x="14825" y="5008"/>
+                </a:lnTo>
+                <a:lnTo>
+                  <a:pt x="14679" y="4666"/>
+                </a:lnTo>
+                <a:lnTo>
+                  <a:pt x="14532" y="4324"/>
+                </a:lnTo>
+                <a:lnTo>
+                  <a:pt x="14361" y="4006"/>
+                </a:lnTo>
+                <a:lnTo>
+                  <a:pt x="14190" y="3689"/>
+                </a:lnTo>
+                <a:lnTo>
+                  <a:pt x="13995" y="3371"/>
+                </a:lnTo>
+                <a:lnTo>
+                  <a:pt x="13775" y="3078"/>
+                </a:lnTo>
+                <a:lnTo>
+                  <a:pt x="13555" y="2785"/>
+                </a:lnTo>
+                <a:lnTo>
+                  <a:pt x="13311" y="2516"/>
+                </a:lnTo>
+                <a:lnTo>
+                  <a:pt x="13042" y="2248"/>
+                </a:lnTo>
+                <a:lnTo>
+                  <a:pt x="12774" y="1979"/>
+                </a:lnTo>
+                <a:lnTo>
+                  <a:pt x="12505" y="1735"/>
+                </a:lnTo>
+                <a:lnTo>
+                  <a:pt x="12212" y="1515"/>
+                </a:lnTo>
+                <a:lnTo>
+                  <a:pt x="11919" y="1295"/>
+                </a:lnTo>
+                <a:lnTo>
+                  <a:pt x="11601" y="1100"/>
+                </a:lnTo>
+                <a:lnTo>
+                  <a:pt x="11284" y="929"/>
+                </a:lnTo>
+                <a:lnTo>
+                  <a:pt x="10966" y="758"/>
+                </a:lnTo>
+                <a:lnTo>
+                  <a:pt x="10625" y="611"/>
+                </a:lnTo>
+                <a:lnTo>
+                  <a:pt x="10283" y="465"/>
+                </a:lnTo>
+                <a:lnTo>
+                  <a:pt x="9916" y="343"/>
+                </a:lnTo>
+                <a:lnTo>
+                  <a:pt x="9550" y="245"/>
+                </a:lnTo>
+                <a:lnTo>
+                  <a:pt x="9184" y="147"/>
+                </a:lnTo>
+                <a:lnTo>
+                  <a:pt x="8817" y="99"/>
+                </a:lnTo>
+                <a:lnTo>
+                  <a:pt x="8426" y="50"/>
+                </a:lnTo>
+                <a:lnTo>
+                  <a:pt x="8036" y="1"/>
+                </a:lnTo>
+                <a:close/>
+              </a:path>
+            </a:pathLst>
+          </a:custGeom>
+          <a:solidFill>
+            <a:schemeClr val="lt1"/>
+          </a:solidFill>
+          <a:ln>
+            <a:noFill/>
+          </a:ln>
+        </p:spPr>
+        <p:txBody>
+          <a:bodyPr anchorCtr="0" anchor="ctr" bIns="91425" lIns="91425" spcFirstLastPara="1" rIns="91425" wrap="square" tIns="91425">
+            <a:noAutofit/>
+          </a:bodyPr>
+          <a:lstStyle/>
+          <a:p>
+            <a:pPr indent="0" lvl="0" marL="0" marR="0" rtl="0" algn="l">
+              <a:lnSpc>
+                <a:spcPct val="100000"/>
+              </a:lnSpc>
+              <a:spcBef>
+                <a:spcPts val="0"/>
+              </a:spcBef>
+              <a:spcAft>
+                <a:spcPts val="0"/>
+              </a:spcAft>
+              <a:buClr>
+                <a:srgbClr val="000000"/>
+              </a:buClr>
+              <a:buSzPts val="1400"/>
+              <a:buFont typeface="Arial"/>
+              <a:buNone/>
+            </a:pPr>
+            <a:r>
+              <a:t/>
+            </a:r>
+            <a:endParaRPr b="0" i="0" sz="1400" u="none" cap="none" strike="noStrike">
+              <a:solidFill>
+                <a:schemeClr val="dk1"/>
+              </a:solidFill>
+              <a:latin typeface="Arial"/>
+              <a:ea typeface="Arial"/>
+              <a:cs typeface="Arial"/>
+              <a:sym typeface="Arial"/>
+            </a:endParaRPr>
+          </a:p>
+        </p:txBody>
+      </p:sp>
+    </p:spTree>
+  </p:cSld>
+  <p:clrMapOvr>
+    <a:masterClrMapping/>
+  </p:clrMapOvr>
+</p:sld>
+</file>
+
+<file path=ppt/slides/slide2.xml><?xml version="1.0" encoding="utf-8"?>
+<p:sld xmlns:a="http://schemas.openxmlformats.org/drawingml/2006/main" xmlns:r="http://schemas.openxmlformats.org/officeDocument/2006/relationships" xmlns:mc="http://schemas.openxmlformats.org/markup-compatibility/2006" xmlns:mv="urn:schemas-microsoft-com:mac:vml" xmlns:p="http://schemas.openxmlformats.org/presentationml/2006/main" xmlns:c="http://schemas.openxmlformats.org/drawingml/2006/chart" xmlns:dgm="http://schemas.openxmlformats.org/drawingml/2006/diagram" xmlns:o="urn:schemas-microsoft-com:office:office" xmlns:v="urn:schemas-microsoft-com:vml" xmlns:pvml="urn:schemas-microsoft-com:office:powerpoint" xmlns:com="http://schemas.openxmlformats.org/drawingml/2006/compatibility" xmlns:p14="http://schemas.microsoft.com/office/powerpoint/2010/main" xmlns:p15="http://schemas.microsoft.com/office/powerpoint/2012/main" xmlns:ahyp="http://schemas.microsoft.com/office/drawing/2018/hyperlinkcolor">
+  <p:cSld>
+    <p:spTree>
+      <p:nvGrpSpPr>
+        <p:cNvPr id="56" name="Shape 56"/>
+        <p:cNvGrpSpPr/>
+        <p:nvPr/>
+      </p:nvGrpSpPr>
+      <p:grpSpPr>
+        <a:xfrm>
+          <a:off x="0" y="0"/>
+          <a:ext cx="0" cy="0"/>
+          <a:chOff x="0" y="0"/>
+          <a:chExt cx="0" cy="0"/>
+        </a:xfrm>
+      </p:grpSpPr>
+      <p:sp>
+        <p:nvSpPr>
+          <p:cNvPr id="57" name="Google Shape;57;p13"/>
           <p:cNvSpPr txBox="1"/>
           <p:nvPr>
             <p:ph idx="12" type="sldNum"/>
@@ -12063,7 +10927,7 @@
       </p:sp>
       <p:grpSp>
         <p:nvGrpSpPr>
-          <p:cNvPr id="71" name="Google Shape;71;p14"/>
+          <p:cNvPr id="58" name="Google Shape;58;p13"/>
           <p:cNvGrpSpPr/>
           <p:nvPr/>
         </p:nvGrpSpPr>
@@ -12077,7 +10941,7 @@
         </p:grpSpPr>
         <p:sp>
           <p:nvSpPr>
-            <p:cNvPr id="72" name="Google Shape;72;p14"/>
+            <p:cNvPr id="59" name="Google Shape;59;p13"/>
             <p:cNvSpPr/>
             <p:nvPr/>
           </p:nvSpPr>
@@ -12450,7 +11314,7 @@
         </p:sp>
         <p:sp>
           <p:nvSpPr>
-            <p:cNvPr id="73" name="Google Shape;73;p14"/>
+            <p:cNvPr id="60" name="Google Shape;60;p13"/>
             <p:cNvSpPr/>
             <p:nvPr/>
           </p:nvSpPr>
@@ -13283,7 +12147,7 @@
         </p:sp>
         <p:sp>
           <p:nvSpPr>
-            <p:cNvPr id="74" name="Google Shape;74;p14"/>
+            <p:cNvPr id="61" name="Google Shape;61;p13"/>
             <p:cNvSpPr/>
             <p:nvPr/>
           </p:nvSpPr>
@@ -13359,7 +12223,7 @@
         </p:sp>
         <p:sp>
           <p:nvSpPr>
-            <p:cNvPr id="75" name="Google Shape;75;p14"/>
+            <p:cNvPr id="62" name="Google Shape;62;p13"/>
             <p:cNvSpPr/>
             <p:nvPr/>
           </p:nvSpPr>
@@ -13435,7 +12299,7 @@
         </p:sp>
         <p:sp>
           <p:nvSpPr>
-            <p:cNvPr id="76" name="Google Shape;76;p14"/>
+            <p:cNvPr id="63" name="Google Shape;63;p13"/>
             <p:cNvSpPr/>
             <p:nvPr/>
           </p:nvSpPr>
@@ -13839,7 +12703,7 @@
         </p:sp>
         <p:sp>
           <p:nvSpPr>
-            <p:cNvPr id="77" name="Google Shape;77;p14"/>
+            <p:cNvPr id="64" name="Google Shape;64;p13"/>
             <p:cNvSpPr/>
             <p:nvPr/>
           </p:nvSpPr>
@@ -14233,7 +13097,7 @@
         </p:sp>
         <p:sp>
           <p:nvSpPr>
-            <p:cNvPr id="78" name="Google Shape;78;p14"/>
+            <p:cNvPr id="65" name="Google Shape;65;p13"/>
             <p:cNvSpPr/>
             <p:nvPr/>
           </p:nvSpPr>
@@ -14309,7 +13173,7 @@
         </p:sp>
         <p:sp>
           <p:nvSpPr>
-            <p:cNvPr id="79" name="Google Shape;79;p14"/>
+            <p:cNvPr id="66" name="Google Shape;66;p13"/>
             <p:cNvSpPr/>
             <p:nvPr/>
           </p:nvSpPr>
@@ -14385,7 +13249,7 @@
         </p:sp>
         <p:sp>
           <p:nvSpPr>
-            <p:cNvPr id="80" name="Google Shape;80;p14"/>
+            <p:cNvPr id="67" name="Google Shape;67;p13"/>
             <p:cNvSpPr/>
             <p:nvPr/>
           </p:nvSpPr>
@@ -14461,7 +13325,7 @@
         </p:sp>
         <p:sp>
           <p:nvSpPr>
-            <p:cNvPr id="81" name="Google Shape;81;p14"/>
+            <p:cNvPr id="68" name="Google Shape;68;p13"/>
             <p:cNvSpPr/>
             <p:nvPr/>
           </p:nvSpPr>
@@ -14538,7 +13402,7 @@
       </p:grpSp>
       <p:sp>
         <p:nvSpPr>
-          <p:cNvPr id="82" name="Google Shape;82;p14"/>
+          <p:cNvPr id="69" name="Google Shape;69;p13"/>
           <p:cNvSpPr/>
           <p:nvPr/>
         </p:nvSpPr>
@@ -14625,7 +13489,7 @@
       </p:sp>
       <p:sp>
         <p:nvSpPr>
-          <p:cNvPr id="83" name="Google Shape;83;p14"/>
+          <p:cNvPr id="70" name="Google Shape;70;p13"/>
           <p:cNvSpPr/>
           <p:nvPr/>
         </p:nvSpPr>
@@ -14712,7 +13576,7 @@
       </p:sp>
       <p:grpSp>
         <p:nvGrpSpPr>
-          <p:cNvPr id="84" name="Google Shape;84;p14"/>
+          <p:cNvPr id="71" name="Google Shape;71;p13"/>
           <p:cNvGrpSpPr/>
           <p:nvPr/>
         </p:nvGrpSpPr>
@@ -14726,7 +13590,7 @@
         </p:grpSpPr>
         <p:sp>
           <p:nvSpPr>
-            <p:cNvPr id="85" name="Google Shape;85;p14"/>
+            <p:cNvPr id="72" name="Google Shape;72;p13"/>
             <p:cNvSpPr/>
             <p:nvPr/>
           </p:nvSpPr>
@@ -14802,7 +13666,7 @@
         </p:sp>
         <p:sp>
           <p:nvSpPr>
-            <p:cNvPr id="86" name="Google Shape;86;p14"/>
+            <p:cNvPr id="73" name="Google Shape;73;p13"/>
             <p:cNvSpPr/>
             <p:nvPr/>
           </p:nvSpPr>
@@ -14889,7 +13753,7 @@
         </p:sp>
         <p:grpSp>
           <p:nvGrpSpPr>
-            <p:cNvPr id="87" name="Google Shape;87;p14"/>
+            <p:cNvPr id="74" name="Google Shape;74;p13"/>
             <p:cNvGrpSpPr/>
             <p:nvPr/>
           </p:nvGrpSpPr>
@@ -14903,7 +13767,7 @@
           </p:grpSpPr>
           <p:sp>
             <p:nvSpPr>
-              <p:cNvPr id="88" name="Google Shape;88;p14"/>
+              <p:cNvPr id="75" name="Google Shape;75;p13"/>
               <p:cNvSpPr/>
               <p:nvPr/>
             </p:nvSpPr>
@@ -14990,7 +13854,7 @@
           </p:sp>
           <p:sp>
             <p:nvSpPr>
-              <p:cNvPr id="89" name="Google Shape;89;p14"/>
+              <p:cNvPr id="76" name="Google Shape;76;p13"/>
               <p:cNvSpPr/>
               <p:nvPr/>
             </p:nvSpPr>
@@ -15078,7 +13942,7 @@
         </p:grpSp>
         <p:sp>
           <p:nvSpPr>
-            <p:cNvPr id="90" name="Google Shape;90;p14"/>
+            <p:cNvPr id="77" name="Google Shape;77;p13"/>
             <p:cNvSpPr txBox="1"/>
             <p:nvPr/>
           </p:nvSpPr>
@@ -15144,7 +14008,7 @@
         </p:sp>
         <p:sp>
           <p:nvSpPr>
-            <p:cNvPr id="91" name="Google Shape;91;p14"/>
+            <p:cNvPr id="78" name="Google Shape;78;p13"/>
             <p:cNvSpPr txBox="1"/>
             <p:nvPr/>
           </p:nvSpPr>
@@ -15213,7 +14077,7 @@
       </p:grpSp>
       <p:grpSp>
         <p:nvGrpSpPr>
-          <p:cNvPr id="92" name="Google Shape;92;p14"/>
+          <p:cNvPr id="79" name="Google Shape;79;p13"/>
           <p:cNvGrpSpPr/>
           <p:nvPr/>
         </p:nvGrpSpPr>
@@ -15227,7 +14091,7 @@
         </p:grpSpPr>
         <p:sp>
           <p:nvSpPr>
-            <p:cNvPr id="93" name="Google Shape;93;p14"/>
+            <p:cNvPr id="80" name="Google Shape;80;p13"/>
             <p:cNvSpPr/>
             <p:nvPr/>
           </p:nvSpPr>
@@ -15303,7 +14167,7 @@
         </p:sp>
         <p:sp>
           <p:nvSpPr>
-            <p:cNvPr id="94" name="Google Shape;94;p14"/>
+            <p:cNvPr id="81" name="Google Shape;81;p13"/>
             <p:cNvSpPr/>
             <p:nvPr/>
           </p:nvSpPr>
@@ -15390,7 +14254,7 @@
         </p:sp>
         <p:grpSp>
           <p:nvGrpSpPr>
-            <p:cNvPr id="95" name="Google Shape;95;p14"/>
+            <p:cNvPr id="82" name="Google Shape;82;p13"/>
             <p:cNvGrpSpPr/>
             <p:nvPr/>
           </p:nvGrpSpPr>
@@ -15404,7 +14268,7 @@
           </p:grpSpPr>
           <p:sp>
             <p:nvSpPr>
-              <p:cNvPr id="96" name="Google Shape;96;p14"/>
+              <p:cNvPr id="83" name="Google Shape;83;p13"/>
               <p:cNvSpPr/>
               <p:nvPr/>
             </p:nvSpPr>
@@ -15491,7 +14355,7 @@
           </p:sp>
           <p:sp>
             <p:nvSpPr>
-              <p:cNvPr id="97" name="Google Shape;97;p14"/>
+              <p:cNvPr id="84" name="Google Shape;84;p13"/>
               <p:cNvSpPr/>
               <p:nvPr/>
             </p:nvSpPr>
@@ -15579,7 +14443,7 @@
         </p:grpSp>
         <p:sp>
           <p:nvSpPr>
-            <p:cNvPr id="98" name="Google Shape;98;p14"/>
+            <p:cNvPr id="85" name="Google Shape;85;p13"/>
             <p:cNvSpPr txBox="1"/>
             <p:nvPr/>
           </p:nvSpPr>
@@ -15685,7 +14549,7 @@
         </p:sp>
         <p:sp>
           <p:nvSpPr>
-            <p:cNvPr id="99" name="Google Shape;99;p14"/>
+            <p:cNvPr id="86" name="Google Shape;86;p13"/>
             <p:cNvSpPr txBox="1"/>
             <p:nvPr/>
           </p:nvSpPr>
@@ -15754,7 +14618,7 @@
       </p:grpSp>
       <p:grpSp>
         <p:nvGrpSpPr>
-          <p:cNvPr id="100" name="Google Shape;100;p14"/>
+          <p:cNvPr id="87" name="Google Shape;87;p13"/>
           <p:cNvGrpSpPr/>
           <p:nvPr/>
         </p:nvGrpSpPr>
@@ -15768,7 +14632,7 @@
         </p:grpSpPr>
         <p:sp>
           <p:nvSpPr>
-            <p:cNvPr id="101" name="Google Shape;101;p14"/>
+            <p:cNvPr id="88" name="Google Shape;88;p13"/>
             <p:cNvSpPr/>
             <p:nvPr/>
           </p:nvSpPr>
@@ -15844,7 +14708,7 @@
         </p:sp>
         <p:sp>
           <p:nvSpPr>
-            <p:cNvPr id="102" name="Google Shape;102;p14"/>
+            <p:cNvPr id="89" name="Google Shape;89;p13"/>
             <p:cNvSpPr/>
             <p:nvPr/>
           </p:nvSpPr>
@@ -15931,7 +14795,7 @@
         </p:sp>
         <p:grpSp>
           <p:nvGrpSpPr>
-            <p:cNvPr id="103" name="Google Shape;103;p14"/>
+            <p:cNvPr id="90" name="Google Shape;90;p13"/>
             <p:cNvGrpSpPr/>
             <p:nvPr/>
           </p:nvGrpSpPr>
@@ -15945,7 +14809,7 @@
           </p:grpSpPr>
           <p:sp>
             <p:nvSpPr>
-              <p:cNvPr id="104" name="Google Shape;104;p14"/>
+              <p:cNvPr id="91" name="Google Shape;91;p13"/>
               <p:cNvSpPr/>
               <p:nvPr/>
             </p:nvSpPr>
@@ -16032,7 +14896,7 @@
           </p:sp>
           <p:sp>
             <p:nvSpPr>
-              <p:cNvPr id="105" name="Google Shape;105;p14"/>
+              <p:cNvPr id="92" name="Google Shape;92;p13"/>
               <p:cNvSpPr/>
               <p:nvPr/>
             </p:nvSpPr>
@@ -16120,7 +14984,7 @@
         </p:grpSp>
         <p:sp>
           <p:nvSpPr>
-            <p:cNvPr id="106" name="Google Shape;106;p14"/>
+            <p:cNvPr id="93" name="Google Shape;93;p13"/>
             <p:cNvSpPr txBox="1"/>
             <p:nvPr/>
           </p:nvSpPr>
@@ -16186,7 +15050,7 @@
         </p:sp>
         <p:sp>
           <p:nvSpPr>
-            <p:cNvPr id="107" name="Google Shape;107;p14"/>
+            <p:cNvPr id="94" name="Google Shape;94;p13"/>
             <p:cNvSpPr txBox="1"/>
             <p:nvPr/>
           </p:nvSpPr>
@@ -16255,7 +15119,7 @@
       </p:grpSp>
       <p:sp>
         <p:nvSpPr>
-          <p:cNvPr id="108" name="Google Shape;108;p14"/>
+          <p:cNvPr id="95" name="Google Shape;95;p13"/>
           <p:cNvSpPr/>
           <p:nvPr/>
         </p:nvSpPr>
@@ -16300,7 +15164,7 @@
       </p:sp>
       <p:sp>
         <p:nvSpPr>
-          <p:cNvPr id="109" name="Google Shape;109;p14"/>
+          <p:cNvPr id="96" name="Google Shape;96;p13"/>
           <p:cNvSpPr/>
           <p:nvPr/>
         </p:nvSpPr>
@@ -16419,7 +15283,7 @@
       </p:sp>
       <p:sp>
         <p:nvSpPr>
-          <p:cNvPr id="110" name="Google Shape;110;p14"/>
+          <p:cNvPr id="97" name="Google Shape;97;p13"/>
           <p:cNvSpPr/>
           <p:nvPr/>
         </p:nvSpPr>
@@ -16468,7 +15332,7 @@
       </p:sp>
       <p:sp>
         <p:nvSpPr>
-          <p:cNvPr id="111" name="Google Shape;111;p14"/>
+          <p:cNvPr id="98" name="Google Shape;98;p13"/>
           <p:cNvSpPr/>
           <p:nvPr/>
         </p:nvSpPr>
@@ -16517,7 +15381,7 @@
       </p:sp>
       <p:sp>
         <p:nvSpPr>
-          <p:cNvPr id="112" name="Google Shape;112;p14"/>
+          <p:cNvPr id="99" name="Google Shape;99;p13"/>
           <p:cNvSpPr/>
           <p:nvPr/>
         </p:nvSpPr>
@@ -16560,7 +15424,7 @@
       </p:sp>
       <p:sp>
         <p:nvSpPr>
-          <p:cNvPr id="113" name="Google Shape;113;p14"/>
+          <p:cNvPr id="100" name="Google Shape;100;p13"/>
           <p:cNvSpPr/>
           <p:nvPr/>
         </p:nvSpPr>
@@ -16679,7 +15543,7 @@
       </p:sp>
       <p:sp>
         <p:nvSpPr>
-          <p:cNvPr id="114" name="Google Shape;114;p14"/>
+          <p:cNvPr id="101" name="Google Shape;101;p13"/>
           <p:cNvSpPr/>
           <p:nvPr/>
         </p:nvSpPr>
@@ -16798,7 +15662,7 @@
       </p:sp>
       <p:sp>
         <p:nvSpPr>
-          <p:cNvPr id="115" name="Google Shape;115;p14"/>
+          <p:cNvPr id="102" name="Google Shape;102;p13"/>
           <p:cNvSpPr/>
           <p:nvPr/>
         </p:nvSpPr>
@@ -16917,7 +15781,7 @@
       </p:sp>
       <p:sp>
         <p:nvSpPr>
-          <p:cNvPr id="116" name="Google Shape;116;p14"/>
+          <p:cNvPr id="103" name="Google Shape;103;p13"/>
           <p:cNvSpPr txBox="1"/>
           <p:nvPr>
             <p:ph type="title"/>
@@ -16978,12 +15842,12 @@
 </p:sld>
 </file>
 
-<file path=ppt/slides/slide4.xml><?xml version="1.0" encoding="utf-8"?>
+<file path=ppt/slides/slide3.xml><?xml version="1.0" encoding="utf-8"?>
 <p:sld xmlns:a="http://schemas.openxmlformats.org/drawingml/2006/main" xmlns:r="http://schemas.openxmlformats.org/officeDocument/2006/relationships" xmlns:mc="http://schemas.openxmlformats.org/markup-compatibility/2006" xmlns:mv="urn:schemas-microsoft-com:mac:vml" xmlns:p="http://schemas.openxmlformats.org/presentationml/2006/main" xmlns:c="http://schemas.openxmlformats.org/drawingml/2006/chart" xmlns:dgm="http://schemas.openxmlformats.org/drawingml/2006/diagram" xmlns:o="urn:schemas-microsoft-com:office:office" xmlns:v="urn:schemas-microsoft-com:vml" xmlns:pvml="urn:schemas-microsoft-com:office:powerpoint" xmlns:com="http://schemas.openxmlformats.org/drawingml/2006/compatibility" xmlns:p14="http://schemas.microsoft.com/office/powerpoint/2010/main" xmlns:p15="http://schemas.microsoft.com/office/powerpoint/2012/main" xmlns:ahyp="http://schemas.microsoft.com/office/drawing/2018/hyperlinkcolor">
   <p:cSld>
     <p:spTree>
       <p:nvGrpSpPr>
-        <p:cNvPr id="120" name="Shape 120"/>
+        <p:cNvPr id="107" name="Shape 107"/>
         <p:cNvGrpSpPr/>
         <p:nvPr/>
       </p:nvGrpSpPr>
@@ -16997,7 +15861,7 @@
       </p:grpSpPr>
       <p:sp>
         <p:nvSpPr>
-          <p:cNvPr id="121" name="Google Shape;121;p15"/>
+          <p:cNvPr id="108" name="Google Shape;108;p14"/>
           <p:cNvSpPr txBox="1"/>
           <p:nvPr>
             <p:ph type="ctrTitle"/>
@@ -17045,7 +15909,7 @@
       </p:sp>
       <p:sp>
         <p:nvSpPr>
-          <p:cNvPr id="122" name="Google Shape;122;p15"/>
+          <p:cNvPr id="109" name="Google Shape;109;p14"/>
           <p:cNvSpPr txBox="1"/>
           <p:nvPr>
             <p:ph idx="1" type="subTitle"/>
@@ -17099,12 +15963,12 @@
 </p:sld>
 </file>
 
-<file path=ppt/slides/slide5.xml><?xml version="1.0" encoding="utf-8"?>
+<file path=ppt/slides/slide4.xml><?xml version="1.0" encoding="utf-8"?>
 <p:sld xmlns:a="http://schemas.openxmlformats.org/drawingml/2006/main" xmlns:r="http://schemas.openxmlformats.org/officeDocument/2006/relationships" xmlns:mc="http://schemas.openxmlformats.org/markup-compatibility/2006" xmlns:mv="urn:schemas-microsoft-com:mac:vml" xmlns:p="http://schemas.openxmlformats.org/presentationml/2006/main" xmlns:c="http://schemas.openxmlformats.org/drawingml/2006/chart" xmlns:dgm="http://schemas.openxmlformats.org/drawingml/2006/diagram" xmlns:o="urn:schemas-microsoft-com:office:office" xmlns:v="urn:schemas-microsoft-com:vml" xmlns:pvml="urn:schemas-microsoft-com:office:powerpoint" xmlns:com="http://schemas.openxmlformats.org/drawingml/2006/compatibility" xmlns:p14="http://schemas.microsoft.com/office/powerpoint/2010/main" xmlns:p15="http://schemas.microsoft.com/office/powerpoint/2012/main" xmlns:ahyp="http://schemas.microsoft.com/office/drawing/2018/hyperlinkcolor">
   <p:cSld>
     <p:spTree>
       <p:nvGrpSpPr>
-        <p:cNvPr id="126" name="Shape 126"/>
+        <p:cNvPr id="113" name="Shape 113"/>
         <p:cNvGrpSpPr/>
         <p:nvPr/>
       </p:nvGrpSpPr>
@@ -17118,7 +15982,7 @@
       </p:grpSpPr>
       <p:sp>
         <p:nvSpPr>
-          <p:cNvPr id="127" name="Google Shape;127;p16"/>
+          <p:cNvPr id="114" name="Google Shape;114;p15"/>
           <p:cNvSpPr txBox="1"/>
           <p:nvPr>
             <p:ph type="title"/>
@@ -17166,7 +16030,7 @@
       </p:sp>
       <p:sp>
         <p:nvSpPr>
-          <p:cNvPr id="128" name="Google Shape;128;p16"/>
+          <p:cNvPr id="115" name="Google Shape;115;p15"/>
           <p:cNvSpPr txBox="1"/>
           <p:nvPr>
             <p:ph idx="1" type="body"/>
@@ -17564,7 +16428,7 @@
       </p:sp>
       <p:sp>
         <p:nvSpPr>
-          <p:cNvPr id="129" name="Google Shape;129;p16"/>
+          <p:cNvPr id="116" name="Google Shape;116;p15"/>
           <p:cNvSpPr txBox="1"/>
           <p:nvPr>
             <p:ph idx="2" type="body"/>
@@ -17857,7 +16721,7 @@
       </p:sp>
       <p:sp>
         <p:nvSpPr>
-          <p:cNvPr id="130" name="Google Shape;130;p16"/>
+          <p:cNvPr id="117" name="Google Shape;117;p15"/>
           <p:cNvSpPr txBox="1"/>
           <p:nvPr>
             <p:ph idx="3" type="body"/>
@@ -18164,7 +17028,7 @@
       </p:sp>
       <p:sp>
         <p:nvSpPr>
-          <p:cNvPr id="131" name="Google Shape;131;p16"/>
+          <p:cNvPr id="118" name="Google Shape;118;p15"/>
           <p:cNvSpPr txBox="1"/>
           <p:nvPr>
             <p:ph idx="12" type="sldNum"/>
@@ -18218,12 +17082,12 @@
 </p:sld>
 </file>
 
-<file path=ppt/slides/slide6.xml><?xml version="1.0" encoding="utf-8"?>
+<file path=ppt/slides/slide5.xml><?xml version="1.0" encoding="utf-8"?>
 <p:sld xmlns:a="http://schemas.openxmlformats.org/drawingml/2006/main" xmlns:r="http://schemas.openxmlformats.org/officeDocument/2006/relationships" xmlns:mc="http://schemas.openxmlformats.org/markup-compatibility/2006" xmlns:mv="urn:schemas-microsoft-com:mac:vml" xmlns:p="http://schemas.openxmlformats.org/presentationml/2006/main" xmlns:c="http://schemas.openxmlformats.org/drawingml/2006/chart" xmlns:dgm="http://schemas.openxmlformats.org/drawingml/2006/diagram" xmlns:o="urn:schemas-microsoft-com:office:office" xmlns:v="urn:schemas-microsoft-com:vml" xmlns:pvml="urn:schemas-microsoft-com:office:powerpoint" xmlns:com="http://schemas.openxmlformats.org/drawingml/2006/compatibility" xmlns:p14="http://schemas.microsoft.com/office/powerpoint/2010/main" xmlns:p15="http://schemas.microsoft.com/office/powerpoint/2012/main" xmlns:ahyp="http://schemas.microsoft.com/office/drawing/2018/hyperlinkcolor">
   <p:cSld>
     <p:spTree>
       <p:nvGrpSpPr>
-        <p:cNvPr id="135" name="Shape 135"/>
+        <p:cNvPr id="122" name="Shape 122"/>
         <p:cNvGrpSpPr/>
         <p:nvPr/>
       </p:nvGrpSpPr>
@@ -18237,7 +17101,7 @@
       </p:grpSpPr>
       <p:sp>
         <p:nvSpPr>
-          <p:cNvPr id="136" name="Google Shape;136;p17"/>
+          <p:cNvPr id="123" name="Google Shape;123;p16"/>
           <p:cNvSpPr txBox="1"/>
           <p:nvPr>
             <p:ph idx="4294967295" type="ctrTitle"/>
@@ -18297,7 +17161,7 @@
       </p:sp>
       <p:sp>
         <p:nvSpPr>
-          <p:cNvPr id="137" name="Google Shape;137;p17"/>
+          <p:cNvPr id="124" name="Google Shape;124;p16"/>
           <p:cNvSpPr txBox="1"/>
           <p:nvPr>
             <p:ph idx="12" type="sldNum"/>
@@ -18346,7 +17210,7 @@
       </p:sp>
       <p:sp>
         <p:nvSpPr>
-          <p:cNvPr id="138" name="Google Shape;138;p17"/>
+          <p:cNvPr id="125" name="Google Shape;125;p16"/>
           <p:cNvSpPr txBox="1"/>
           <p:nvPr/>
         </p:nvSpPr>
@@ -18392,7 +17256,7 @@
       </p:sp>
       <p:grpSp>
         <p:nvGrpSpPr>
-          <p:cNvPr id="139" name="Google Shape;139;p17"/>
+          <p:cNvPr id="126" name="Google Shape;126;p16"/>
           <p:cNvGrpSpPr/>
           <p:nvPr/>
         </p:nvGrpSpPr>
@@ -18406,7 +17270,7 @@
         </p:grpSpPr>
         <p:sp>
           <p:nvSpPr>
-            <p:cNvPr id="140" name="Google Shape;140;p17"/>
+            <p:cNvPr id="127" name="Google Shape;127;p16"/>
             <p:cNvSpPr/>
             <p:nvPr/>
           </p:nvSpPr>
@@ -18465,7 +17329,7 @@
         </p:sp>
         <p:sp>
           <p:nvSpPr>
-            <p:cNvPr id="141" name="Google Shape;141;p17"/>
+            <p:cNvPr id="128" name="Google Shape;128;p16"/>
             <p:cNvSpPr/>
             <p:nvPr/>
           </p:nvSpPr>
@@ -18524,7 +17388,7 @@
         </p:sp>
         <p:sp>
           <p:nvSpPr>
-            <p:cNvPr id="142" name="Google Shape;142;p17"/>
+            <p:cNvPr id="129" name="Google Shape;129;p16"/>
             <p:cNvSpPr/>
             <p:nvPr/>
           </p:nvSpPr>
@@ -18583,7 +17447,7 @@
         </p:sp>
         <p:sp>
           <p:nvSpPr>
-            <p:cNvPr id="143" name="Google Shape;143;p17"/>
+            <p:cNvPr id="130" name="Google Shape;130;p16"/>
             <p:cNvSpPr/>
             <p:nvPr/>
           </p:nvSpPr>
@@ -18642,7 +17506,7 @@
         </p:sp>
         <p:sp>
           <p:nvSpPr>
-            <p:cNvPr id="144" name="Google Shape;144;p17"/>
+            <p:cNvPr id="131" name="Google Shape;131;p16"/>
             <p:cNvSpPr/>
             <p:nvPr/>
           </p:nvSpPr>
@@ -18701,7 +17565,7 @@
         </p:sp>
         <p:sp>
           <p:nvSpPr>
-            <p:cNvPr id="145" name="Google Shape;145;p17"/>
+            <p:cNvPr id="132" name="Google Shape;132;p16"/>
             <p:cNvSpPr/>
             <p:nvPr/>
           </p:nvSpPr>
@@ -18788,7 +17652,7 @@
         </p:sp>
         <p:sp>
           <p:nvSpPr>
-            <p:cNvPr id="146" name="Google Shape;146;p17"/>
+            <p:cNvPr id="133" name="Google Shape;133;p16"/>
             <p:cNvSpPr/>
             <p:nvPr/>
           </p:nvSpPr>
@@ -18875,7 +17739,7 @@
         </p:sp>
         <p:sp>
           <p:nvSpPr>
-            <p:cNvPr id="147" name="Google Shape;147;p17"/>
+            <p:cNvPr id="134" name="Google Shape;134;p16"/>
             <p:cNvSpPr/>
             <p:nvPr/>
           </p:nvSpPr>
@@ -18962,7 +17826,7 @@
         </p:sp>
         <p:sp>
           <p:nvSpPr>
-            <p:cNvPr id="148" name="Google Shape;148;p17"/>
+            <p:cNvPr id="135" name="Google Shape;135;p16"/>
             <p:cNvSpPr/>
             <p:nvPr/>
           </p:nvSpPr>
@@ -19050,7 +17914,7 @@
       </p:grpSp>
       <p:sp>
         <p:nvSpPr>
-          <p:cNvPr id="149" name="Google Shape;149;p17"/>
+          <p:cNvPr id="136" name="Google Shape;136;p16"/>
           <p:cNvSpPr txBox="1"/>
           <p:nvPr/>
         </p:nvSpPr>
@@ -19108,7 +17972,7 @@
       </p:sp>
       <p:sp>
         <p:nvSpPr>
-          <p:cNvPr id="150" name="Google Shape;150;p17"/>
+          <p:cNvPr id="137" name="Google Shape;137;p16"/>
           <p:cNvSpPr txBox="1"/>
           <p:nvPr/>
         </p:nvSpPr>
@@ -19166,7 +18030,7 @@
       </p:sp>
       <p:sp>
         <p:nvSpPr>
-          <p:cNvPr id="151" name="Google Shape;151;p17"/>
+          <p:cNvPr id="138" name="Google Shape;138;p16"/>
           <p:cNvSpPr txBox="1"/>
           <p:nvPr/>
         </p:nvSpPr>
@@ -19224,7 +18088,7 @@
       </p:sp>
       <p:sp>
         <p:nvSpPr>
-          <p:cNvPr id="152" name="Google Shape;152;p17"/>
+          <p:cNvPr id="139" name="Google Shape;139;p16"/>
           <p:cNvSpPr txBox="1"/>
           <p:nvPr/>
         </p:nvSpPr>
@@ -19282,7 +18146,7 @@
       </p:sp>
       <p:sp>
         <p:nvSpPr>
-          <p:cNvPr id="153" name="Google Shape;153;p17"/>
+          <p:cNvPr id="140" name="Google Shape;140;p16"/>
           <p:cNvSpPr txBox="1"/>
           <p:nvPr/>
         </p:nvSpPr>
@@ -19340,7 +18204,7 @@
       </p:sp>
       <p:sp>
         <p:nvSpPr>
-          <p:cNvPr id="154" name="Google Shape;154;p17"/>
+          <p:cNvPr id="141" name="Google Shape;141;p16"/>
           <p:cNvSpPr/>
           <p:nvPr/>
         </p:nvSpPr>
@@ -19390,7 +18254,7 @@
       </p:sp>
       <p:sp>
         <p:nvSpPr>
-          <p:cNvPr id="155" name="Google Shape;155;p17"/>
+          <p:cNvPr id="142" name="Google Shape;142;p16"/>
           <p:cNvSpPr/>
           <p:nvPr/>
         </p:nvSpPr>
@@ -19440,7 +18304,7 @@
       </p:sp>
       <p:sp>
         <p:nvSpPr>
-          <p:cNvPr id="156" name="Google Shape;156;p17"/>
+          <p:cNvPr id="143" name="Google Shape;143;p16"/>
           <p:cNvSpPr/>
           <p:nvPr/>
         </p:nvSpPr>
@@ -19490,7 +18354,7 @@
       </p:sp>
       <p:sp>
         <p:nvSpPr>
-          <p:cNvPr id="157" name="Google Shape;157;p17"/>
+          <p:cNvPr id="144" name="Google Shape;144;p16"/>
           <p:cNvSpPr/>
           <p:nvPr/>
         </p:nvSpPr>
@@ -19540,7 +18404,7 @@
       </p:sp>
       <p:sp>
         <p:nvSpPr>
-          <p:cNvPr id="158" name="Google Shape;158;p17"/>
+          <p:cNvPr id="145" name="Google Shape;145;p16"/>
           <p:cNvSpPr txBox="1"/>
           <p:nvPr/>
         </p:nvSpPr>
@@ -19675,7 +18539,7 @@
       </p:sp>
       <p:sp>
         <p:nvSpPr>
-          <p:cNvPr id="159" name="Google Shape;159;p17"/>
+          <p:cNvPr id="146" name="Google Shape;146;p16"/>
           <p:cNvSpPr txBox="1"/>
           <p:nvPr/>
         </p:nvSpPr>
@@ -19780,7 +18644,7 @@
       </p:sp>
       <p:sp>
         <p:nvSpPr>
-          <p:cNvPr id="160" name="Google Shape;160;p17"/>
+          <p:cNvPr id="147" name="Google Shape;147;p16"/>
           <p:cNvSpPr txBox="1"/>
           <p:nvPr/>
         </p:nvSpPr>
@@ -19870,7 +18734,7 @@
       </p:sp>
       <p:sp>
         <p:nvSpPr>
-          <p:cNvPr id="161" name="Google Shape;161;p17"/>
+          <p:cNvPr id="148" name="Google Shape;148;p16"/>
           <p:cNvSpPr txBox="1"/>
           <p:nvPr/>
         </p:nvSpPr>
@@ -19992,7 +18856,7 @@
       </p:sp>
       <p:sp>
         <p:nvSpPr>
-          <p:cNvPr id="162" name="Google Shape;162;p17"/>
+          <p:cNvPr id="149" name="Google Shape;149;p16"/>
           <p:cNvSpPr txBox="1"/>
           <p:nvPr/>
         </p:nvSpPr>
@@ -20082,9 +18946,9 @@
       </p:sp>
       <p:cxnSp>
         <p:nvCxnSpPr>
-          <p:cNvPr id="163" name="Google Shape;163;p17"/>
+          <p:cNvPr id="150" name="Google Shape;150;p16"/>
           <p:cNvCxnSpPr>
-            <a:endCxn id="140" idx="0"/>
+            <a:endCxn id="127" idx="0"/>
           </p:cNvCxnSpPr>
           <p:nvPr/>
         </p:nvCxnSpPr>
@@ -20110,10 +18974,10 @@
       </p:cxnSp>
       <p:cxnSp>
         <p:nvCxnSpPr>
-          <p:cNvPr id="164" name="Google Shape;164;p17"/>
+          <p:cNvPr id="151" name="Google Shape;151;p16"/>
           <p:cNvCxnSpPr>
-            <a:stCxn id="156" idx="3"/>
-            <a:endCxn id="141" idx="4"/>
+            <a:stCxn id="143" idx="3"/>
+            <a:endCxn id="128" idx="4"/>
           </p:cNvCxnSpPr>
           <p:nvPr/>
         </p:nvCxnSpPr>
@@ -20139,10 +19003,10 @@
       </p:cxnSp>
       <p:cxnSp>
         <p:nvCxnSpPr>
-          <p:cNvPr id="165" name="Google Shape;165;p17"/>
+          <p:cNvPr id="152" name="Google Shape;152;p16"/>
           <p:cNvCxnSpPr>
-            <a:stCxn id="142" idx="0"/>
-            <a:endCxn id="154" idx="1"/>
+            <a:stCxn id="129" idx="0"/>
+            <a:endCxn id="141" idx="1"/>
           </p:cNvCxnSpPr>
           <p:nvPr/>
         </p:nvCxnSpPr>
@@ -20168,10 +19032,10 @@
       </p:cxnSp>
       <p:cxnSp>
         <p:nvCxnSpPr>
-          <p:cNvPr id="166" name="Google Shape;166;p17"/>
+          <p:cNvPr id="153" name="Google Shape;153;p16"/>
           <p:cNvCxnSpPr>
-            <a:stCxn id="144" idx="0"/>
-            <a:endCxn id="157" idx="1"/>
+            <a:stCxn id="131" idx="0"/>
+            <a:endCxn id="144" idx="1"/>
           </p:cNvCxnSpPr>
           <p:nvPr/>
         </p:nvCxnSpPr>
@@ -20197,10 +19061,10 @@
       </p:cxnSp>
       <p:cxnSp>
         <p:nvCxnSpPr>
-          <p:cNvPr id="167" name="Google Shape;167;p17"/>
+          <p:cNvPr id="154" name="Google Shape;154;p16"/>
           <p:cNvCxnSpPr>
-            <a:stCxn id="143" idx="4"/>
-            <a:endCxn id="155" idx="3"/>
+            <a:stCxn id="130" idx="4"/>
+            <a:endCxn id="142" idx="3"/>
           </p:cNvCxnSpPr>
           <p:nvPr/>
         </p:nvCxnSpPr>
@@ -20226,7 +19090,7 @@
       </p:cxnSp>
       <p:sp>
         <p:nvSpPr>
-          <p:cNvPr id="168" name="Google Shape;168;p17"/>
+          <p:cNvPr id="155" name="Google Shape;155;p16"/>
           <p:cNvSpPr/>
           <p:nvPr/>
         </p:nvSpPr>
@@ -20282,12 +19146,12 @@
 </p:sld>
 </file>
 
-<file path=ppt/slides/slide7.xml><?xml version="1.0" encoding="utf-8"?>
+<file path=ppt/slides/slide6.xml><?xml version="1.0" encoding="utf-8"?>
 <p:sld xmlns:a="http://schemas.openxmlformats.org/drawingml/2006/main" xmlns:r="http://schemas.openxmlformats.org/officeDocument/2006/relationships" xmlns:mc="http://schemas.openxmlformats.org/markup-compatibility/2006" xmlns:mv="urn:schemas-microsoft-com:mac:vml" xmlns:p="http://schemas.openxmlformats.org/presentationml/2006/main" xmlns:c="http://schemas.openxmlformats.org/drawingml/2006/chart" xmlns:dgm="http://schemas.openxmlformats.org/drawingml/2006/diagram" xmlns:o="urn:schemas-microsoft-com:office:office" xmlns:v="urn:schemas-microsoft-com:vml" xmlns:pvml="urn:schemas-microsoft-com:office:powerpoint" xmlns:com="http://schemas.openxmlformats.org/drawingml/2006/compatibility" xmlns:p14="http://schemas.microsoft.com/office/powerpoint/2010/main" xmlns:p15="http://schemas.microsoft.com/office/powerpoint/2012/main" xmlns:ahyp="http://schemas.microsoft.com/office/drawing/2018/hyperlinkcolor">
   <p:cSld>
     <p:spTree>
       <p:nvGrpSpPr>
-        <p:cNvPr id="172" name="Shape 172"/>
+        <p:cNvPr id="159" name="Shape 159"/>
         <p:cNvGrpSpPr/>
         <p:nvPr/>
       </p:nvGrpSpPr>
@@ -20301,7 +19165,7 @@
       </p:grpSpPr>
       <p:sp>
         <p:nvSpPr>
-          <p:cNvPr id="173" name="Google Shape;173;p18"/>
+          <p:cNvPr id="160" name="Google Shape;160;p17"/>
           <p:cNvSpPr txBox="1"/>
           <p:nvPr>
             <p:ph type="ctrTitle"/>
@@ -20341,7 +19205,7 @@
       </p:sp>
       <p:sp>
         <p:nvSpPr>
-          <p:cNvPr id="174" name="Google Shape;174;p18"/>
+          <p:cNvPr id="161" name="Google Shape;161;p17"/>
           <p:cNvSpPr txBox="1"/>
           <p:nvPr>
             <p:ph idx="1" type="subTitle"/>
@@ -20387,12 +19251,12 @@
 </p:sld>
 </file>
 
-<file path=ppt/slides/slide8.xml><?xml version="1.0" encoding="utf-8"?>
+<file path=ppt/slides/slide7.xml><?xml version="1.0" encoding="utf-8"?>
 <p:sld xmlns:a="http://schemas.openxmlformats.org/drawingml/2006/main" xmlns:r="http://schemas.openxmlformats.org/officeDocument/2006/relationships" xmlns:mc="http://schemas.openxmlformats.org/markup-compatibility/2006" xmlns:mv="urn:schemas-microsoft-com:mac:vml" xmlns:p="http://schemas.openxmlformats.org/presentationml/2006/main" xmlns:c="http://schemas.openxmlformats.org/drawingml/2006/chart" xmlns:dgm="http://schemas.openxmlformats.org/drawingml/2006/diagram" xmlns:o="urn:schemas-microsoft-com:office:office" xmlns:v="urn:schemas-microsoft-com:vml" xmlns:pvml="urn:schemas-microsoft-com:office:powerpoint" xmlns:com="http://schemas.openxmlformats.org/drawingml/2006/compatibility" xmlns:p14="http://schemas.microsoft.com/office/powerpoint/2010/main" xmlns:p15="http://schemas.microsoft.com/office/powerpoint/2012/main" xmlns:ahyp="http://schemas.microsoft.com/office/drawing/2018/hyperlinkcolor">
   <p:cSld>
     <p:spTree>
       <p:nvGrpSpPr>
-        <p:cNvPr id="178" name="Shape 178"/>
+        <p:cNvPr id="165" name="Shape 165"/>
         <p:cNvGrpSpPr/>
         <p:nvPr/>
       </p:nvGrpSpPr>
@@ -20406,7 +19270,7 @@
       </p:grpSpPr>
       <p:sp>
         <p:nvSpPr>
-          <p:cNvPr id="179" name="Google Shape;179;p19"/>
+          <p:cNvPr id="166" name="Google Shape;166;p18"/>
           <p:cNvSpPr txBox="1"/>
           <p:nvPr>
             <p:ph type="title"/>
@@ -20454,7 +19318,7 @@
       </p:sp>
       <p:sp>
         <p:nvSpPr>
-          <p:cNvPr id="180" name="Google Shape;180;p19"/>
+          <p:cNvPr id="167" name="Google Shape;167;p18"/>
           <p:cNvSpPr txBox="1"/>
           <p:nvPr>
             <p:ph idx="12" type="sldNum"/>
@@ -20502,7 +19366,7 @@
       </p:sp>
       <p:sp>
         <p:nvSpPr>
-          <p:cNvPr id="181" name="Google Shape;181;p19"/>
+          <p:cNvPr id="168" name="Google Shape;168;p18"/>
           <p:cNvSpPr txBox="1"/>
           <p:nvPr/>
         </p:nvSpPr>
@@ -20962,12 +19826,12 @@
 </p:sld>
 </file>
 
-<file path=ppt/slides/slide9.xml><?xml version="1.0" encoding="utf-8"?>
+<file path=ppt/slides/slide8.xml><?xml version="1.0" encoding="utf-8"?>
 <p:sld xmlns:a="http://schemas.openxmlformats.org/drawingml/2006/main" xmlns:r="http://schemas.openxmlformats.org/officeDocument/2006/relationships" xmlns:mc="http://schemas.openxmlformats.org/markup-compatibility/2006" xmlns:mv="urn:schemas-microsoft-com:mac:vml" xmlns:p="http://schemas.openxmlformats.org/presentationml/2006/main" xmlns:c="http://schemas.openxmlformats.org/drawingml/2006/chart" xmlns:dgm="http://schemas.openxmlformats.org/drawingml/2006/diagram" xmlns:o="urn:schemas-microsoft-com:office:office" xmlns:v="urn:schemas-microsoft-com:vml" xmlns:pvml="urn:schemas-microsoft-com:office:powerpoint" xmlns:com="http://schemas.openxmlformats.org/drawingml/2006/compatibility" xmlns:p14="http://schemas.microsoft.com/office/powerpoint/2010/main" xmlns:p15="http://schemas.microsoft.com/office/powerpoint/2012/main" xmlns:ahyp="http://schemas.microsoft.com/office/drawing/2018/hyperlinkcolor">
   <p:cSld>
     <p:spTree>
       <p:nvGrpSpPr>
-        <p:cNvPr id="185" name="Shape 185"/>
+        <p:cNvPr id="172" name="Shape 172"/>
         <p:cNvGrpSpPr/>
         <p:nvPr/>
       </p:nvGrpSpPr>
@@ -20981,7 +19845,7 @@
       </p:grpSpPr>
       <p:sp>
         <p:nvSpPr>
-          <p:cNvPr id="186" name="Google Shape;186;p20"/>
+          <p:cNvPr id="173" name="Google Shape;173;p19"/>
           <p:cNvSpPr txBox="1"/>
           <p:nvPr>
             <p:ph idx="12" type="sldNum"/>
@@ -21026,7 +19890,7 @@
       </p:sp>
       <p:sp>
         <p:nvSpPr>
-          <p:cNvPr id="187" name="Google Shape;187;p20"/>
+          <p:cNvPr id="174" name="Google Shape;174;p19"/>
           <p:cNvSpPr txBox="1"/>
           <p:nvPr/>
         </p:nvSpPr>
@@ -21084,13 +19948,13 @@
       </p:sp>
       <p:sp>
         <p:nvSpPr>
-          <p:cNvPr id="188" name="Google Shape;188;p20"/>
+          <p:cNvPr id="175" name="Google Shape;175;p19"/>
           <p:cNvSpPr txBox="1"/>
           <p:nvPr/>
         </p:nvSpPr>
         <p:spPr>
           <a:xfrm>
-            <a:off x="714625" y="1515775"/>
+            <a:off x="930275" y="1465550"/>
             <a:ext cx="7499100" cy="2107200"/>
           </a:xfrm>
           <a:prstGeom prst="rect">
@@ -21107,7 +19971,45 @@
           </a:bodyPr>
           <a:lstStyle/>
           <a:p>
+            <a:pPr indent="0" lvl="0" marL="0" rtl="0" algn="l">
+              <a:lnSpc>
+                <a:spcPct val="150000"/>
+              </a:lnSpc>
+              <a:spcBef>
+                <a:spcPts val="0"/>
+              </a:spcBef>
+              <a:spcAft>
+                <a:spcPts val="0"/>
+              </a:spcAft>
+              <a:buNone/>
+            </a:pPr>
+            <a:r>
+              <a:rPr lang="en" sz="1600">
+                <a:solidFill>
+                  <a:schemeClr val="lt1"/>
+                </a:solidFill>
+                <a:latin typeface="Ubuntu Light"/>
+                <a:ea typeface="Ubuntu Light"/>
+                <a:cs typeface="Ubuntu Light"/>
+                <a:sym typeface="Ubuntu Light"/>
+              </a:rPr>
+              <a:t>The whole functionality of the player depends upon:</a:t>
+            </a:r>
+            <a:endParaRPr sz="1600">
+              <a:solidFill>
+                <a:srgbClr val="FFFFFF"/>
+              </a:solidFill>
+              <a:latin typeface="Ubuntu Light"/>
+              <a:ea typeface="Ubuntu Light"/>
+              <a:cs typeface="Ubuntu Light"/>
+              <a:sym typeface="Ubuntu Light"/>
+            </a:endParaRPr>
+          </a:p>
+          <a:p>
             <a:pPr indent="-215900" lvl="0" marL="571500" rtl="0" algn="l">
+              <a:lnSpc>
+                <a:spcPct val="200000"/>
+              </a:lnSpc>
               <a:spcBef>
                 <a:spcPts val="0"/>
               </a:spcBef>
@@ -21144,37 +20046,19 @@
             </a:endParaRPr>
           </a:p>
           <a:p>
-            <a:pPr indent="0" lvl="0" marL="457200" rtl="0" algn="l">
-              <a:spcBef>
-                <a:spcPts val="0"/>
-              </a:spcBef>
-              <a:spcAft>
-                <a:spcPts val="0"/>
-              </a:spcAft>
-              <a:buNone/>
-            </a:pPr>
-            <a:r>
-              <a:t/>
-            </a:r>
-            <a:endParaRPr sz="1600">
-              <a:solidFill>
+            <a:pPr indent="-215900" lvl="0" marL="571500" rtl="0" algn="l">
+              <a:spcBef>
+                <a:spcPts val="0"/>
+              </a:spcBef>
+              <a:spcAft>
+                <a:spcPts val="0"/>
+              </a:spcAft>
+              <a:buClr>
                 <a:srgbClr val="FFFFFF"/>
-              </a:solidFill>
-              <a:latin typeface="Ubuntu Light"/>
-              <a:ea typeface="Ubuntu Light"/>
-              <a:cs typeface="Ubuntu Light"/>
-              <a:sym typeface="Ubuntu Light"/>
-            </a:endParaRPr>
-          </a:p>
-          <a:p>
-            <a:pPr indent="0" lvl="0" marL="457200" rtl="0" algn="l">
-              <a:spcBef>
-                <a:spcPts val="0"/>
-              </a:spcBef>
-              <a:spcAft>
-                <a:spcPts val="0"/>
-              </a:spcAft>
-              <a:buNone/>
+              </a:buClr>
+              <a:buSzPts val="1600"/>
+              <a:buFont typeface="Ubuntu Light"/>
+              <a:buChar char="★"/>
             </a:pPr>
             <a:r>
               <a:rPr lang="en" sz="1600">
@@ -21186,7 +20070,7 @@
                 <a:cs typeface="Ubuntu Light"/>
                 <a:sym typeface="Ubuntu Light"/>
               </a:rPr>
-              <a:t>// play media dependency……………...to be added</a:t>
+              <a:t>Media playing in the player</a:t>
             </a:r>
             <a:endParaRPr sz="1600">
               <a:solidFill>
@@ -21268,7 +20152,683 @@
 </p:sld>
 </file>
 
+<file path=ppt/slides/slide9.xml><?xml version="1.0" encoding="utf-8"?>
+<p:sld xmlns:a="http://schemas.openxmlformats.org/drawingml/2006/main" xmlns:r="http://schemas.openxmlformats.org/officeDocument/2006/relationships" xmlns:mc="http://schemas.openxmlformats.org/markup-compatibility/2006" xmlns:mv="urn:schemas-microsoft-com:mac:vml" xmlns:p="http://schemas.openxmlformats.org/presentationml/2006/main" xmlns:c="http://schemas.openxmlformats.org/drawingml/2006/chart" xmlns:dgm="http://schemas.openxmlformats.org/drawingml/2006/diagram" xmlns:o="urn:schemas-microsoft-com:office:office" xmlns:v="urn:schemas-microsoft-com:vml" xmlns:pvml="urn:schemas-microsoft-com:office:powerpoint" xmlns:com="http://schemas.openxmlformats.org/drawingml/2006/compatibility" xmlns:p14="http://schemas.microsoft.com/office/powerpoint/2010/main" xmlns:p15="http://schemas.microsoft.com/office/powerpoint/2012/main" xmlns:ahyp="http://schemas.microsoft.com/office/drawing/2018/hyperlinkcolor">
+  <p:cSld>
+    <p:spTree>
+      <p:nvGrpSpPr>
+        <p:cNvPr id="179" name="Shape 179"/>
+        <p:cNvGrpSpPr/>
+        <p:nvPr/>
+      </p:nvGrpSpPr>
+      <p:grpSpPr>
+        <a:xfrm>
+          <a:off x="0" y="0"/>
+          <a:ext cx="0" cy="0"/>
+          <a:chOff x="0" y="0"/>
+          <a:chExt cx="0" cy="0"/>
+        </a:xfrm>
+      </p:grpSpPr>
+      <p:sp>
+        <p:nvSpPr>
+          <p:cNvPr id="180" name="Google Shape;180;p20"/>
+          <p:cNvSpPr txBox="1"/>
+          <p:nvPr>
+            <p:ph idx="4294967295" type="subTitle"/>
+          </p:nvPr>
+        </p:nvSpPr>
+        <p:spPr>
+          <a:xfrm>
+            <a:off x="930275" y="1111050"/>
+            <a:ext cx="7443900" cy="2921400"/>
+          </a:xfrm>
+          <a:prstGeom prst="rect">
+            <a:avLst/>
+          </a:prstGeom>
+          <a:noFill/>
+          <a:ln>
+            <a:noFill/>
+          </a:ln>
+        </p:spPr>
+        <p:txBody>
+          <a:bodyPr anchorCtr="0" anchor="t" bIns="0" lIns="0" spcFirstLastPara="1" rIns="0" wrap="square" tIns="0">
+            <a:noAutofit/>
+          </a:bodyPr>
+          <a:lstStyle/>
+          <a:p>
+            <a:pPr indent="0" lvl="0" marL="457200" rtl="0" algn="l">
+              <a:lnSpc>
+                <a:spcPct val="100000"/>
+              </a:lnSpc>
+              <a:spcBef>
+                <a:spcPts val="0"/>
+              </a:spcBef>
+              <a:spcAft>
+                <a:spcPts val="0"/>
+              </a:spcAft>
+              <a:buNone/>
+            </a:pPr>
+            <a:r>
+              <a:t/>
+            </a:r>
+            <a:endParaRPr sz="1400">
+              <a:solidFill>
+                <a:srgbClr val="FFFFFF"/>
+              </a:solidFill>
+            </a:endParaRPr>
+          </a:p>
+          <a:p>
+            <a:pPr indent="-222250" lvl="0" marL="571500" rtl="0" algn="l">
+              <a:lnSpc>
+                <a:spcPct val="100000"/>
+              </a:lnSpc>
+              <a:spcBef>
+                <a:spcPts val="0"/>
+              </a:spcBef>
+              <a:spcAft>
+                <a:spcPts val="0"/>
+              </a:spcAft>
+              <a:buClr>
+                <a:srgbClr val="FFFFFF"/>
+              </a:buClr>
+              <a:buSzPts val="1700"/>
+              <a:buFont typeface="Ubuntu Light"/>
+              <a:buChar char="★"/>
+            </a:pPr>
+            <a:r>
+              <a:rPr lang="en" sz="1700">
+                <a:solidFill>
+                  <a:srgbClr val="FFFFFF"/>
+                </a:solidFill>
+              </a:rPr>
+              <a:t>We can add a button for recording which can provide good quality with less video size.</a:t>
+            </a:r>
+            <a:endParaRPr sz="1700">
+              <a:solidFill>
+                <a:srgbClr val="FFFFFF"/>
+              </a:solidFill>
+            </a:endParaRPr>
+          </a:p>
+          <a:p>
+            <a:pPr indent="0" lvl="0" marL="457200" rtl="0" algn="l">
+              <a:lnSpc>
+                <a:spcPct val="100000"/>
+              </a:lnSpc>
+              <a:spcBef>
+                <a:spcPts val="0"/>
+              </a:spcBef>
+              <a:spcAft>
+                <a:spcPts val="0"/>
+              </a:spcAft>
+              <a:buNone/>
+            </a:pPr>
+            <a:r>
+              <a:t/>
+            </a:r>
+            <a:endParaRPr sz="1700">
+              <a:solidFill>
+                <a:srgbClr val="FFFFFF"/>
+              </a:solidFill>
+            </a:endParaRPr>
+          </a:p>
+          <a:p>
+            <a:pPr indent="-222250" lvl="0" marL="571500" rtl="0" algn="l">
+              <a:lnSpc>
+                <a:spcPct val="100000"/>
+              </a:lnSpc>
+              <a:spcBef>
+                <a:spcPts val="0"/>
+              </a:spcBef>
+              <a:spcAft>
+                <a:spcPts val="0"/>
+              </a:spcAft>
+              <a:buClr>
+                <a:srgbClr val="FFFFFF"/>
+              </a:buClr>
+              <a:buSzPts val="1700"/>
+              <a:buFont typeface="Arial"/>
+              <a:buChar char="★"/>
+            </a:pPr>
+            <a:r>
+              <a:rPr lang="en" sz="1700">
+                <a:solidFill>
+                  <a:srgbClr val="FFFFFF"/>
+                </a:solidFill>
+              </a:rPr>
+              <a:t>We can add an option of creating a playlist in which we can select multiple videos at a single time.</a:t>
+            </a:r>
+            <a:endParaRPr sz="1700">
+              <a:solidFill>
+                <a:srgbClr val="FFFFFF"/>
+              </a:solidFill>
+            </a:endParaRPr>
+          </a:p>
+          <a:p>
+            <a:pPr indent="0" lvl="0" marL="457200" rtl="0" algn="l">
+              <a:lnSpc>
+                <a:spcPct val="100000"/>
+              </a:lnSpc>
+              <a:spcBef>
+                <a:spcPts val="0"/>
+              </a:spcBef>
+              <a:spcAft>
+                <a:spcPts val="0"/>
+              </a:spcAft>
+              <a:buNone/>
+            </a:pPr>
+            <a:r>
+              <a:t/>
+            </a:r>
+            <a:endParaRPr sz="1700">
+              <a:solidFill>
+                <a:srgbClr val="FFFFFF"/>
+              </a:solidFill>
+            </a:endParaRPr>
+          </a:p>
+          <a:p>
+            <a:pPr indent="-222250" lvl="0" marL="571500" rtl="0" algn="l">
+              <a:lnSpc>
+                <a:spcPct val="100000"/>
+              </a:lnSpc>
+              <a:spcBef>
+                <a:spcPts val="0"/>
+              </a:spcBef>
+              <a:spcAft>
+                <a:spcPts val="0"/>
+              </a:spcAft>
+              <a:buClr>
+                <a:srgbClr val="FFFFFF"/>
+              </a:buClr>
+              <a:buSzPts val="1700"/>
+              <a:buFont typeface="Arial"/>
+              <a:buChar char="★"/>
+            </a:pPr>
+            <a:r>
+              <a:rPr lang="en" sz="1700">
+                <a:solidFill>
+                  <a:srgbClr val="FFFFFF"/>
+                </a:solidFill>
+              </a:rPr>
+              <a:t>We can add an option of adding subtitles in the player.</a:t>
+            </a:r>
+            <a:endParaRPr sz="1700">
+              <a:solidFill>
+                <a:srgbClr val="FFFFFF"/>
+              </a:solidFill>
+            </a:endParaRPr>
+          </a:p>
+          <a:p>
+            <a:pPr indent="0" lvl="0" marL="457200" rtl="0" algn="l">
+              <a:lnSpc>
+                <a:spcPct val="100000"/>
+              </a:lnSpc>
+              <a:spcBef>
+                <a:spcPts val="0"/>
+              </a:spcBef>
+              <a:spcAft>
+                <a:spcPts val="0"/>
+              </a:spcAft>
+              <a:buNone/>
+            </a:pPr>
+            <a:r>
+              <a:t/>
+            </a:r>
+            <a:endParaRPr sz="1700">
+              <a:solidFill>
+                <a:srgbClr val="FFFFFF"/>
+              </a:solidFill>
+            </a:endParaRPr>
+          </a:p>
+          <a:p>
+            <a:pPr indent="-222250" lvl="0" marL="571500" rtl="0" algn="l">
+              <a:lnSpc>
+                <a:spcPct val="100000"/>
+              </a:lnSpc>
+              <a:spcBef>
+                <a:spcPts val="0"/>
+              </a:spcBef>
+              <a:spcAft>
+                <a:spcPts val="0"/>
+              </a:spcAft>
+              <a:buClr>
+                <a:srgbClr val="FFFFFF"/>
+              </a:buClr>
+              <a:buSzPts val="1700"/>
+              <a:buFont typeface="Arial"/>
+              <a:buChar char="★"/>
+            </a:pPr>
+            <a:r>
+              <a:rPr lang="en" sz="1700">
+                <a:solidFill>
+                  <a:srgbClr val="FFFFFF"/>
+                </a:solidFill>
+              </a:rPr>
+              <a:t>We can add an option of opening more types of media with different extensions. </a:t>
+            </a:r>
+            <a:endParaRPr sz="1700">
+              <a:solidFill>
+                <a:srgbClr val="FFFFFF"/>
+              </a:solidFill>
+            </a:endParaRPr>
+          </a:p>
+          <a:p>
+            <a:pPr indent="0" lvl="0" marL="457200" rtl="0" algn="l">
+              <a:lnSpc>
+                <a:spcPct val="100000"/>
+              </a:lnSpc>
+              <a:spcBef>
+                <a:spcPts val="0"/>
+              </a:spcBef>
+              <a:spcAft>
+                <a:spcPts val="0"/>
+              </a:spcAft>
+              <a:buNone/>
+            </a:pPr>
+            <a:r>
+              <a:t/>
+            </a:r>
+            <a:endParaRPr sz="1400">
+              <a:solidFill>
+                <a:srgbClr val="FFFFFF"/>
+              </a:solidFill>
+            </a:endParaRPr>
+          </a:p>
+        </p:txBody>
+      </p:sp>
+      <p:sp>
+        <p:nvSpPr>
+          <p:cNvPr id="181" name="Google Shape;181;p20"/>
+          <p:cNvSpPr txBox="1"/>
+          <p:nvPr>
+            <p:ph idx="12" type="sldNum"/>
+          </p:nvPr>
+        </p:nvSpPr>
+        <p:spPr>
+          <a:xfrm>
+            <a:off x="8213401" y="4248586"/>
+            <a:ext cx="465300" cy="474300"/>
+          </a:xfrm>
+          <a:prstGeom prst="rect">
+            <a:avLst/>
+          </a:prstGeom>
+          <a:noFill/>
+          <a:ln>
+            <a:noFill/>
+          </a:ln>
+        </p:spPr>
+        <p:txBody>
+          <a:bodyPr anchorCtr="0" anchor="b" bIns="0" lIns="0" spcFirstLastPara="1" rIns="0" wrap="square" tIns="0">
+            <a:noAutofit/>
+          </a:bodyPr>
+          <a:lstStyle/>
+          <a:p>
+            <a:pPr indent="0" lvl="0" marL="0" rtl="0" algn="r">
+              <a:lnSpc>
+                <a:spcPct val="100000"/>
+              </a:lnSpc>
+              <a:spcBef>
+                <a:spcPts val="0"/>
+              </a:spcBef>
+              <a:spcAft>
+                <a:spcPts val="0"/>
+              </a:spcAft>
+              <a:buSzPts val="1600"/>
+              <a:buNone/>
+            </a:pPr>
+            <a:fld id="{00000000-1234-1234-1234-123412341234}" type="slidenum">
+              <a:rPr lang="en"/>
+              <a:t>‹#›</a:t>
+            </a:fld>
+            <a:endParaRPr/>
+          </a:p>
+        </p:txBody>
+      </p:sp>
+      <p:sp>
+        <p:nvSpPr>
+          <p:cNvPr id="182" name="Google Shape;182;p20"/>
+          <p:cNvSpPr txBox="1"/>
+          <p:nvPr/>
+        </p:nvSpPr>
+        <p:spPr>
+          <a:xfrm>
+            <a:off x="465150" y="177775"/>
+            <a:ext cx="2846400" cy="474300"/>
+          </a:xfrm>
+          <a:prstGeom prst="rect">
+            <a:avLst/>
+          </a:prstGeom>
+          <a:noFill/>
+          <a:ln>
+            <a:noFill/>
+          </a:ln>
+        </p:spPr>
+        <p:txBody>
+          <a:bodyPr anchorCtr="0" anchor="t" bIns="91425" lIns="91425" spcFirstLastPara="1" rIns="91425" wrap="square" tIns="91425">
+            <a:noAutofit/>
+          </a:bodyPr>
+          <a:lstStyle/>
+          <a:p>
+            <a:pPr indent="0" lvl="0" marL="0" rtl="0" algn="l">
+              <a:spcBef>
+                <a:spcPts val="0"/>
+              </a:spcBef>
+              <a:spcAft>
+                <a:spcPts val="0"/>
+              </a:spcAft>
+              <a:buNone/>
+            </a:pPr>
+            <a:r>
+              <a:rPr b="1" lang="en" sz="2400">
+                <a:solidFill>
+                  <a:srgbClr val="FFFFFF"/>
+                </a:solidFill>
+                <a:latin typeface="Ubuntu"/>
+                <a:ea typeface="Ubuntu"/>
+                <a:cs typeface="Ubuntu"/>
+                <a:sym typeface="Ubuntu"/>
+              </a:rPr>
+              <a:t>Further Extension</a:t>
+            </a:r>
+            <a:endParaRPr b="1" sz="2400">
+              <a:solidFill>
+                <a:srgbClr val="FFFFFF"/>
+              </a:solidFill>
+              <a:latin typeface="Ubuntu"/>
+              <a:ea typeface="Ubuntu"/>
+              <a:cs typeface="Ubuntu"/>
+              <a:sym typeface="Ubuntu"/>
+            </a:endParaRPr>
+          </a:p>
+        </p:txBody>
+      </p:sp>
+    </p:spTree>
+  </p:cSld>
+  <p:clrMapOvr>
+    <a:masterClrMapping/>
+  </p:clrMapOvr>
+</p:sld>
+</file>
+
 <file path=ppt/theme/theme1.xml><?xml version="1.0" encoding="utf-8"?>
+<a:theme xmlns:a="http://schemas.openxmlformats.org/drawingml/2006/main" xmlns:r="http://schemas.openxmlformats.org/officeDocument/2006/relationships" name="Isidore template">
+  <a:themeElements>
+    <a:clrScheme name="Custom 347">
+      <a:dk1>
+        <a:srgbClr val="0D0335"/>
+      </a:dk1>
+      <a:lt1>
+        <a:srgbClr val="FFFFFF"/>
+      </a:lt1>
+      <a:dk2>
+        <a:srgbClr val="573F68"/>
+      </a:dk2>
+      <a:lt2>
+        <a:srgbClr val="E9DDEC"/>
+      </a:lt2>
+      <a:accent1>
+        <a:srgbClr val="E9204E"/>
+      </a:accent1>
+      <a:accent2>
+        <a:srgbClr val="ED4636"/>
+      </a:accent2>
+      <a:accent3>
+        <a:srgbClr val="FCB42E"/>
+      </a:accent3>
+      <a:accent4>
+        <a:srgbClr val="94C486"/>
+      </a:accent4>
+      <a:accent5>
+        <a:srgbClr val="39B8E3"/>
+      </a:accent5>
+      <a:accent6>
+        <a:srgbClr val="412D8C"/>
+      </a:accent6>
+      <a:hlink>
+        <a:srgbClr val="FFFFFF"/>
+      </a:hlink>
+      <a:folHlink>
+        <a:srgbClr val="6611CC"/>
+      </a:folHlink>
+    </a:clrScheme>
+    <a:fontScheme name="Office">
+      <a:majorFont>
+        <a:latin typeface="Arial"/>
+        <a:ea typeface=""/>
+        <a:cs typeface=""/>
+        <a:font script="Jpan" typeface="ＭＳ Ｐゴシック"/>
+        <a:font script="Hang" typeface="맑은 고딕"/>
+        <a:font script="Hans" typeface="宋体"/>
+        <a:font script="Hant" typeface="新細明體"/>
+        <a:font script="Arab" typeface="Times New Roman"/>
+        <a:font script="Hebr" typeface="Times New Roman"/>
+        <a:font script="Thai" typeface="Angsana New"/>
+        <a:font script="Ethi" typeface="Nyala"/>
+        <a:font script="Beng" typeface="Vrinda"/>
+        <a:font script="Gujr" typeface="Shruti"/>
+        <a:font script="Khmr" typeface="MoolBoran"/>
+        <a:font script="Knda" typeface="Tunga"/>
+        <a:font script="Guru" typeface="Raavi"/>
+        <a:font script="Cans" typeface="Euphemia"/>
+        <a:font script="Cher" typeface="Plantagenet Cherokee"/>
+        <a:font script="Yiii" typeface="Microsoft Yi Baiti"/>
+        <a:font script="Tibt" typeface="Microsoft Himalaya"/>
+        <a:font script="Thaa" typeface="MV Boli"/>
+        <a:font script="Deva" typeface="Mangal"/>
+        <a:font script="Telu" typeface="Gautami"/>
+        <a:font script="Taml" typeface="Latha"/>
+        <a:font script="Syrc" typeface="Estrangelo Edessa"/>
+        <a:font script="Orya" typeface="Kalinga"/>
+        <a:font script="Mlym" typeface="Kartika"/>
+        <a:font script="Laoo" typeface="DokChampa"/>
+        <a:font script="Sinh" typeface="Iskoola Pota"/>
+        <a:font script="Mong" typeface="Mongolian Baiti"/>
+        <a:font script="Viet" typeface="Times New Roman"/>
+        <a:font script="Uigh" typeface="Microsoft Uighur"/>
+        <a:font script="Geor" typeface="Sylfaen"/>
+      </a:majorFont>
+      <a:minorFont>
+        <a:latin typeface="Arial"/>
+        <a:ea typeface=""/>
+        <a:cs typeface=""/>
+        <a:font script="Jpan" typeface="ＭＳ Ｐゴシック"/>
+        <a:font script="Hang" typeface="맑은 고딕"/>
+        <a:font script="Hans" typeface="宋体"/>
+        <a:font script="Hant" typeface="新細明體"/>
+        <a:font script="Arab" typeface="Arial"/>
+        <a:font script="Hebr" typeface="Arial"/>
+        <a:font script="Thai" typeface="Cordia New"/>
+        <a:font script="Ethi" typeface="Nyala"/>
+        <a:font script="Beng" typeface="Vrinda"/>
+        <a:font script="Gujr" typeface="Shruti"/>
+        <a:font script="Khmr" typeface="DaunPenh"/>
+        <a:font script="Knda" typeface="Tunga"/>
+        <a:font script="Guru" typeface="Raavi"/>
+        <a:font script="Cans" typeface="Euphemia"/>
+        <a:font script="Cher" typeface="Plantagenet Cherokee"/>
+        <a:font script="Yiii" typeface="Microsoft Yi Baiti"/>
+        <a:font script="Tibt" typeface="Microsoft Himalaya"/>
+        <a:font script="Thaa" typeface="MV Boli"/>
+        <a:font script="Deva" typeface="Mangal"/>
+        <a:font script="Telu" typeface="Gautami"/>
+        <a:font script="Taml" typeface="Latha"/>
+        <a:font script="Syrc" typeface="Estrangelo Edessa"/>
+        <a:font script="Orya" typeface="Kalinga"/>
+        <a:font script="Mlym" typeface="Kartika"/>
+        <a:font script="Laoo" typeface="DokChampa"/>
+        <a:font script="Sinh" typeface="Iskoola Pota"/>
+        <a:font script="Mong" typeface="Mongolian Baiti"/>
+        <a:font script="Viet" typeface="Arial"/>
+        <a:font script="Uigh" typeface="Microsoft Uighur"/>
+        <a:font script="Geor" typeface="Sylfaen"/>
+      </a:minorFont>
+    </a:fontScheme>
+    <a:fmtScheme name="Office">
+      <a:fillStyleLst>
+        <a:solidFill>
+          <a:schemeClr val="phClr"/>
+        </a:solidFill>
+        <a:gradFill rotWithShape="1">
+          <a:gsLst>
+            <a:gs pos="0">
+              <a:schemeClr val="phClr">
+                <a:tint val="50000"/>
+                <a:satMod val="300000"/>
+              </a:schemeClr>
+            </a:gs>
+            <a:gs pos="35000">
+              <a:schemeClr val="phClr">
+                <a:tint val="37000"/>
+                <a:satMod val="300000"/>
+              </a:schemeClr>
+            </a:gs>
+            <a:gs pos="100000">
+              <a:schemeClr val="phClr">
+                <a:tint val="15000"/>
+                <a:satMod val="350000"/>
+              </a:schemeClr>
+            </a:gs>
+          </a:gsLst>
+          <a:lin ang="16200000" scaled="1"/>
+        </a:gradFill>
+        <a:gradFill rotWithShape="1">
+          <a:gsLst>
+            <a:gs pos="0">
+              <a:schemeClr val="phClr">
+                <a:tint val="100000"/>
+                <a:shade val="100000"/>
+                <a:satMod val="130000"/>
+              </a:schemeClr>
+            </a:gs>
+            <a:gs pos="100000">
+              <a:schemeClr val="phClr">
+                <a:tint val="50000"/>
+                <a:shade val="100000"/>
+                <a:satMod val="350000"/>
+              </a:schemeClr>
+            </a:gs>
+          </a:gsLst>
+          <a:lin ang="16200000" scaled="0"/>
+        </a:gradFill>
+      </a:fillStyleLst>
+      <a:lnStyleLst>
+        <a:ln w="9525" cap="flat" cmpd="sng" algn="ctr">
+          <a:solidFill>
+            <a:schemeClr val="phClr">
+              <a:shade val="95000"/>
+              <a:satMod val="105000"/>
+            </a:schemeClr>
+          </a:solidFill>
+          <a:prstDash val="solid"/>
+        </a:ln>
+        <a:ln w="25400" cap="flat" cmpd="sng" algn="ctr">
+          <a:solidFill>
+            <a:schemeClr val="phClr"/>
+          </a:solidFill>
+          <a:prstDash val="solid"/>
+        </a:ln>
+        <a:ln w="38100" cap="flat" cmpd="sng" algn="ctr">
+          <a:solidFill>
+            <a:schemeClr val="phClr"/>
+          </a:solidFill>
+          <a:prstDash val="solid"/>
+        </a:ln>
+      </a:lnStyleLst>
+      <a:effectStyleLst>
+        <a:effectStyle>
+          <a:effectLst>
+            <a:outerShdw blurRad="40000" dist="20000" dir="5400000" rotWithShape="0">
+              <a:srgbClr val="000000">
+                <a:alpha val="38000"/>
+              </a:srgbClr>
+            </a:outerShdw>
+          </a:effectLst>
+        </a:effectStyle>
+        <a:effectStyle>
+          <a:effectLst>
+            <a:outerShdw blurRad="40000" dist="23000" dir="5400000" rotWithShape="0">
+              <a:srgbClr val="000000">
+                <a:alpha val="35000"/>
+              </a:srgbClr>
+            </a:outerShdw>
+          </a:effectLst>
+        </a:effectStyle>
+        <a:effectStyle>
+          <a:effectLst>
+            <a:outerShdw blurRad="40000" dist="23000" dir="5400000" rotWithShape="0">
+              <a:srgbClr val="000000">
+                <a:alpha val="35000"/>
+              </a:srgbClr>
+            </a:outerShdw>
+          </a:effectLst>
+          <a:scene3d>
+            <a:camera prst="orthographicFront">
+              <a:rot lat="0" lon="0" rev="0"/>
+            </a:camera>
+            <a:lightRig rig="threePt" dir="t">
+              <a:rot lat="0" lon="0" rev="1200000"/>
+            </a:lightRig>
+          </a:scene3d>
+          <a:sp3d>
+            <a:bevelT w="63500" h="25400"/>
+          </a:sp3d>
+        </a:effectStyle>
+      </a:effectStyleLst>
+      <a:bgFillStyleLst>
+        <a:solidFill>
+          <a:schemeClr val="phClr"/>
+        </a:solidFill>
+        <a:gradFill rotWithShape="1">
+          <a:gsLst>
+            <a:gs pos="0">
+              <a:schemeClr val="phClr">
+                <a:tint val="40000"/>
+                <a:satMod val="350000"/>
+              </a:schemeClr>
+            </a:gs>
+            <a:gs pos="40000">
+              <a:schemeClr val="phClr">
+                <a:tint val="45000"/>
+                <a:shade val="99000"/>
+                <a:satMod val="350000"/>
+              </a:schemeClr>
+            </a:gs>
+            <a:gs pos="100000">
+              <a:schemeClr val="phClr">
+                <a:shade val="20000"/>
+                <a:satMod val="255000"/>
+              </a:schemeClr>
+            </a:gs>
+          </a:gsLst>
+          <a:path path="circle">
+            <a:fillToRect l="50000" t="-80000" r="50000" b="180000"/>
+          </a:path>
+        </a:gradFill>
+        <a:gradFill rotWithShape="1">
+          <a:gsLst>
+            <a:gs pos="0">
+              <a:schemeClr val="phClr">
+                <a:tint val="80000"/>
+                <a:satMod val="300000"/>
+              </a:schemeClr>
+            </a:gs>
+            <a:gs pos="100000">
+              <a:schemeClr val="phClr">
+                <a:shade val="30000"/>
+                <a:satMod val="200000"/>
+              </a:schemeClr>
+            </a:gs>
+          </a:gsLst>
+          <a:path path="circle">
+            <a:fillToRect l="50000" t="50000" r="50000" b="50000"/>
+          </a:path>
+        </a:gradFill>
+      </a:bgFillStyleLst>
+    </a:fmtScheme>
+  </a:themeElements>
+</a:theme>
+</file>
+
+<file path=ppt/theme/theme2.xml><?xml version="1.0" encoding="utf-8"?>
 <a:theme xmlns:a="http://schemas.openxmlformats.org/drawingml/2006/main" xmlns:r="http://schemas.openxmlformats.org/officeDocument/2006/relationships">
   <a:themeElements>
     <a:clrScheme name="Default">
@@ -21545,283 +21105,4 @@
     </a:fmtScheme>
   </a:themeElements>
 </a:theme>
-</file>
-
-<file path=ppt/theme/theme2.xml><?xml version="1.0" encoding="utf-8"?>
-<a:theme xmlns:a="http://schemas.openxmlformats.org/drawingml/2006/main" xmlns:r="http://schemas.openxmlformats.org/officeDocument/2006/relationships" name="Isidore template">
-  <a:themeElements>
-    <a:clrScheme name="Custom 347">
-      <a:dk1>
-        <a:srgbClr val="0D0335"/>
-      </a:dk1>
-      <a:lt1>
-        <a:srgbClr val="FFFFFF"/>
-      </a:lt1>
-      <a:dk2>
-        <a:srgbClr val="573F68"/>
-      </a:dk2>
-      <a:lt2>
-        <a:srgbClr val="E9DDEC"/>
-      </a:lt2>
-      <a:accent1>
-        <a:srgbClr val="E9204E"/>
-      </a:accent1>
-      <a:accent2>
-        <a:srgbClr val="ED4636"/>
-      </a:accent2>
-      <a:accent3>
-        <a:srgbClr val="FCB42E"/>
-      </a:accent3>
-      <a:accent4>
-        <a:srgbClr val="94C486"/>
-      </a:accent4>
-      <a:accent5>
-        <a:srgbClr val="39B8E3"/>
-      </a:accent5>
-      <a:accent6>
-        <a:srgbClr val="412D8C"/>
-      </a:accent6>
-      <a:hlink>
-        <a:srgbClr val="FFFFFF"/>
-      </a:hlink>
-      <a:folHlink>
-        <a:srgbClr val="6611CC"/>
-      </a:folHlink>
-    </a:clrScheme>
-    <a:fontScheme name="Office">
-      <a:majorFont>
-        <a:latin typeface="Arial"/>
-        <a:ea typeface=""/>
-        <a:cs typeface=""/>
-        <a:font script="Jpan" typeface="ＭＳ Ｐゴシック"/>
-        <a:font script="Hang" typeface="맑은 고딕"/>
-        <a:font script="Hans" typeface="宋体"/>
-        <a:font script="Hant" typeface="新細明體"/>
-        <a:font script="Arab" typeface="Times New Roman"/>
-        <a:font script="Hebr" typeface="Times New Roman"/>
-        <a:font script="Thai" typeface="Angsana New"/>
-        <a:font script="Ethi" typeface="Nyala"/>
-        <a:font script="Beng" typeface="Vrinda"/>
-        <a:font script="Gujr" typeface="Shruti"/>
-        <a:font script="Khmr" typeface="MoolBoran"/>
-        <a:font script="Knda" typeface="Tunga"/>
-        <a:font script="Guru" typeface="Raavi"/>
-        <a:font script="Cans" typeface="Euphemia"/>
-        <a:font script="Cher" typeface="Plantagenet Cherokee"/>
-        <a:font script="Yiii" typeface="Microsoft Yi Baiti"/>
-        <a:font script="Tibt" typeface="Microsoft Himalaya"/>
-        <a:font script="Thaa" typeface="MV Boli"/>
-        <a:font script="Deva" typeface="Mangal"/>
-        <a:font script="Telu" typeface="Gautami"/>
-        <a:font script="Taml" typeface="Latha"/>
-        <a:font script="Syrc" typeface="Estrangelo Edessa"/>
-        <a:font script="Orya" typeface="Kalinga"/>
-        <a:font script="Mlym" typeface="Kartika"/>
-        <a:font script="Laoo" typeface="DokChampa"/>
-        <a:font script="Sinh" typeface="Iskoola Pota"/>
-        <a:font script="Mong" typeface="Mongolian Baiti"/>
-        <a:font script="Viet" typeface="Times New Roman"/>
-        <a:font script="Uigh" typeface="Microsoft Uighur"/>
-        <a:font script="Geor" typeface="Sylfaen"/>
-      </a:majorFont>
-      <a:minorFont>
-        <a:latin typeface="Arial"/>
-        <a:ea typeface=""/>
-        <a:cs typeface=""/>
-        <a:font script="Jpan" typeface="ＭＳ Ｐゴシック"/>
-        <a:font script="Hang" typeface="맑은 고딕"/>
-        <a:font script="Hans" typeface="宋体"/>
-        <a:font script="Hant" typeface="新細明體"/>
-        <a:font script="Arab" typeface="Arial"/>
-        <a:font script="Hebr" typeface="Arial"/>
-        <a:font script="Thai" typeface="Cordia New"/>
-        <a:font script="Ethi" typeface="Nyala"/>
-        <a:font script="Beng" typeface="Vrinda"/>
-        <a:font script="Gujr" typeface="Shruti"/>
-        <a:font script="Khmr" typeface="DaunPenh"/>
-        <a:font script="Knda" typeface="Tunga"/>
-        <a:font script="Guru" typeface="Raavi"/>
-        <a:font script="Cans" typeface="Euphemia"/>
-        <a:font script="Cher" typeface="Plantagenet Cherokee"/>
-        <a:font script="Yiii" typeface="Microsoft Yi Baiti"/>
-        <a:font script="Tibt" typeface="Microsoft Himalaya"/>
-        <a:font script="Thaa" typeface="MV Boli"/>
-        <a:font script="Deva" typeface="Mangal"/>
-        <a:font script="Telu" typeface="Gautami"/>
-        <a:font script="Taml" typeface="Latha"/>
-        <a:font script="Syrc" typeface="Estrangelo Edessa"/>
-        <a:font script="Orya" typeface="Kalinga"/>
-        <a:font script="Mlym" typeface="Kartika"/>
-        <a:font script="Laoo" typeface="DokChampa"/>
-        <a:font script="Sinh" typeface="Iskoola Pota"/>
-        <a:font script="Mong" typeface="Mongolian Baiti"/>
-        <a:font script="Viet" typeface="Arial"/>
-        <a:font script="Uigh" typeface="Microsoft Uighur"/>
-        <a:font script="Geor" typeface="Sylfaen"/>
-      </a:minorFont>
-    </a:fontScheme>
-    <a:fmtScheme name="Office">
-      <a:fillStyleLst>
-        <a:solidFill>
-          <a:schemeClr val="phClr"/>
-        </a:solidFill>
-        <a:gradFill rotWithShape="1">
-          <a:gsLst>
-            <a:gs pos="0">
-              <a:schemeClr val="phClr">
-                <a:tint val="50000"/>
-                <a:satMod val="300000"/>
-              </a:schemeClr>
-            </a:gs>
-            <a:gs pos="35000">
-              <a:schemeClr val="phClr">
-                <a:tint val="37000"/>
-                <a:satMod val="300000"/>
-              </a:schemeClr>
-            </a:gs>
-            <a:gs pos="100000">
-              <a:schemeClr val="phClr">
-                <a:tint val="15000"/>
-                <a:satMod val="350000"/>
-              </a:schemeClr>
-            </a:gs>
-          </a:gsLst>
-          <a:lin ang="16200000" scaled="1"/>
-        </a:gradFill>
-        <a:gradFill rotWithShape="1">
-          <a:gsLst>
-            <a:gs pos="0">
-              <a:schemeClr val="phClr">
-                <a:tint val="100000"/>
-                <a:shade val="100000"/>
-                <a:satMod val="130000"/>
-              </a:schemeClr>
-            </a:gs>
-            <a:gs pos="100000">
-              <a:schemeClr val="phClr">
-                <a:tint val="50000"/>
-                <a:shade val="100000"/>
-                <a:satMod val="350000"/>
-              </a:schemeClr>
-            </a:gs>
-          </a:gsLst>
-          <a:lin ang="16200000" scaled="0"/>
-        </a:gradFill>
-      </a:fillStyleLst>
-      <a:lnStyleLst>
-        <a:ln w="9525" cap="flat" cmpd="sng" algn="ctr">
-          <a:solidFill>
-            <a:schemeClr val="phClr">
-              <a:shade val="95000"/>
-              <a:satMod val="105000"/>
-            </a:schemeClr>
-          </a:solidFill>
-          <a:prstDash val="solid"/>
-        </a:ln>
-        <a:ln w="25400" cap="flat" cmpd="sng" algn="ctr">
-          <a:solidFill>
-            <a:schemeClr val="phClr"/>
-          </a:solidFill>
-          <a:prstDash val="solid"/>
-        </a:ln>
-        <a:ln w="38100" cap="flat" cmpd="sng" algn="ctr">
-          <a:solidFill>
-            <a:schemeClr val="phClr"/>
-          </a:solidFill>
-          <a:prstDash val="solid"/>
-        </a:ln>
-      </a:lnStyleLst>
-      <a:effectStyleLst>
-        <a:effectStyle>
-          <a:effectLst>
-            <a:outerShdw blurRad="40000" dist="20000" dir="5400000" rotWithShape="0">
-              <a:srgbClr val="000000">
-                <a:alpha val="38000"/>
-              </a:srgbClr>
-            </a:outerShdw>
-          </a:effectLst>
-        </a:effectStyle>
-        <a:effectStyle>
-          <a:effectLst>
-            <a:outerShdw blurRad="40000" dist="23000" dir="5400000" rotWithShape="0">
-              <a:srgbClr val="000000">
-                <a:alpha val="35000"/>
-              </a:srgbClr>
-            </a:outerShdw>
-          </a:effectLst>
-        </a:effectStyle>
-        <a:effectStyle>
-          <a:effectLst>
-            <a:outerShdw blurRad="40000" dist="23000" dir="5400000" rotWithShape="0">
-              <a:srgbClr val="000000">
-                <a:alpha val="35000"/>
-              </a:srgbClr>
-            </a:outerShdw>
-          </a:effectLst>
-          <a:scene3d>
-            <a:camera prst="orthographicFront">
-              <a:rot lat="0" lon="0" rev="0"/>
-            </a:camera>
-            <a:lightRig rig="threePt" dir="t">
-              <a:rot lat="0" lon="0" rev="1200000"/>
-            </a:lightRig>
-          </a:scene3d>
-          <a:sp3d>
-            <a:bevelT w="63500" h="25400"/>
-          </a:sp3d>
-        </a:effectStyle>
-      </a:effectStyleLst>
-      <a:bgFillStyleLst>
-        <a:solidFill>
-          <a:schemeClr val="phClr"/>
-        </a:solidFill>
-        <a:gradFill rotWithShape="1">
-          <a:gsLst>
-            <a:gs pos="0">
-              <a:schemeClr val="phClr">
-                <a:tint val="40000"/>
-                <a:satMod val="350000"/>
-              </a:schemeClr>
-            </a:gs>
-            <a:gs pos="40000">
-              <a:schemeClr val="phClr">
-                <a:tint val="45000"/>
-                <a:shade val="99000"/>
-                <a:satMod val="350000"/>
-              </a:schemeClr>
-            </a:gs>
-            <a:gs pos="100000">
-              <a:schemeClr val="phClr">
-                <a:shade val="20000"/>
-                <a:satMod val="255000"/>
-              </a:schemeClr>
-            </a:gs>
-          </a:gsLst>
-          <a:path path="circle">
-            <a:fillToRect l="50000" t="-80000" r="50000" b="180000"/>
-          </a:path>
-        </a:gradFill>
-        <a:gradFill rotWithShape="1">
-          <a:gsLst>
-            <a:gs pos="0">
-              <a:schemeClr val="phClr">
-                <a:tint val="80000"/>
-                <a:satMod val="300000"/>
-              </a:schemeClr>
-            </a:gs>
-            <a:gs pos="100000">
-              <a:schemeClr val="phClr">
-                <a:shade val="30000"/>
-                <a:satMod val="200000"/>
-              </a:schemeClr>
-            </a:gs>
-          </a:gsLst>
-          <a:path path="circle">
-            <a:fillToRect l="50000" t="50000" r="50000" b="50000"/>
-          </a:path>
-        </a:gradFill>
-      </a:bgFillStyleLst>
-    </a:fmtScheme>
-  </a:themeElements>
-</a:theme>
 </file>